--- a/typescriptVariablesTypesCntrolStructure.pptx
+++ b/typescriptVariablesTypesCntrolStructure.pptx
@@ -5,10 +5,10 @@
     <p:sldMasterId id="2147483782" r:id="rId1"/>
   </p:sldMasterIdLst>
   <p:notesMasterIdLst>
-    <p:notesMasterId r:id="rId41"/>
+    <p:notesMasterId r:id="rId44"/>
   </p:notesMasterIdLst>
   <p:handoutMasterIdLst>
-    <p:handoutMasterId r:id="rId42"/>
+    <p:handoutMasterId r:id="rId45"/>
   </p:handoutMasterIdLst>
   <p:sldIdLst>
     <p:sldId id="269" r:id="rId2"/>
@@ -17,39 +17,42 @@
     <p:sldId id="492" r:id="rId5"/>
     <p:sldId id="494" r:id="rId6"/>
     <p:sldId id="354" r:id="rId7"/>
-    <p:sldId id="501" r:id="rId8"/>
-    <p:sldId id="506" r:id="rId9"/>
-    <p:sldId id="496" r:id="rId10"/>
-    <p:sldId id="400" r:id="rId11"/>
-    <p:sldId id="497" r:id="rId12"/>
-    <p:sldId id="498" r:id="rId13"/>
-    <p:sldId id="499" r:id="rId14"/>
-    <p:sldId id="503" r:id="rId15"/>
-    <p:sldId id="500" r:id="rId16"/>
-    <p:sldId id="502" r:id="rId17"/>
-    <p:sldId id="363" r:id="rId18"/>
-    <p:sldId id="365" r:id="rId19"/>
-    <p:sldId id="366" r:id="rId20"/>
-    <p:sldId id="367" r:id="rId21"/>
-    <p:sldId id="368" r:id="rId22"/>
-    <p:sldId id="369" r:id="rId23"/>
-    <p:sldId id="371" r:id="rId24"/>
-    <p:sldId id="372" r:id="rId25"/>
-    <p:sldId id="373" r:id="rId26"/>
-    <p:sldId id="397" r:id="rId27"/>
-    <p:sldId id="375" r:id="rId28"/>
-    <p:sldId id="504" r:id="rId29"/>
-    <p:sldId id="505" r:id="rId30"/>
-    <p:sldId id="507" r:id="rId31"/>
-    <p:sldId id="509" r:id="rId32"/>
-    <p:sldId id="508" r:id="rId33"/>
-    <p:sldId id="510" r:id="rId34"/>
-    <p:sldId id="511" r:id="rId35"/>
-    <p:sldId id="512" r:id="rId36"/>
-    <p:sldId id="513" r:id="rId37"/>
-    <p:sldId id="514" r:id="rId38"/>
-    <p:sldId id="515" r:id="rId39"/>
-    <p:sldId id="493" r:id="rId40"/>
+    <p:sldId id="496" r:id="rId8"/>
+    <p:sldId id="501" r:id="rId9"/>
+    <p:sldId id="506" r:id="rId10"/>
+    <p:sldId id="516" r:id="rId11"/>
+    <p:sldId id="517" r:id="rId12"/>
+    <p:sldId id="518" r:id="rId13"/>
+    <p:sldId id="400" r:id="rId14"/>
+    <p:sldId id="497" r:id="rId15"/>
+    <p:sldId id="498" r:id="rId16"/>
+    <p:sldId id="499" r:id="rId17"/>
+    <p:sldId id="521" r:id="rId18"/>
+    <p:sldId id="503" r:id="rId19"/>
+    <p:sldId id="500" r:id="rId20"/>
+    <p:sldId id="502" r:id="rId21"/>
+    <p:sldId id="363" r:id="rId22"/>
+    <p:sldId id="365" r:id="rId23"/>
+    <p:sldId id="366" r:id="rId24"/>
+    <p:sldId id="367" r:id="rId25"/>
+    <p:sldId id="368" r:id="rId26"/>
+    <p:sldId id="369" r:id="rId27"/>
+    <p:sldId id="371" r:id="rId28"/>
+    <p:sldId id="372" r:id="rId29"/>
+    <p:sldId id="373" r:id="rId30"/>
+    <p:sldId id="397" r:id="rId31"/>
+    <p:sldId id="375" r:id="rId32"/>
+    <p:sldId id="504" r:id="rId33"/>
+    <p:sldId id="505" r:id="rId34"/>
+    <p:sldId id="507" r:id="rId35"/>
+    <p:sldId id="509" r:id="rId36"/>
+    <p:sldId id="519" r:id="rId37"/>
+    <p:sldId id="510" r:id="rId38"/>
+    <p:sldId id="511" r:id="rId39"/>
+    <p:sldId id="520" r:id="rId40"/>
+    <p:sldId id="514" r:id="rId41"/>
+    <p:sldId id="515" r:id="rId42"/>
+    <p:sldId id="493" r:id="rId43"/>
   </p:sldIdLst>
   <p:sldSz cx="9144000" cy="6858000" type="screen4x3"/>
   <p:notesSz cx="6858000" cy="9144000"/>
@@ -264,7 +267,7 @@
             <a:fld id="{D9BF3176-BDCC-49EA-B30D-5437BB8C7604}" type="datetimeFigureOut">
               <a:rPr lang="en-US" smtClean="0"/>
               <a:pPr/>
-              <a:t>1/16/2023</a:t>
+              <a:t>1/23/2024</a:t>
             </a:fld>
             <a:endParaRPr lang="en-US"/>
           </a:p>
@@ -431,7 +434,7 @@
             <a:fld id="{DCAB7907-3328-40C6-81DC-094447F4187C}" type="datetimeFigureOut">
               <a:rPr lang="en-US" smtClean="0"/>
               <a:pPr/>
-              <a:t>1/16/2023</a:t>
+              <a:t>1/23/2024</a:t>
             </a:fld>
             <a:endParaRPr lang="en-US"/>
           </a:p>
@@ -2275,10 +2278,7 @@
             <a:lvl1pPr>
               <a:defRPr sz="4400" i="1">
                 <a:solidFill>
-                  <a:schemeClr val="accent1">
-                    <a:lumMod val="40000"/>
-                    <a:lumOff val="60000"/>
-                  </a:schemeClr>
+                  <a:srgbClr val="FF0000"/>
                 </a:solidFill>
               </a:defRPr>
             </a:lvl1pPr>
@@ -2288,36 +2288,6 @@
           </a:p>
         </p:txBody>
       </p:sp>
-      <p:pic>
-        <p:nvPicPr>
-          <p:cNvPr id="5" name="Picture 4">
-            <a:extLst>
-              <a:ext uri="{FF2B5EF4-FFF2-40B4-BE49-F238E27FC236}">
-                <a16:creationId xmlns:a16="http://schemas.microsoft.com/office/drawing/2014/main" id="{2C31135F-FDC3-46A1-A52E-93E39F0EC6D9}"/>
-              </a:ext>
-            </a:extLst>
-          </p:cNvPr>
-          <p:cNvPicPr>
-            <a:picLocks noChangeAspect="1"/>
-          </p:cNvPicPr>
-          <p:nvPr userDrawn="1"/>
-        </p:nvPicPr>
-        <p:blipFill>
-          <a:blip r:embed="rId2"/>
-          <a:stretch>
-            <a:fillRect/>
-          </a:stretch>
-        </p:blipFill>
-        <p:spPr>
-          <a:xfrm>
-            <a:off x="455023" y="493957"/>
-            <a:ext cx="8207828" cy="877644"/>
-          </a:xfrm>
-          <a:prstGeom prst="rect">
-            <a:avLst/>
-          </a:prstGeom>
-        </p:spPr>
-      </p:pic>
     </p:spTree>
   </p:cSld>
   <p:clrMapOvr>
@@ -3716,10 +3686,10 @@
       </p:sp>
       <p:pic>
         <p:nvPicPr>
-          <p:cNvPr id="6" name="Picture 5">
-            <a:extLst>
-              <a:ext uri="{FF2B5EF4-FFF2-40B4-BE49-F238E27FC236}">
-                <a16:creationId xmlns:a16="http://schemas.microsoft.com/office/drawing/2014/main" id="{394EF75B-DA97-4E72-8342-10BE88B44E11}"/>
+          <p:cNvPr id="4" name="Picture 3">
+            <a:extLst>
+              <a:ext uri="{FF2B5EF4-FFF2-40B4-BE49-F238E27FC236}">
+                <a16:creationId xmlns:a16="http://schemas.microsoft.com/office/drawing/2014/main" id="{4B1B59E9-D26C-EF3B-6C70-63D31D8B6773}"/>
               </a:ext>
             </a:extLst>
           </p:cNvPr>
@@ -3736,8 +3706,8 @@
         </p:blipFill>
         <p:spPr>
           <a:xfrm>
-            <a:off x="0" y="5943600"/>
-            <a:ext cx="6553200" cy="874512"/>
+            <a:off x="72736" y="34636"/>
+            <a:ext cx="8998527" cy="891452"/>
           </a:xfrm>
           <a:prstGeom prst="rect">
             <a:avLst/>
@@ -4154,12 +4124,97 @@
           <a:chExt cx="0" cy="0"/>
         </a:xfrm>
       </p:grpSpPr>
+      <p:sp>
+        <p:nvSpPr>
+          <p:cNvPr id="2" name="Content Placeholder 1">
+            <a:extLst>
+              <a:ext uri="{FF2B5EF4-FFF2-40B4-BE49-F238E27FC236}">
+                <a16:creationId xmlns:a16="http://schemas.microsoft.com/office/drawing/2014/main" id="{720F2549-C4F7-3B86-8ABA-E092680D6030}"/>
+              </a:ext>
+            </a:extLst>
+          </p:cNvPr>
+          <p:cNvSpPr>
+            <a:spLocks noGrp="1"/>
+          </p:cNvSpPr>
+          <p:nvPr>
+            <p:ph idx="1"/>
+          </p:nvPr>
+        </p:nvSpPr>
+        <p:spPr>
+          <a:xfrm>
+            <a:off x="457200" y="1371601"/>
+            <a:ext cx="8229600" cy="3990974"/>
+          </a:xfrm>
+        </p:spPr>
+        <p:txBody>
+          <a:bodyPr>
+            <a:normAutofit/>
+          </a:bodyPr>
+          <a:lstStyle/>
+          <a:p>
+            <a:pPr algn="just"/>
+            <a:r>
+              <a:rPr lang="en-US" sz="2800" dirty="0"/>
+              <a:t>install the prompt-sync package from the </a:t>
+            </a:r>
+            <a:r>
+              <a:rPr lang="en-US" sz="2800" dirty="0" err="1"/>
+              <a:t>npm</a:t>
+            </a:r>
+            <a:r>
+              <a:rPr lang="en-US" sz="2800" dirty="0"/>
+              <a:t> (Node Package Manager)</a:t>
+            </a:r>
+          </a:p>
+          <a:p>
+            <a:pPr algn="just"/>
+            <a:r>
+              <a:rPr lang="en-US" sz="2800" dirty="0"/>
+              <a:t>prompt-sync package, which is a simple synchronous prompt for the command line. It allows you to easily get user input in a synchronous manner, making it convenient for simple command-line applications.</a:t>
+            </a:r>
+          </a:p>
+        </p:txBody>
+      </p:sp>
+      <p:sp>
+        <p:nvSpPr>
+          <p:cNvPr id="3" name="Title 2">
+            <a:extLst>
+              <a:ext uri="{FF2B5EF4-FFF2-40B4-BE49-F238E27FC236}">
+                <a16:creationId xmlns:a16="http://schemas.microsoft.com/office/drawing/2014/main" id="{A5FECFF3-9F52-F42B-659D-80F2587D8EF5}"/>
+              </a:ext>
+            </a:extLst>
+          </p:cNvPr>
+          <p:cNvSpPr>
+            <a:spLocks noGrp="1"/>
+          </p:cNvSpPr>
+          <p:nvPr>
+            <p:ph type="ctrTitle"/>
+          </p:nvPr>
+        </p:nvSpPr>
+        <p:spPr/>
+        <p:txBody>
+          <a:bodyPr>
+            <a:normAutofit/>
+          </a:bodyPr>
+          <a:lstStyle/>
+          <a:p>
+            <a:r>
+              <a:rPr lang="en-US" sz="3600" dirty="0">
+                <a:solidFill>
+                  <a:srgbClr val="FF0000"/>
+                </a:solidFill>
+              </a:rPr>
+              <a:t>How to take input from user?</a:t>
+            </a:r>
+          </a:p>
+        </p:txBody>
+      </p:sp>
       <p:pic>
         <p:nvPicPr>
-          <p:cNvPr id="7" name="Picture 6">
-            <a:extLst>
-              <a:ext uri="{FF2B5EF4-FFF2-40B4-BE49-F238E27FC236}">
-                <a16:creationId xmlns:a16="http://schemas.microsoft.com/office/drawing/2014/main" id="{964F61B6-B739-4C67-8EBE-5DEAE2E08F54}"/>
+          <p:cNvPr id="5" name="Picture 4">
+            <a:extLst>
+              <a:ext uri="{FF2B5EF4-FFF2-40B4-BE49-F238E27FC236}">
+                <a16:creationId xmlns:a16="http://schemas.microsoft.com/office/drawing/2014/main" id="{19C5281D-8D79-D94B-0040-AED41018A534}"/>
               </a:ext>
             </a:extLst>
           </p:cNvPr>
@@ -4176,59 +4231,18 @@
         </p:blipFill>
         <p:spPr>
           <a:xfrm>
-            <a:off x="464408" y="1524000"/>
-            <a:ext cx="8215183" cy="4121516"/>
+            <a:off x="966024" y="4236445"/>
+            <a:ext cx="7709890" cy="2181416"/>
           </a:xfrm>
           <a:prstGeom prst="rect">
             <a:avLst/>
           </a:prstGeom>
         </p:spPr>
       </p:pic>
-      <p:sp>
-        <p:nvSpPr>
-          <p:cNvPr id="2" name="TextBox 1">
-            <a:extLst>
-              <a:ext uri="{FF2B5EF4-FFF2-40B4-BE49-F238E27FC236}">
-                <a16:creationId xmlns:a16="http://schemas.microsoft.com/office/drawing/2014/main" id="{85DC7181-EDD3-4CB8-A678-39A25B729039}"/>
-              </a:ext>
-            </a:extLst>
-          </p:cNvPr>
-          <p:cNvSpPr txBox="1"/>
-          <p:nvPr/>
-        </p:nvSpPr>
-        <p:spPr>
-          <a:xfrm>
-            <a:off x="464408" y="609600"/>
-            <a:ext cx="2901136" cy="646331"/>
-          </a:xfrm>
-          <a:prstGeom prst="rect">
-            <a:avLst/>
-          </a:prstGeom>
-          <a:noFill/>
-        </p:spPr>
-        <p:txBody>
-          <a:bodyPr wrap="square" rtlCol="0">
-            <a:spAutoFit/>
-          </a:bodyPr>
-          <a:lstStyle/>
-          <a:p>
-            <a:r>
-              <a:rPr lang="en-US" sz="3600" i="1" dirty="0">
-                <a:solidFill>
-                  <a:schemeClr val="bg2">
-                    <a:lumMod val="50000"/>
-                  </a:schemeClr>
-                </a:solidFill>
-              </a:rPr>
-              <a:t>operators</a:t>
-            </a:r>
-          </a:p>
-        </p:txBody>
-      </p:sp>
     </p:spTree>
     <p:extLst>
       <p:ext uri="{BB962C8B-B14F-4D97-AF65-F5344CB8AC3E}">
-        <p14:creationId xmlns:p14="http://schemas.microsoft.com/office/powerpoint/2010/main" val="748472395"/>
+        <p14:creationId xmlns:p14="http://schemas.microsoft.com/office/powerpoint/2010/main" val="3659834252"/>
       </p:ext>
     </p:extLst>
   </p:cSld>
@@ -4260,7 +4274,7 @@
           <p:cNvPr id="2" name="Content Placeholder 1">
             <a:extLst>
               <a:ext uri="{FF2B5EF4-FFF2-40B4-BE49-F238E27FC236}">
-                <a16:creationId xmlns:a16="http://schemas.microsoft.com/office/drawing/2014/main" id="{C21F89A0-7CAA-4858-B5BA-055389F56C1C}"/>
+                <a16:creationId xmlns:a16="http://schemas.microsoft.com/office/drawing/2014/main" id="{DC7ACEA2-7666-39EC-FE5F-9B1490C1F956}"/>
               </a:ext>
             </a:extLst>
           </p:cNvPr>
@@ -4271,62 +4285,47 @@
             <p:ph idx="1"/>
           </p:nvPr>
         </p:nvSpPr>
-        <p:spPr/>
+        <p:spPr>
+          <a:xfrm>
+            <a:off x="304800" y="4190999"/>
+            <a:ext cx="8229600" cy="1447800"/>
+          </a:xfrm>
+        </p:spPr>
         <p:txBody>
           <a:bodyPr>
-            <a:normAutofit fontScale="85000" lnSpcReduction="20000"/>
+            <a:normAutofit lnSpcReduction="10000"/>
           </a:bodyPr>
           <a:lstStyle/>
           <a:p>
-            <a:r>
-              <a:rPr lang="en-US" dirty="0"/>
-              <a:t>Arithmetic Operators</a:t>
-            </a:r>
-          </a:p>
-          <a:p>
-            <a:r>
-              <a:rPr lang="en-US" dirty="0"/>
-              <a:t>Comparison Operators</a:t>
-            </a:r>
-          </a:p>
-          <a:p>
-            <a:r>
-              <a:rPr lang="en-US" dirty="0"/>
-              <a:t>Bitwise Operators</a:t>
-            </a:r>
-          </a:p>
-          <a:p>
-            <a:r>
-              <a:rPr lang="en-US" dirty="0"/>
-              <a:t>Logical Operators</a:t>
-            </a:r>
-          </a:p>
-          <a:p>
-            <a:r>
-              <a:rPr lang="en-US" dirty="0"/>
-              <a:t>Assignment Operators</a:t>
-            </a:r>
-          </a:p>
-          <a:p>
-            <a:r>
-              <a:rPr lang="en-US" dirty="0"/>
-              <a:t>Conditional Operator</a:t>
-            </a:r>
-          </a:p>
-          <a:p>
-            <a:r>
-              <a:rPr lang="en-US" dirty="0"/>
-              <a:t>String Operator</a:t>
-            </a:r>
-          </a:p>
-          <a:p>
-            <a:r>
-              <a:rPr lang="en-US" dirty="0"/>
-              <a:t>typeof Operator</a:t>
-            </a:r>
-          </a:p>
-          <a:p>
-            <a:endParaRPr lang="en-US" dirty="0"/>
+            <a:pPr marL="0" indent="0" algn="just">
+              <a:buNone/>
+            </a:pPr>
+            <a:r>
+              <a:rPr lang="en-US" sz="2400" b="1" dirty="0">
+                <a:solidFill>
+                  <a:srgbClr val="C00000"/>
+                </a:solidFill>
+              </a:rPr>
+              <a:t>import * as promptSync: </a:t>
+            </a:r>
+            <a:r>
+              <a:rPr lang="en-US" sz="2400" dirty="0">
+                <a:solidFill>
+                  <a:srgbClr val="002060"/>
+                </a:solidFill>
+              </a:rPr>
+              <a:t>This part of the code is importing all the exports from the 'prompt-sync' module and bundling them into an object named promptSync. The * character is a wildcard that signifies importing all exports from the module.</a:t>
+            </a:r>
+          </a:p>
+          <a:p>
+            <a:pPr marL="0" indent="0" algn="just">
+              <a:buNone/>
+            </a:pPr>
+            <a:endParaRPr lang="en-US" sz="2400" dirty="0">
+              <a:solidFill>
+                <a:srgbClr val="002060"/>
+              </a:solidFill>
+            </a:endParaRPr>
           </a:p>
         </p:txBody>
       </p:sp>
@@ -4335,7 +4334,7 @@
           <p:cNvPr id="3" name="Title 2">
             <a:extLst>
               <a:ext uri="{FF2B5EF4-FFF2-40B4-BE49-F238E27FC236}">
-                <a16:creationId xmlns:a16="http://schemas.microsoft.com/office/drawing/2014/main" id="{64B18826-BF5E-433A-B50A-4CBD0B21D289}"/>
+                <a16:creationId xmlns:a16="http://schemas.microsoft.com/office/drawing/2014/main" id="{EE7F0109-2A2A-D486-AB9A-064069DB0012}"/>
               </a:ext>
             </a:extLst>
           </p:cNvPr>
@@ -4349,28 +4348,56 @@
         <p:spPr/>
         <p:txBody>
           <a:bodyPr>
-            <a:normAutofit fontScale="90000"/>
+            <a:normAutofit/>
           </a:bodyPr>
           <a:lstStyle/>
           <a:p>
-            <a:br>
-              <a:rPr lang="en-US" b="1" dirty="0"/>
-            </a:br>
-            <a:r>
-              <a:rPr lang="en-US" dirty="0"/>
-              <a:t>TypeScript operators</a:t>
-            </a:r>
-            <a:br>
-              <a:rPr lang="en-US" b="1" dirty="0"/>
-            </a:br>
-            <a:endParaRPr lang="en-US" dirty="0"/>
+            <a:r>
+              <a:rPr lang="en-US" sz="2800" dirty="0">
+                <a:solidFill>
+                  <a:srgbClr val="FF0000"/>
+                </a:solidFill>
+              </a:rPr>
+              <a:t>How to take input from user? Continued…..</a:t>
+            </a:r>
+            <a:endParaRPr lang="en-US" sz="2800" dirty="0"/>
           </a:p>
         </p:txBody>
       </p:sp>
+      <p:pic>
+        <p:nvPicPr>
+          <p:cNvPr id="5" name="Picture 4">
+            <a:extLst>
+              <a:ext uri="{FF2B5EF4-FFF2-40B4-BE49-F238E27FC236}">
+                <a16:creationId xmlns:a16="http://schemas.microsoft.com/office/drawing/2014/main" id="{52773EDF-C913-5ACF-4295-3EEABC2B9E9D}"/>
+              </a:ext>
+            </a:extLst>
+          </p:cNvPr>
+          <p:cNvPicPr>
+            <a:picLocks noChangeAspect="1"/>
+          </p:cNvPicPr>
+          <p:nvPr/>
+        </p:nvPicPr>
+        <p:blipFill>
+          <a:blip r:embed="rId2"/>
+          <a:stretch>
+            <a:fillRect/>
+          </a:stretch>
+        </p:blipFill>
+        <p:spPr>
+          <a:xfrm>
+            <a:off x="428825" y="1219200"/>
+            <a:ext cx="7263084" cy="2743200"/>
+          </a:xfrm>
+          <a:prstGeom prst="rect">
+            <a:avLst/>
+          </a:prstGeom>
+        </p:spPr>
+      </p:pic>
     </p:spTree>
     <p:extLst>
       <p:ext uri="{BB962C8B-B14F-4D97-AF65-F5344CB8AC3E}">
-        <p14:creationId xmlns:p14="http://schemas.microsoft.com/office/powerpoint/2010/main" val="2676347101"/>
+        <p14:creationId xmlns:p14="http://schemas.microsoft.com/office/powerpoint/2010/main" val="2118754943"/>
       </p:ext>
     </p:extLst>
   </p:cSld>
@@ -4399,10 +4426,76 @@
       </p:grpSpPr>
       <p:sp>
         <p:nvSpPr>
+          <p:cNvPr id="2" name="Content Placeholder 1">
+            <a:extLst>
+              <a:ext uri="{FF2B5EF4-FFF2-40B4-BE49-F238E27FC236}">
+                <a16:creationId xmlns:a16="http://schemas.microsoft.com/office/drawing/2014/main" id="{9F9B32F4-D641-C9BB-E099-556B27BE855F}"/>
+              </a:ext>
+            </a:extLst>
+          </p:cNvPr>
+          <p:cNvSpPr>
+            <a:spLocks noGrp="1"/>
+          </p:cNvSpPr>
+          <p:nvPr>
+            <p:ph idx="1"/>
+          </p:nvPr>
+        </p:nvSpPr>
+        <p:spPr/>
+        <p:txBody>
+          <a:bodyPr>
+            <a:normAutofit/>
+          </a:bodyPr>
+          <a:lstStyle/>
+          <a:p>
+            <a:pPr marL="0" indent="0" algn="just">
+              <a:buNone/>
+            </a:pPr>
+            <a:r>
+              <a:rPr lang="en-US" sz="2400" b="1" dirty="0">
+                <a:solidFill>
+                  <a:srgbClr val="C00000"/>
+                </a:solidFill>
+              </a:rPr>
+              <a:t>const prompt: </a:t>
+            </a:r>
+            <a:r>
+              <a:rPr lang="en-US" sz="2000" dirty="0">
+                <a:solidFill>
+                  <a:srgbClr val="002060"/>
+                </a:solidFill>
+              </a:rPr>
+              <a:t>This declares a constant variable named prompt. The const keyword is used to create a variable that cannot be reassigned.</a:t>
+            </a:r>
+          </a:p>
+          <a:p>
+            <a:pPr marL="0" indent="0" algn="just">
+              <a:buNone/>
+            </a:pPr>
+            <a:r>
+              <a:rPr lang="en-US" sz="2400" b="1" dirty="0">
+                <a:solidFill>
+                  <a:srgbClr val="C00000"/>
+                </a:solidFill>
+              </a:rPr>
+              <a:t>promptSync(): </a:t>
+            </a:r>
+            <a:r>
+              <a:rPr lang="en-US" sz="2000" dirty="0">
+                <a:solidFill>
+                  <a:srgbClr val="002060"/>
+                </a:solidFill>
+              </a:rPr>
+              <a:t>This part of the code calls the function returned by the prompt-sync module. This function is typically used for synchronous user input prompts in a console environment. The function returned by prompt-sync is used to capture input from the user in a blocking (synchronous) manner, which means the program will wait for the user to input something before proceeding.</a:t>
+            </a:r>
+          </a:p>
+        </p:txBody>
+      </p:sp>
+      <p:sp>
+        <p:nvSpPr>
           <p:cNvPr id="3" name="Title 2">
             <a:extLst>
               <a:ext uri="{FF2B5EF4-FFF2-40B4-BE49-F238E27FC236}">
-                <a16:creationId xmlns:a16="http://schemas.microsoft.com/office/drawing/2014/main" id="{4EDBC7A9-E39E-4B6A-96E8-7F842CBE6B6E}"/>
+                <a16:creationId xmlns:a16="http://schemas.microsoft.com/office/drawing/2014/main" id="{CBC28B08-2EF5-6CEF-A3A4-4DA8D713900A}"/>
               </a:ext>
             </a:extLst>
           </p:cNvPr>
@@ -4416,58 +4509,26 @@
         <p:spPr/>
         <p:txBody>
           <a:bodyPr>
-            <a:normAutofit fontScale="90000"/>
+            <a:noAutofit/>
           </a:bodyPr>
           <a:lstStyle/>
           <a:p>
-            <a:br>
-              <a:rPr lang="en-US" dirty="0"/>
-            </a:br>
-            <a:r>
-              <a:rPr lang="en-US" dirty="0"/>
-              <a:t>Arithmetic Operators</a:t>
-            </a:r>
-            <a:br>
-              <a:rPr lang="en-US" dirty="0"/>
-            </a:br>
-            <a:endParaRPr lang="en-US" dirty="0"/>
+            <a:r>
+              <a:rPr lang="en-US" sz="2800" dirty="0">
+                <a:solidFill>
+                  <a:srgbClr val="FF0000"/>
+                </a:solidFill>
+              </a:rPr>
+              <a:t>How to take input from user? Continued…..</a:t>
+            </a:r>
+            <a:endParaRPr lang="en-US" sz="2800" dirty="0"/>
           </a:p>
         </p:txBody>
       </p:sp>
-      <p:pic>
-        <p:nvPicPr>
-          <p:cNvPr id="4" name="Picture 3">
-            <a:extLst>
-              <a:ext uri="{FF2B5EF4-FFF2-40B4-BE49-F238E27FC236}">
-                <a16:creationId xmlns:a16="http://schemas.microsoft.com/office/drawing/2014/main" id="{78E00BAE-FC1A-4462-BCBF-8E9E679CA6E7}"/>
-              </a:ext>
-            </a:extLst>
-          </p:cNvPr>
-          <p:cNvPicPr>
-            <a:picLocks noChangeAspect="1"/>
-          </p:cNvPicPr>
-          <p:nvPr/>
-        </p:nvPicPr>
-        <p:blipFill>
-          <a:blip r:embed="rId2"/>
-          <a:stretch>
-            <a:fillRect/>
-          </a:stretch>
-        </p:blipFill>
-        <p:spPr>
-          <a:xfrm>
-            <a:off x="446314" y="1412906"/>
-            <a:ext cx="8229600" cy="4302093"/>
-          </a:xfrm>
-          <a:prstGeom prst="rect">
-            <a:avLst/>
-          </a:prstGeom>
-        </p:spPr>
-      </p:pic>
     </p:spTree>
     <p:extLst>
       <p:ext uri="{BB962C8B-B14F-4D97-AF65-F5344CB8AC3E}">
-        <p14:creationId xmlns:p14="http://schemas.microsoft.com/office/powerpoint/2010/main" val="2086267447"/>
+        <p14:creationId xmlns:p14="http://schemas.microsoft.com/office/powerpoint/2010/main" val="474736287"/>
       </p:ext>
     </p:extLst>
   </p:cSld>
@@ -4494,49 +4555,12 @@
           <a:chExt cx="0" cy="0"/>
         </a:xfrm>
       </p:grpSpPr>
-      <p:sp>
-        <p:nvSpPr>
-          <p:cNvPr id="3" name="Title 2">
-            <a:extLst>
-              <a:ext uri="{FF2B5EF4-FFF2-40B4-BE49-F238E27FC236}">
-                <a16:creationId xmlns:a16="http://schemas.microsoft.com/office/drawing/2014/main" id="{88E66131-A450-4238-BBFA-4E59D8B3419F}"/>
-              </a:ext>
-            </a:extLst>
-          </p:cNvPr>
-          <p:cNvSpPr>
-            <a:spLocks noGrp="1"/>
-          </p:cNvSpPr>
-          <p:nvPr>
-            <p:ph type="ctrTitle"/>
-          </p:nvPr>
-        </p:nvSpPr>
-        <p:spPr/>
-        <p:txBody>
-          <a:bodyPr>
-            <a:normAutofit fontScale="90000"/>
-          </a:bodyPr>
-          <a:lstStyle/>
-          <a:p>
-            <a:br>
-              <a:rPr lang="en-US" dirty="0"/>
-            </a:br>
-            <a:r>
-              <a:rPr lang="en-US" dirty="0"/>
-              <a:t>Comparison Operators</a:t>
-            </a:r>
-            <a:br>
-              <a:rPr lang="en-US" dirty="0"/>
-            </a:br>
-            <a:endParaRPr lang="en-US" dirty="0"/>
-          </a:p>
-        </p:txBody>
-      </p:sp>
       <p:pic>
         <p:nvPicPr>
-          <p:cNvPr id="4" name="Picture 3">
-            <a:extLst>
-              <a:ext uri="{FF2B5EF4-FFF2-40B4-BE49-F238E27FC236}">
-                <a16:creationId xmlns:a16="http://schemas.microsoft.com/office/drawing/2014/main" id="{467FF069-07E6-4C04-AC45-42F0139DA8C8}"/>
+          <p:cNvPr id="7" name="Picture 6">
+            <a:extLst>
+              <a:ext uri="{FF2B5EF4-FFF2-40B4-BE49-F238E27FC236}">
+                <a16:creationId xmlns:a16="http://schemas.microsoft.com/office/drawing/2014/main" id="{964F61B6-B739-4C67-8EBE-5DEAE2E08F54}"/>
               </a:ext>
             </a:extLst>
           </p:cNvPr>
@@ -4553,18 +4577,57 @@
         </p:blipFill>
         <p:spPr>
           <a:xfrm>
-            <a:off x="420523" y="1405158"/>
-            <a:ext cx="8147130" cy="4386042"/>
+            <a:off x="464408" y="1524000"/>
+            <a:ext cx="8215183" cy="4121516"/>
           </a:xfrm>
           <a:prstGeom prst="rect">
             <a:avLst/>
           </a:prstGeom>
         </p:spPr>
       </p:pic>
+      <p:sp>
+        <p:nvSpPr>
+          <p:cNvPr id="2" name="TextBox 1">
+            <a:extLst>
+              <a:ext uri="{FF2B5EF4-FFF2-40B4-BE49-F238E27FC236}">
+                <a16:creationId xmlns:a16="http://schemas.microsoft.com/office/drawing/2014/main" id="{85DC7181-EDD3-4CB8-A678-39A25B729039}"/>
+              </a:ext>
+            </a:extLst>
+          </p:cNvPr>
+          <p:cNvSpPr txBox="1"/>
+          <p:nvPr/>
+        </p:nvSpPr>
+        <p:spPr>
+          <a:xfrm>
+            <a:off x="228600" y="566153"/>
+            <a:ext cx="2901136" cy="646331"/>
+          </a:xfrm>
+          <a:prstGeom prst="rect">
+            <a:avLst/>
+          </a:prstGeom>
+          <a:noFill/>
+        </p:spPr>
+        <p:txBody>
+          <a:bodyPr wrap="square" rtlCol="0">
+            <a:spAutoFit/>
+          </a:bodyPr>
+          <a:lstStyle/>
+          <a:p>
+            <a:r>
+              <a:rPr lang="en-US" sz="3600" i="1" dirty="0">
+                <a:solidFill>
+                  <a:srgbClr val="FF0000"/>
+                </a:solidFill>
+              </a:rPr>
+              <a:t>  operators</a:t>
+            </a:r>
+          </a:p>
+        </p:txBody>
+      </p:sp>
     </p:spTree>
     <p:extLst>
       <p:ext uri="{BB962C8B-B14F-4D97-AF65-F5344CB8AC3E}">
-        <p14:creationId xmlns:p14="http://schemas.microsoft.com/office/powerpoint/2010/main" val="1531288993"/>
+        <p14:creationId xmlns:p14="http://schemas.microsoft.com/office/powerpoint/2010/main" val="748472395"/>
       </p:ext>
     </p:extLst>
   </p:cSld>
@@ -4593,10 +4656,85 @@
       </p:grpSpPr>
       <p:sp>
         <p:nvSpPr>
+          <p:cNvPr id="2" name="Content Placeholder 1">
+            <a:extLst>
+              <a:ext uri="{FF2B5EF4-FFF2-40B4-BE49-F238E27FC236}">
+                <a16:creationId xmlns:a16="http://schemas.microsoft.com/office/drawing/2014/main" id="{C21F89A0-7CAA-4858-B5BA-055389F56C1C}"/>
+              </a:ext>
+            </a:extLst>
+          </p:cNvPr>
+          <p:cNvSpPr>
+            <a:spLocks noGrp="1"/>
+          </p:cNvSpPr>
+          <p:nvPr>
+            <p:ph idx="1"/>
+          </p:nvPr>
+        </p:nvSpPr>
+        <p:spPr/>
+        <p:txBody>
+          <a:bodyPr>
+            <a:normAutofit fontScale="85000" lnSpcReduction="20000"/>
+          </a:bodyPr>
+          <a:lstStyle/>
+          <a:p>
+            <a:r>
+              <a:rPr lang="en-US" dirty="0"/>
+              <a:t>Arithmetic Operators</a:t>
+            </a:r>
+          </a:p>
+          <a:p>
+            <a:r>
+              <a:rPr lang="en-US" dirty="0"/>
+              <a:t>Comparison Operators</a:t>
+            </a:r>
+          </a:p>
+          <a:p>
+            <a:r>
+              <a:rPr lang="en-US" dirty="0"/>
+              <a:t>Bitwise Operators</a:t>
+            </a:r>
+          </a:p>
+          <a:p>
+            <a:r>
+              <a:rPr lang="en-US" dirty="0"/>
+              <a:t>Logical Operators</a:t>
+            </a:r>
+          </a:p>
+          <a:p>
+            <a:r>
+              <a:rPr lang="en-US" dirty="0"/>
+              <a:t>Assignment Operators</a:t>
+            </a:r>
+          </a:p>
+          <a:p>
+            <a:r>
+              <a:rPr lang="en-US" dirty="0"/>
+              <a:t>Conditional Operator</a:t>
+            </a:r>
+          </a:p>
+          <a:p>
+            <a:r>
+              <a:rPr lang="en-US" dirty="0"/>
+              <a:t>String Operator</a:t>
+            </a:r>
+          </a:p>
+          <a:p>
+            <a:r>
+              <a:rPr lang="en-US" dirty="0"/>
+              <a:t>typeof Operator</a:t>
+            </a:r>
+          </a:p>
+          <a:p>
+            <a:endParaRPr lang="en-US" dirty="0"/>
+          </a:p>
+        </p:txBody>
+      </p:sp>
+      <p:sp>
+        <p:nvSpPr>
           <p:cNvPr id="3" name="Title 2">
             <a:extLst>
               <a:ext uri="{FF2B5EF4-FFF2-40B4-BE49-F238E27FC236}">
-                <a16:creationId xmlns:a16="http://schemas.microsoft.com/office/drawing/2014/main" id="{33540F5C-8B41-45BE-B502-A0FCD0185E6A}"/>
+                <a16:creationId xmlns:a16="http://schemas.microsoft.com/office/drawing/2014/main" id="{64B18826-BF5E-433A-B50A-4CBD0B21D289}"/>
               </a:ext>
             </a:extLst>
           </p:cNvPr>
@@ -4609,50 +4747,33 @@
         </p:nvSpPr>
         <p:spPr/>
         <p:txBody>
-          <a:bodyPr/>
+          <a:bodyPr>
+            <a:normAutofit fontScale="90000"/>
+          </a:bodyPr>
           <a:lstStyle/>
           <a:p>
-            <a:r>
-              <a:rPr lang="en-US" dirty="0"/>
-              <a:t>Assignment operators</a:t>
-            </a:r>
+            <a:br>
+              <a:rPr lang="en-US" b="1" dirty="0"/>
+            </a:br>
+            <a:r>
+              <a:rPr lang="en-US" dirty="0">
+                <a:solidFill>
+                  <a:srgbClr val="FF0000"/>
+                </a:solidFill>
+              </a:rPr>
+              <a:t>TypeScript operators</a:t>
+            </a:r>
+            <a:br>
+              <a:rPr lang="en-US" b="1" dirty="0"/>
+            </a:br>
+            <a:endParaRPr lang="en-US" dirty="0"/>
           </a:p>
         </p:txBody>
       </p:sp>
-      <p:pic>
-        <p:nvPicPr>
-          <p:cNvPr id="4" name="Picture 3">
-            <a:extLst>
-              <a:ext uri="{FF2B5EF4-FFF2-40B4-BE49-F238E27FC236}">
-                <a16:creationId xmlns:a16="http://schemas.microsoft.com/office/drawing/2014/main" id="{B9A8D646-0E2C-4569-AAF4-0786AE29779D}"/>
-              </a:ext>
-            </a:extLst>
-          </p:cNvPr>
-          <p:cNvPicPr>
-            <a:picLocks noChangeAspect="1"/>
-          </p:cNvPicPr>
-          <p:nvPr/>
-        </p:nvPicPr>
-        <p:blipFill>
-          <a:blip r:embed="rId2"/>
-          <a:stretch>
-            <a:fillRect/>
-          </a:stretch>
-        </p:blipFill>
-        <p:spPr>
-          <a:xfrm>
-            <a:off x="446314" y="1562334"/>
-            <a:ext cx="8229600" cy="4000265"/>
-          </a:xfrm>
-          <a:prstGeom prst="rect">
-            <a:avLst/>
-          </a:prstGeom>
-        </p:spPr>
-      </p:pic>
     </p:spTree>
     <p:extLst>
       <p:ext uri="{BB962C8B-B14F-4D97-AF65-F5344CB8AC3E}">
-        <p14:creationId xmlns:p14="http://schemas.microsoft.com/office/powerpoint/2010/main" val="497147061"/>
+        <p14:creationId xmlns:p14="http://schemas.microsoft.com/office/powerpoint/2010/main" val="2676347101"/>
       </p:ext>
     </p:extLst>
   </p:cSld>
@@ -4684,7 +4805,7 @@
           <p:cNvPr id="3" name="Title 2">
             <a:extLst>
               <a:ext uri="{FF2B5EF4-FFF2-40B4-BE49-F238E27FC236}">
-                <a16:creationId xmlns:a16="http://schemas.microsoft.com/office/drawing/2014/main" id="{250D686A-B565-4C65-9F6B-44A74123F2FF}"/>
+                <a16:creationId xmlns:a16="http://schemas.microsoft.com/office/drawing/2014/main" id="{4EDBC7A9-E39E-4B6A-96E8-7F842CBE6B6E}"/>
               </a:ext>
             </a:extLst>
           </p:cNvPr>
@@ -4697,22 +4818,35 @@
         </p:nvSpPr>
         <p:spPr/>
         <p:txBody>
-          <a:bodyPr/>
+          <a:bodyPr>
+            <a:normAutofit fontScale="90000"/>
+          </a:bodyPr>
           <a:lstStyle/>
           <a:p>
-            <a:r>
-              <a:rPr lang="en-US" dirty="0"/>
-              <a:t>Logical operators</a:t>
-            </a:r>
+            <a:br>
+              <a:rPr lang="en-US" dirty="0"/>
+            </a:br>
+            <a:r>
+              <a:rPr lang="en-US" dirty="0">
+                <a:solidFill>
+                  <a:srgbClr val="FF0000"/>
+                </a:solidFill>
+              </a:rPr>
+              <a:t>Arithmetic Operators</a:t>
+            </a:r>
+            <a:br>
+              <a:rPr lang="en-US" dirty="0"/>
+            </a:br>
+            <a:endParaRPr lang="en-US" dirty="0"/>
           </a:p>
         </p:txBody>
       </p:sp>
       <p:pic>
         <p:nvPicPr>
-          <p:cNvPr id="4" name="Picture 3">
-            <a:extLst>
-              <a:ext uri="{FF2B5EF4-FFF2-40B4-BE49-F238E27FC236}">
-                <a16:creationId xmlns:a16="http://schemas.microsoft.com/office/drawing/2014/main" id="{1DC4CFBF-FB71-4631-A562-713A0A1C88B5}"/>
+          <p:cNvPr id="5" name="Picture 4">
+            <a:extLst>
+              <a:ext uri="{FF2B5EF4-FFF2-40B4-BE49-F238E27FC236}">
+                <a16:creationId xmlns:a16="http://schemas.microsoft.com/office/drawing/2014/main" id="{BB3DBCF2-F1AA-AD3F-8749-C9368D1DAD85}"/>
               </a:ext>
             </a:extLst>
           </p:cNvPr>
@@ -4729,8 +4863,8 @@
         </p:blipFill>
         <p:spPr>
           <a:xfrm>
-            <a:off x="439281" y="1600200"/>
-            <a:ext cx="8399920" cy="2819400"/>
+            <a:off x="685800" y="1371601"/>
+            <a:ext cx="7162800" cy="5257799"/>
           </a:xfrm>
           <a:prstGeom prst="rect">
             <a:avLst/>
@@ -4740,7 +4874,7 @@
     </p:spTree>
     <p:extLst>
       <p:ext uri="{BB962C8B-B14F-4D97-AF65-F5344CB8AC3E}">
-        <p14:creationId xmlns:p14="http://schemas.microsoft.com/office/powerpoint/2010/main" val="1943896191"/>
+        <p14:creationId xmlns:p14="http://schemas.microsoft.com/office/powerpoint/2010/main" val="2086267447"/>
       </p:ext>
     </p:extLst>
   </p:cSld>
@@ -4772,7 +4906,198 @@
           <p:cNvPr id="3" name="Title 2">
             <a:extLst>
               <a:ext uri="{FF2B5EF4-FFF2-40B4-BE49-F238E27FC236}">
-                <a16:creationId xmlns:a16="http://schemas.microsoft.com/office/drawing/2014/main" id="{FB4FBEB5-1AB5-425C-AE85-76EEAF510266}"/>
+                <a16:creationId xmlns:a16="http://schemas.microsoft.com/office/drawing/2014/main" id="{88E66131-A450-4238-BBFA-4E59D8B3419F}"/>
+              </a:ext>
+            </a:extLst>
+          </p:cNvPr>
+          <p:cNvSpPr>
+            <a:spLocks noGrp="1"/>
+          </p:cNvSpPr>
+          <p:nvPr>
+            <p:ph type="ctrTitle"/>
+          </p:nvPr>
+        </p:nvSpPr>
+        <p:spPr/>
+        <p:txBody>
+          <a:bodyPr>
+            <a:normAutofit fontScale="90000"/>
+          </a:bodyPr>
+          <a:lstStyle/>
+          <a:p>
+            <a:br>
+              <a:rPr lang="en-US" dirty="0"/>
+            </a:br>
+            <a:r>
+              <a:rPr lang="en-US" dirty="0">
+                <a:solidFill>
+                  <a:srgbClr val="FF0000"/>
+                </a:solidFill>
+              </a:rPr>
+              <a:t>Comparison Operators</a:t>
+            </a:r>
+            <a:br>
+              <a:rPr lang="en-US" dirty="0"/>
+            </a:br>
+            <a:endParaRPr lang="en-US" dirty="0"/>
+          </a:p>
+        </p:txBody>
+      </p:sp>
+      <p:pic>
+        <p:nvPicPr>
+          <p:cNvPr id="5" name="Picture 4">
+            <a:extLst>
+              <a:ext uri="{FF2B5EF4-FFF2-40B4-BE49-F238E27FC236}">
+                <a16:creationId xmlns:a16="http://schemas.microsoft.com/office/drawing/2014/main" id="{0B4C4B0D-694E-F948-6AC2-5724DCC39D8C}"/>
+              </a:ext>
+            </a:extLst>
+          </p:cNvPr>
+          <p:cNvPicPr>
+            <a:picLocks noChangeAspect="1"/>
+          </p:cNvPicPr>
+          <p:nvPr/>
+        </p:nvPicPr>
+        <p:blipFill>
+          <a:blip r:embed="rId2"/>
+          <a:stretch>
+            <a:fillRect/>
+          </a:stretch>
+        </p:blipFill>
+        <p:spPr>
+          <a:xfrm>
+            <a:off x="685800" y="1355189"/>
+            <a:ext cx="7315200" cy="4893211"/>
+          </a:xfrm>
+          <a:prstGeom prst="rect">
+            <a:avLst/>
+          </a:prstGeom>
+        </p:spPr>
+      </p:pic>
+    </p:spTree>
+    <p:extLst>
+      <p:ext uri="{BB962C8B-B14F-4D97-AF65-F5344CB8AC3E}">
+        <p14:creationId xmlns:p14="http://schemas.microsoft.com/office/powerpoint/2010/main" val="1531288993"/>
+      </p:ext>
+    </p:extLst>
+  </p:cSld>
+  <p:clrMapOvr>
+    <a:masterClrMapping/>
+  </p:clrMapOvr>
+</p:sld>
+</file>
+
+<file path=ppt/slides/slide17.xml><?xml version="1.0" encoding="utf-8"?>
+<p:sld xmlns:a="http://schemas.openxmlformats.org/drawingml/2006/main" xmlns:r="http://schemas.openxmlformats.org/officeDocument/2006/relationships" xmlns:p="http://schemas.openxmlformats.org/presentationml/2006/main">
+  <p:cSld>
+    <p:spTree>
+      <p:nvGrpSpPr>
+        <p:cNvPr id="1" name=""/>
+        <p:cNvGrpSpPr/>
+        <p:nvPr/>
+      </p:nvGrpSpPr>
+      <p:grpSpPr>
+        <a:xfrm>
+          <a:off x="0" y="0"/>
+          <a:ext cx="0" cy="0"/>
+          <a:chOff x="0" y="0"/>
+          <a:chExt cx="0" cy="0"/>
+        </a:xfrm>
+      </p:grpSpPr>
+      <p:pic>
+        <p:nvPicPr>
+          <p:cNvPr id="5" name="Picture 4">
+            <a:extLst>
+              <a:ext uri="{FF2B5EF4-FFF2-40B4-BE49-F238E27FC236}">
+                <a16:creationId xmlns:a16="http://schemas.microsoft.com/office/drawing/2014/main" id="{57BFF0F7-1843-C4F4-1D7B-624DD0EB4C84}"/>
+              </a:ext>
+            </a:extLst>
+          </p:cNvPr>
+          <p:cNvPicPr>
+            <a:picLocks noChangeAspect="1"/>
+          </p:cNvPicPr>
+          <p:nvPr/>
+        </p:nvPicPr>
+        <p:blipFill>
+          <a:blip r:embed="rId2"/>
+          <a:stretch>
+            <a:fillRect/>
+          </a:stretch>
+        </p:blipFill>
+        <p:spPr>
+          <a:xfrm>
+            <a:off x="685800" y="914400"/>
+            <a:ext cx="5410200" cy="3860403"/>
+          </a:xfrm>
+          <a:prstGeom prst="rect">
+            <a:avLst/>
+          </a:prstGeom>
+        </p:spPr>
+      </p:pic>
+      <p:pic>
+        <p:nvPicPr>
+          <p:cNvPr id="7" name="Picture 6">
+            <a:extLst>
+              <a:ext uri="{FF2B5EF4-FFF2-40B4-BE49-F238E27FC236}">
+                <a16:creationId xmlns:a16="http://schemas.microsoft.com/office/drawing/2014/main" id="{34D2FE12-703A-AABA-E5EE-29BA6037E1EE}"/>
+              </a:ext>
+            </a:extLst>
+          </p:cNvPr>
+          <p:cNvPicPr>
+            <a:picLocks noChangeAspect="1"/>
+          </p:cNvPicPr>
+          <p:nvPr/>
+        </p:nvPicPr>
+        <p:blipFill>
+          <a:blip r:embed="rId3"/>
+          <a:stretch>
+            <a:fillRect/>
+          </a:stretch>
+        </p:blipFill>
+        <p:spPr>
+          <a:xfrm>
+            <a:off x="4419600" y="4774802"/>
+            <a:ext cx="2777345" cy="559197"/>
+          </a:xfrm>
+          <a:prstGeom prst="rect">
+            <a:avLst/>
+          </a:prstGeom>
+        </p:spPr>
+      </p:pic>
+    </p:spTree>
+    <p:extLst>
+      <p:ext uri="{BB962C8B-B14F-4D97-AF65-F5344CB8AC3E}">
+        <p14:creationId xmlns:p14="http://schemas.microsoft.com/office/powerpoint/2010/main" val="3785836075"/>
+      </p:ext>
+    </p:extLst>
+  </p:cSld>
+  <p:clrMapOvr>
+    <a:masterClrMapping/>
+  </p:clrMapOvr>
+</p:sld>
+</file>
+
+<file path=ppt/slides/slide18.xml><?xml version="1.0" encoding="utf-8"?>
+<p:sld xmlns:a="http://schemas.openxmlformats.org/drawingml/2006/main" xmlns:r="http://schemas.openxmlformats.org/officeDocument/2006/relationships" xmlns:p="http://schemas.openxmlformats.org/presentationml/2006/main">
+  <p:cSld>
+    <p:spTree>
+      <p:nvGrpSpPr>
+        <p:cNvPr id="1" name=""/>
+        <p:cNvGrpSpPr/>
+        <p:nvPr/>
+      </p:nvGrpSpPr>
+      <p:grpSpPr>
+        <a:xfrm>
+          <a:off x="0" y="0"/>
+          <a:ext cx="0" cy="0"/>
+          <a:chOff x="0" y="0"/>
+          <a:chExt cx="0" cy="0"/>
+        </a:xfrm>
+      </p:grpSpPr>
+      <p:sp>
+        <p:nvSpPr>
+          <p:cNvPr id="3" name="Title 2">
+            <a:extLst>
+              <a:ext uri="{FF2B5EF4-FFF2-40B4-BE49-F238E27FC236}">
+                <a16:creationId xmlns:a16="http://schemas.microsoft.com/office/drawing/2014/main" id="{33540F5C-8B41-45BE-B502-A0FCD0185E6A}"/>
               </a:ext>
             </a:extLst>
           </p:cNvPr>
@@ -4789,8 +5114,12 @@
           <a:lstStyle/>
           <a:p>
             <a:r>
-              <a:rPr lang="en-US" dirty="0"/>
-              <a:t>Bitwise operators</a:t>
+              <a:rPr lang="en-US" dirty="0">
+                <a:solidFill>
+                  <a:srgbClr val="FF0000"/>
+                </a:solidFill>
+              </a:rPr>
+              <a:t>Assignment operators</a:t>
             </a:r>
           </a:p>
         </p:txBody>
@@ -4800,7 +5129,7 @@
           <p:cNvPr id="4" name="Picture 3">
             <a:extLst>
               <a:ext uri="{FF2B5EF4-FFF2-40B4-BE49-F238E27FC236}">
-                <a16:creationId xmlns:a16="http://schemas.microsoft.com/office/drawing/2014/main" id="{DA573094-42A4-4BD0-8E0C-C5C40FCA6DCF}"/>
+                <a16:creationId xmlns:a16="http://schemas.microsoft.com/office/drawing/2014/main" id="{B9A8D646-0E2C-4569-AAF4-0786AE29779D}"/>
               </a:ext>
             </a:extLst>
           </p:cNvPr>
@@ -4817,14 +5146,337 @@
         </p:blipFill>
         <p:spPr>
           <a:xfrm>
-            <a:off x="455692" y="1626162"/>
-            <a:ext cx="8229600" cy="4012638"/>
+            <a:off x="446314" y="1562334"/>
+            <a:ext cx="8229600" cy="4000265"/>
           </a:xfrm>
           <a:prstGeom prst="rect">
             <a:avLst/>
           </a:prstGeom>
         </p:spPr>
       </p:pic>
+    </p:spTree>
+    <p:extLst>
+      <p:ext uri="{BB962C8B-B14F-4D97-AF65-F5344CB8AC3E}">
+        <p14:creationId xmlns:p14="http://schemas.microsoft.com/office/powerpoint/2010/main" val="497147061"/>
+      </p:ext>
+    </p:extLst>
+  </p:cSld>
+  <p:clrMapOvr>
+    <a:masterClrMapping/>
+  </p:clrMapOvr>
+</p:sld>
+</file>
+
+<file path=ppt/slides/slide19.xml><?xml version="1.0" encoding="utf-8"?>
+<p:sld xmlns:a="http://schemas.openxmlformats.org/drawingml/2006/main" xmlns:r="http://schemas.openxmlformats.org/officeDocument/2006/relationships" xmlns:p="http://schemas.openxmlformats.org/presentationml/2006/main">
+  <p:cSld>
+    <p:spTree>
+      <p:nvGrpSpPr>
+        <p:cNvPr id="1" name=""/>
+        <p:cNvGrpSpPr/>
+        <p:nvPr/>
+      </p:nvGrpSpPr>
+      <p:grpSpPr>
+        <a:xfrm>
+          <a:off x="0" y="0"/>
+          <a:ext cx="0" cy="0"/>
+          <a:chOff x="0" y="0"/>
+          <a:chExt cx="0" cy="0"/>
+        </a:xfrm>
+      </p:grpSpPr>
+      <p:sp>
+        <p:nvSpPr>
+          <p:cNvPr id="2" name="Content Placeholder 1">
+            <a:extLst>
+              <a:ext uri="{FF2B5EF4-FFF2-40B4-BE49-F238E27FC236}">
+                <a16:creationId xmlns:a16="http://schemas.microsoft.com/office/drawing/2014/main" id="{46216FC0-E0AF-2C12-1E73-4959093AE23D}"/>
+              </a:ext>
+            </a:extLst>
+          </p:cNvPr>
+          <p:cNvSpPr>
+            <a:spLocks noGrp="1"/>
+          </p:cNvSpPr>
+          <p:nvPr>
+            <p:ph idx="1"/>
+          </p:nvPr>
+        </p:nvSpPr>
+        <p:spPr/>
+        <p:txBody>
+          <a:bodyPr/>
+          <a:lstStyle/>
+          <a:p>
+            <a:pPr marL="0" indent="0">
+              <a:buNone/>
+            </a:pPr>
+            <a:r>
+              <a:rPr lang="en-US" dirty="0"/>
+              <a:t>Logical AND (&amp;&amp;), Logical OR (||), Logical NOT (!)</a:t>
+            </a:r>
+          </a:p>
+        </p:txBody>
+      </p:sp>
+      <p:sp>
+        <p:nvSpPr>
+          <p:cNvPr id="3" name="Title 2">
+            <a:extLst>
+              <a:ext uri="{FF2B5EF4-FFF2-40B4-BE49-F238E27FC236}">
+                <a16:creationId xmlns:a16="http://schemas.microsoft.com/office/drawing/2014/main" id="{250D686A-B565-4C65-9F6B-44A74123F2FF}"/>
+              </a:ext>
+            </a:extLst>
+          </p:cNvPr>
+          <p:cNvSpPr>
+            <a:spLocks noGrp="1"/>
+          </p:cNvSpPr>
+          <p:nvPr>
+            <p:ph type="ctrTitle"/>
+          </p:nvPr>
+        </p:nvSpPr>
+        <p:spPr/>
+        <p:txBody>
+          <a:bodyPr/>
+          <a:lstStyle/>
+          <a:p>
+            <a:r>
+              <a:rPr lang="en-US" dirty="0">
+                <a:solidFill>
+                  <a:srgbClr val="FF0000"/>
+                </a:solidFill>
+              </a:rPr>
+              <a:t>Logical operators</a:t>
+            </a:r>
+          </a:p>
+        </p:txBody>
+      </p:sp>
+    </p:spTree>
+    <p:extLst>
+      <p:ext uri="{BB962C8B-B14F-4D97-AF65-F5344CB8AC3E}">
+        <p14:creationId xmlns:p14="http://schemas.microsoft.com/office/powerpoint/2010/main" val="1943896191"/>
+      </p:ext>
+    </p:extLst>
+  </p:cSld>
+  <p:clrMapOvr>
+    <a:masterClrMapping/>
+  </p:clrMapOvr>
+</p:sld>
+</file>
+
+<file path=ppt/slides/slide2.xml><?xml version="1.0" encoding="utf-8"?>
+<p:sld xmlns:a="http://schemas.openxmlformats.org/drawingml/2006/main" xmlns:r="http://schemas.openxmlformats.org/officeDocument/2006/relationships" xmlns:p="http://schemas.openxmlformats.org/presentationml/2006/main">
+  <p:cSld>
+    <p:spTree>
+      <p:nvGrpSpPr>
+        <p:cNvPr id="1" name=""/>
+        <p:cNvGrpSpPr/>
+        <p:nvPr/>
+      </p:nvGrpSpPr>
+      <p:grpSpPr>
+        <a:xfrm>
+          <a:off x="0" y="0"/>
+          <a:ext cx="0" cy="0"/>
+          <a:chOff x="0" y="0"/>
+          <a:chExt cx="0" cy="0"/>
+        </a:xfrm>
+      </p:grpSpPr>
+      <p:sp>
+        <p:nvSpPr>
+          <p:cNvPr id="2" name="Title 1">
+            <a:extLst>
+              <a:ext uri="{FF2B5EF4-FFF2-40B4-BE49-F238E27FC236}">
+                <a16:creationId xmlns:a16="http://schemas.microsoft.com/office/drawing/2014/main" id="{8854218D-DEC0-4342-8AF3-5BF06BCBF90E}"/>
+              </a:ext>
+            </a:extLst>
+          </p:cNvPr>
+          <p:cNvSpPr>
+            <a:spLocks noGrp="1"/>
+          </p:cNvSpPr>
+          <p:nvPr>
+            <p:ph type="title"/>
+          </p:nvPr>
+        </p:nvSpPr>
+        <p:spPr>
+          <a:xfrm>
+            <a:off x="457200" y="274638"/>
+            <a:ext cx="8229600" cy="1143000"/>
+          </a:xfrm>
+        </p:spPr>
+        <p:txBody>
+          <a:bodyPr>
+            <a:normAutofit/>
+          </a:bodyPr>
+          <a:lstStyle/>
+          <a:p>
+            <a:r>
+              <a:rPr lang="en-US" sz="3200" b="1" i="1" dirty="0">
+                <a:solidFill>
+                  <a:srgbClr val="FF0000"/>
+                </a:solidFill>
+              </a:rPr>
+              <a:t>Topics Covered</a:t>
+            </a:r>
+          </a:p>
+        </p:txBody>
+      </p:sp>
+      <p:sp>
+        <p:nvSpPr>
+          <p:cNvPr id="3" name="Content Placeholder 2">
+            <a:extLst>
+              <a:ext uri="{FF2B5EF4-FFF2-40B4-BE49-F238E27FC236}">
+                <a16:creationId xmlns:a16="http://schemas.microsoft.com/office/drawing/2014/main" id="{D6311157-ABFF-413E-B31E-1C3DFE889E8E}"/>
+              </a:ext>
+            </a:extLst>
+          </p:cNvPr>
+          <p:cNvSpPr>
+            <a:spLocks noGrp="1"/>
+          </p:cNvSpPr>
+          <p:nvPr>
+            <p:ph idx="1"/>
+          </p:nvPr>
+        </p:nvSpPr>
+        <p:spPr>
+          <a:xfrm>
+            <a:off x="457200" y="1417638"/>
+            <a:ext cx="8229600" cy="4068763"/>
+          </a:xfrm>
+        </p:spPr>
+        <p:txBody>
+          <a:bodyPr>
+            <a:normAutofit/>
+          </a:bodyPr>
+          <a:lstStyle/>
+          <a:p>
+            <a:pPr marL="0" indent="0">
+              <a:buNone/>
+            </a:pPr>
+            <a:r>
+              <a:rPr lang="en-US" b="1" i="1" dirty="0"/>
+              <a:t>Introduction to TypeScript :</a:t>
+            </a:r>
+          </a:p>
+          <a:p>
+            <a:pPr>
+              <a:buFont typeface="Wingdings" panose="05000000000000000000" pitchFamily="2" charset="2"/>
+              <a:buChar char="ü"/>
+            </a:pPr>
+            <a:r>
+              <a:rPr lang="en-US" sz="2800" dirty="0"/>
+              <a:t>variables, </a:t>
+            </a:r>
+          </a:p>
+          <a:p>
+            <a:pPr>
+              <a:buFont typeface="Wingdings" panose="05000000000000000000" pitchFamily="2" charset="2"/>
+              <a:buChar char="ü"/>
+            </a:pPr>
+            <a:r>
+              <a:rPr lang="en-US" sz="2800" dirty="0"/>
+              <a:t>variable types, </a:t>
+            </a:r>
+          </a:p>
+          <a:p>
+            <a:pPr>
+              <a:buFont typeface="Wingdings" panose="05000000000000000000" pitchFamily="2" charset="2"/>
+              <a:buChar char="ü"/>
+            </a:pPr>
+            <a:r>
+              <a:rPr lang="en-US" sz="2800" dirty="0"/>
+              <a:t>control flow statements</a:t>
+            </a:r>
+          </a:p>
+        </p:txBody>
+      </p:sp>
+    </p:spTree>
+    <p:extLst>
+      <p:ext uri="{BB962C8B-B14F-4D97-AF65-F5344CB8AC3E}">
+        <p14:creationId xmlns:p14="http://schemas.microsoft.com/office/powerpoint/2010/main" val="2579073885"/>
+      </p:ext>
+    </p:extLst>
+  </p:cSld>
+  <p:clrMapOvr>
+    <a:masterClrMapping/>
+  </p:clrMapOvr>
+</p:sld>
+</file>
+
+<file path=ppt/slides/slide20.xml><?xml version="1.0" encoding="utf-8"?>
+<p:sld xmlns:a="http://schemas.openxmlformats.org/drawingml/2006/main" xmlns:r="http://schemas.openxmlformats.org/officeDocument/2006/relationships" xmlns:p="http://schemas.openxmlformats.org/presentationml/2006/main">
+  <p:cSld>
+    <p:spTree>
+      <p:nvGrpSpPr>
+        <p:cNvPr id="1" name=""/>
+        <p:cNvGrpSpPr/>
+        <p:nvPr/>
+      </p:nvGrpSpPr>
+      <p:grpSpPr>
+        <a:xfrm>
+          <a:off x="0" y="0"/>
+          <a:ext cx="0" cy="0"/>
+          <a:chOff x="0" y="0"/>
+          <a:chExt cx="0" cy="0"/>
+        </a:xfrm>
+      </p:grpSpPr>
+      <p:sp>
+        <p:nvSpPr>
+          <p:cNvPr id="2" name="Content Placeholder 1">
+            <a:extLst>
+              <a:ext uri="{FF2B5EF4-FFF2-40B4-BE49-F238E27FC236}">
+                <a16:creationId xmlns:a16="http://schemas.microsoft.com/office/drawing/2014/main" id="{0195EB39-ED9A-8E43-7A7F-AAB1C7E1C87E}"/>
+              </a:ext>
+            </a:extLst>
+          </p:cNvPr>
+          <p:cNvSpPr>
+            <a:spLocks noGrp="1"/>
+          </p:cNvSpPr>
+          <p:nvPr>
+            <p:ph idx="1"/>
+          </p:nvPr>
+        </p:nvSpPr>
+        <p:spPr/>
+        <p:txBody>
+          <a:bodyPr/>
+          <a:lstStyle/>
+          <a:p>
+            <a:pPr marL="0" indent="0">
+              <a:buNone/>
+            </a:pPr>
+            <a:r>
+              <a:rPr lang="en-US" dirty="0"/>
+              <a:t>Bitwise AND (&amp;), Bitwise OR (|), Bitwise XOR (^), Bitwise NOT (~), Left shift (&lt;&lt;), Right shift (&gt;&gt;), Zero-fill right shift (&gt;&gt;&gt;)</a:t>
+            </a:r>
+          </a:p>
+        </p:txBody>
+      </p:sp>
+      <p:sp>
+        <p:nvSpPr>
+          <p:cNvPr id="3" name="Title 2">
+            <a:extLst>
+              <a:ext uri="{FF2B5EF4-FFF2-40B4-BE49-F238E27FC236}">
+                <a16:creationId xmlns:a16="http://schemas.microsoft.com/office/drawing/2014/main" id="{FB4FBEB5-1AB5-425C-AE85-76EEAF510266}"/>
+              </a:ext>
+            </a:extLst>
+          </p:cNvPr>
+          <p:cNvSpPr>
+            <a:spLocks noGrp="1"/>
+          </p:cNvSpPr>
+          <p:nvPr>
+            <p:ph type="ctrTitle"/>
+          </p:nvPr>
+        </p:nvSpPr>
+        <p:spPr/>
+        <p:txBody>
+          <a:bodyPr/>
+          <a:lstStyle/>
+          <a:p>
+            <a:r>
+              <a:rPr lang="en-US" dirty="0">
+                <a:solidFill>
+                  <a:srgbClr val="FF0000"/>
+                </a:solidFill>
+              </a:rPr>
+              <a:t>Bitwise operators</a:t>
+            </a:r>
+          </a:p>
+        </p:txBody>
+      </p:sp>
     </p:spTree>
     <p:extLst>
       <p:ext uri="{BB962C8B-B14F-4D97-AF65-F5344CB8AC3E}">
@@ -4838,7 +5490,7 @@
 </p:sld>
 </file>
 
-<file path=ppt/slides/slide17.xml><?xml version="1.0" encoding="utf-8"?>
+<file path=ppt/slides/slide21.xml><?xml version="1.0" encoding="utf-8"?>
 <p:sld xmlns:a="http://schemas.openxmlformats.org/drawingml/2006/main" xmlns:r="http://schemas.openxmlformats.org/officeDocument/2006/relationships" xmlns:p="http://schemas.openxmlformats.org/presentationml/2006/main">
   <p:cSld>
     <p:spTree>
@@ -5523,7 +6175,7 @@
 </p:sld>
 </file>
 
-<file path=ppt/slides/slide18.xml><?xml version="1.0" encoding="utf-8"?>
+<file path=ppt/slides/slide22.xml><?xml version="1.0" encoding="utf-8"?>
 <p:sld xmlns:a="http://schemas.openxmlformats.org/drawingml/2006/main" xmlns:r="http://schemas.openxmlformats.org/officeDocument/2006/relationships" xmlns:p="http://schemas.openxmlformats.org/presentationml/2006/main">
   <p:cSld>
     <p:spTree>
@@ -6759,7 +7411,7 @@
 </p:sld>
 </file>
 
-<file path=ppt/slides/slide19.xml><?xml version="1.0" encoding="utf-8"?>
+<file path=ppt/slides/slide23.xml><?xml version="1.0" encoding="utf-8"?>
 <p:sld xmlns:a="http://schemas.openxmlformats.org/drawingml/2006/main" xmlns:r="http://schemas.openxmlformats.org/officeDocument/2006/relationships" xmlns:p="http://schemas.openxmlformats.org/presentationml/2006/main">
   <p:cSld>
     <p:spTree>
@@ -6913,147 +7565,7 @@
 </p:sld>
 </file>
 
-<file path=ppt/slides/slide2.xml><?xml version="1.0" encoding="utf-8"?>
-<p:sld xmlns:a="http://schemas.openxmlformats.org/drawingml/2006/main" xmlns:r="http://schemas.openxmlformats.org/officeDocument/2006/relationships" xmlns:p="http://schemas.openxmlformats.org/presentationml/2006/main">
-  <p:cSld>
-    <p:spTree>
-      <p:nvGrpSpPr>
-        <p:cNvPr id="1" name=""/>
-        <p:cNvGrpSpPr/>
-        <p:nvPr/>
-      </p:nvGrpSpPr>
-      <p:grpSpPr>
-        <a:xfrm>
-          <a:off x="0" y="0"/>
-          <a:ext cx="0" cy="0"/>
-          <a:chOff x="0" y="0"/>
-          <a:chExt cx="0" cy="0"/>
-        </a:xfrm>
-      </p:grpSpPr>
-      <p:sp>
-        <p:nvSpPr>
-          <p:cNvPr id="2" name="Title 1">
-            <a:extLst>
-              <a:ext uri="{FF2B5EF4-FFF2-40B4-BE49-F238E27FC236}">
-                <a16:creationId xmlns:a16="http://schemas.microsoft.com/office/drawing/2014/main" id="{8854218D-DEC0-4342-8AF3-5BF06BCBF90E}"/>
-              </a:ext>
-            </a:extLst>
-          </p:cNvPr>
-          <p:cNvSpPr>
-            <a:spLocks noGrp="1"/>
-          </p:cNvSpPr>
-          <p:nvPr>
-            <p:ph type="title"/>
-          </p:nvPr>
-        </p:nvSpPr>
-        <p:spPr>
-          <a:xfrm>
-            <a:off x="457200" y="274638"/>
-            <a:ext cx="8229600" cy="1143000"/>
-          </a:xfrm>
-        </p:spPr>
-        <p:txBody>
-          <a:bodyPr>
-            <a:normAutofit/>
-          </a:bodyPr>
-          <a:lstStyle/>
-          <a:p>
-            <a:r>
-              <a:rPr lang="en-US" sz="3200" b="1" i="1" dirty="0">
-                <a:solidFill>
-                  <a:schemeClr val="accent1">
-                    <a:lumMod val="40000"/>
-                    <a:lumOff val="60000"/>
-                  </a:schemeClr>
-                </a:solidFill>
-              </a:rPr>
-              <a:t>Topics Covered</a:t>
-            </a:r>
-          </a:p>
-        </p:txBody>
-      </p:sp>
-      <p:sp>
-        <p:nvSpPr>
-          <p:cNvPr id="3" name="Content Placeholder 2">
-            <a:extLst>
-              <a:ext uri="{FF2B5EF4-FFF2-40B4-BE49-F238E27FC236}">
-                <a16:creationId xmlns:a16="http://schemas.microsoft.com/office/drawing/2014/main" id="{D6311157-ABFF-413E-B31E-1C3DFE889E8E}"/>
-              </a:ext>
-            </a:extLst>
-          </p:cNvPr>
-          <p:cNvSpPr>
-            <a:spLocks noGrp="1"/>
-          </p:cNvSpPr>
-          <p:nvPr>
-            <p:ph idx="1"/>
-          </p:nvPr>
-        </p:nvSpPr>
-        <p:spPr>
-          <a:xfrm>
-            <a:off x="457200" y="1417638"/>
-            <a:ext cx="8229600" cy="4068763"/>
-          </a:xfrm>
-        </p:spPr>
-        <p:txBody>
-          <a:bodyPr>
-            <a:normAutofit/>
-          </a:bodyPr>
-          <a:lstStyle/>
-          <a:p>
-            <a:pPr marL="0" indent="0">
-              <a:buNone/>
-            </a:pPr>
-            <a:r>
-              <a:rPr lang="en-US" b="1" i="1" dirty="0"/>
-              <a:t>Introduction to TypeScript :</a:t>
-            </a:r>
-          </a:p>
-          <a:p>
-            <a:pPr>
-              <a:buFont typeface="Wingdings" panose="05000000000000000000" pitchFamily="2" charset="2"/>
-              <a:buChar char="ü"/>
-            </a:pPr>
-            <a:r>
-              <a:rPr lang="en-US" sz="2800" dirty="0"/>
-              <a:t>variables, </a:t>
-            </a:r>
-          </a:p>
-          <a:p>
-            <a:pPr>
-              <a:buFont typeface="Wingdings" panose="05000000000000000000" pitchFamily="2" charset="2"/>
-              <a:buChar char="ü"/>
-            </a:pPr>
-            <a:r>
-              <a:rPr lang="en-US" sz="2800" dirty="0"/>
-              <a:t>variable types, </a:t>
-            </a:r>
-          </a:p>
-          <a:p>
-            <a:pPr>
-              <a:buFont typeface="Wingdings" panose="05000000000000000000" pitchFamily="2" charset="2"/>
-              <a:buChar char="ü"/>
-            </a:pPr>
-            <a:r>
-              <a:rPr lang="en-US" sz="2800" dirty="0"/>
-              <a:t>control flow statements</a:t>
-            </a:r>
-          </a:p>
-        </p:txBody>
-      </p:sp>
-    </p:spTree>
-    <p:extLst>
-      <p:ext uri="{BB962C8B-B14F-4D97-AF65-F5344CB8AC3E}">
-        <p14:creationId xmlns:p14="http://schemas.microsoft.com/office/powerpoint/2010/main" val="2579073885"/>
-      </p:ext>
-    </p:extLst>
-  </p:cSld>
-  <p:clrMapOvr>
-    <a:masterClrMapping/>
-  </p:clrMapOvr>
-</p:sld>
-</file>
-
-<file path=ppt/slides/slide20.xml><?xml version="1.0" encoding="utf-8"?>
+<file path=ppt/slides/slide24.xml><?xml version="1.0" encoding="utf-8"?>
 <p:sld xmlns:a="http://schemas.openxmlformats.org/drawingml/2006/main" xmlns:r="http://schemas.openxmlformats.org/officeDocument/2006/relationships" xmlns:p="http://schemas.openxmlformats.org/presentationml/2006/main">
   <p:cSld>
     <p:spTree>
@@ -7746,7 +8258,7 @@
 </p:sld>
 </file>
 
-<file path=ppt/slides/slide21.xml><?xml version="1.0" encoding="utf-8"?>
+<file path=ppt/slides/slide25.xml><?xml version="1.0" encoding="utf-8"?>
 <p:sld xmlns:a="http://schemas.openxmlformats.org/drawingml/2006/main" xmlns:r="http://schemas.openxmlformats.org/officeDocument/2006/relationships" xmlns:p="http://schemas.openxmlformats.org/presentationml/2006/main">
   <p:cSld>
     <p:spTree>
@@ -8982,7 +9494,7 @@
 </p:sld>
 </file>
 
-<file path=ppt/slides/slide22.xml><?xml version="1.0" encoding="utf-8"?>
+<file path=ppt/slides/slide26.xml><?xml version="1.0" encoding="utf-8"?>
 <p:sld xmlns:a="http://schemas.openxmlformats.org/drawingml/2006/main" xmlns:r="http://schemas.openxmlformats.org/officeDocument/2006/relationships" xmlns:p="http://schemas.openxmlformats.org/presentationml/2006/main">
   <p:cSld>
     <p:spTree>
@@ -9136,7 +9648,7 @@
 </p:sld>
 </file>
 
-<file path=ppt/slides/slide23.xml><?xml version="1.0" encoding="utf-8"?>
+<file path=ppt/slides/slide27.xml><?xml version="1.0" encoding="utf-8"?>
 <p:sld xmlns:a="http://schemas.openxmlformats.org/drawingml/2006/main" xmlns:r="http://schemas.openxmlformats.org/officeDocument/2006/relationships" xmlns:p="http://schemas.openxmlformats.org/presentationml/2006/main">
   <p:cSld>
     <p:spTree>
@@ -9276,9 +9788,7 @@
           <p:cNvGraphicFramePr>
             <a:graphicFrameLocks noGrp="1"/>
           </p:cNvGraphicFramePr>
-          <p:nvPr>
-            <p:extLst/>
-          </p:nvPr>
+          <p:nvPr/>
         </p:nvGraphicFramePr>
         <p:xfrm>
           <a:off x="819150" y="2605881"/>
@@ -9831,7 +10341,7 @@
 </p:sld>
 </file>
 
-<file path=ppt/slides/slide24.xml><?xml version="1.0" encoding="utf-8"?>
+<file path=ppt/slides/slide28.xml><?xml version="1.0" encoding="utf-8"?>
 <p:sld xmlns:a="http://schemas.openxmlformats.org/drawingml/2006/main" xmlns:r="http://schemas.openxmlformats.org/officeDocument/2006/relationships" xmlns:p="http://schemas.openxmlformats.org/presentationml/2006/main">
   <p:cSld>
     <p:spTree>
@@ -11058,624 +11568,6 @@
     <p:extLst>
       <p:ext uri="{BB962C8B-B14F-4D97-AF65-F5344CB8AC3E}">
         <p14:creationId xmlns:p14="http://schemas.microsoft.com/office/powerpoint/2010/main" val="2766611354"/>
-      </p:ext>
-    </p:extLst>
-  </p:cSld>
-  <p:clrMapOvr>
-    <a:masterClrMapping/>
-  </p:clrMapOvr>
-</p:sld>
-</file>
-
-<file path=ppt/slides/slide25.xml><?xml version="1.0" encoding="utf-8"?>
-<p:sld xmlns:a="http://schemas.openxmlformats.org/drawingml/2006/main" xmlns:r="http://schemas.openxmlformats.org/officeDocument/2006/relationships" xmlns:p="http://schemas.openxmlformats.org/presentationml/2006/main">
-  <p:cSld>
-    <p:spTree>
-      <p:nvGrpSpPr>
-        <p:cNvPr id="1" name=""/>
-        <p:cNvGrpSpPr/>
-        <p:nvPr/>
-      </p:nvGrpSpPr>
-      <p:grpSpPr>
-        <a:xfrm>
-          <a:off x="0" y="0"/>
-          <a:ext cx="0" cy="0"/>
-          <a:chOff x="0" y="0"/>
-          <a:chExt cx="0" cy="0"/>
-        </a:xfrm>
-      </p:grpSpPr>
-      <p:sp>
-        <p:nvSpPr>
-          <p:cNvPr id="2" name="Title 1">
-            <a:extLst>
-              <a:ext uri="{FF2B5EF4-FFF2-40B4-BE49-F238E27FC236}">
-                <a16:creationId xmlns:a16="http://schemas.microsoft.com/office/drawing/2014/main" id="{6A956DB5-C6FC-453F-A659-17A601AF7E90}"/>
-              </a:ext>
-            </a:extLst>
-          </p:cNvPr>
-          <p:cNvSpPr>
-            <a:spLocks noGrp="1"/>
-          </p:cNvSpPr>
-          <p:nvPr>
-            <p:ph type="title" idx="4294967295"/>
-          </p:nvPr>
-        </p:nvSpPr>
-        <p:spPr>
-          <a:xfrm>
-            <a:off x="457200" y="274638"/>
-            <a:ext cx="8229600" cy="1143000"/>
-          </a:xfrm>
-        </p:spPr>
-        <p:txBody>
-          <a:bodyPr/>
-          <a:lstStyle/>
-          <a:p>
-            <a:endParaRPr lang="en-US"/>
-          </a:p>
-        </p:txBody>
-      </p:sp>
-      <p:sp>
-        <p:nvSpPr>
-          <p:cNvPr id="3" name="Content Placeholder 2">
-            <a:extLst>
-              <a:ext uri="{FF2B5EF4-FFF2-40B4-BE49-F238E27FC236}">
-                <a16:creationId xmlns:a16="http://schemas.microsoft.com/office/drawing/2014/main" id="{D1724CB0-3951-42FC-930E-3C61D606B1FF}"/>
-              </a:ext>
-            </a:extLst>
-          </p:cNvPr>
-          <p:cNvSpPr>
-            <a:spLocks noGrp="1"/>
-          </p:cNvSpPr>
-          <p:nvPr>
-            <p:ph idx="1"/>
-          </p:nvPr>
-        </p:nvSpPr>
-        <p:spPr/>
-        <p:txBody>
-          <a:bodyPr/>
-          <a:lstStyle/>
-          <a:p>
-            <a:pPr marL="0" indent="0">
-              <a:buNone/>
-            </a:pPr>
-            <a:r>
-              <a:rPr lang="en-US" dirty="0"/>
-              <a:t>a ^ b= </a:t>
-            </a:r>
-          </a:p>
-          <a:p>
-            <a:pPr marL="0" indent="0">
-              <a:buNone/>
-            </a:pPr>
-            <a:r>
-              <a:rPr lang="en-US" dirty="0"/>
-              <a:t>01100  (12)</a:t>
-            </a:r>
-          </a:p>
-          <a:p>
-            <a:pPr marL="0" indent="0">
-              <a:buNone/>
-            </a:pPr>
-            <a:r>
-              <a:rPr lang="en-US" dirty="0"/>
-              <a:t>11001   (25)</a:t>
-            </a:r>
-          </a:p>
-          <a:p>
-            <a:pPr marL="0" indent="0">
-              <a:buNone/>
-            </a:pPr>
-            <a:r>
-              <a:rPr lang="en-US" dirty="0"/>
-              <a:t>10101   (21) Ans.</a:t>
-            </a:r>
-          </a:p>
-        </p:txBody>
-      </p:sp>
-      <p:cxnSp>
-        <p:nvCxnSpPr>
-          <p:cNvPr id="5" name="Straight Connector 4">
-            <a:extLst>
-              <a:ext uri="{FF2B5EF4-FFF2-40B4-BE49-F238E27FC236}">
-                <a16:creationId xmlns:a16="http://schemas.microsoft.com/office/drawing/2014/main" id="{F851F63F-20DC-4A6A-99F0-4CD98EDD3CE6}"/>
-              </a:ext>
-            </a:extLst>
-          </p:cNvPr>
-          <p:cNvCxnSpPr/>
-          <p:nvPr/>
-        </p:nvCxnSpPr>
-        <p:spPr>
-          <a:xfrm>
-            <a:off x="457200" y="3429000"/>
-            <a:ext cx="1981200" cy="0"/>
-          </a:xfrm>
-          <a:prstGeom prst="line">
-            <a:avLst/>
-          </a:prstGeom>
-        </p:spPr>
-        <p:style>
-          <a:lnRef idx="1">
-            <a:schemeClr val="accent1"/>
-          </a:lnRef>
-          <a:fillRef idx="0">
-            <a:schemeClr val="accent1"/>
-          </a:fillRef>
-          <a:effectRef idx="0">
-            <a:schemeClr val="accent1"/>
-          </a:effectRef>
-          <a:fontRef idx="minor">
-            <a:schemeClr val="tx1"/>
-          </a:fontRef>
-        </p:style>
-      </p:cxnSp>
-    </p:spTree>
-    <p:extLst>
-      <p:ext uri="{BB962C8B-B14F-4D97-AF65-F5344CB8AC3E}">
-        <p14:creationId xmlns:p14="http://schemas.microsoft.com/office/powerpoint/2010/main" val="59758549"/>
-      </p:ext>
-    </p:extLst>
-  </p:cSld>
-  <p:clrMapOvr>
-    <a:masterClrMapping/>
-  </p:clrMapOvr>
-</p:sld>
-</file>
-
-<file path=ppt/slides/slide26.xml><?xml version="1.0" encoding="utf-8"?>
-<p:sld xmlns:a="http://schemas.openxmlformats.org/drawingml/2006/main" xmlns:r="http://schemas.openxmlformats.org/officeDocument/2006/relationships" xmlns:p="http://schemas.openxmlformats.org/presentationml/2006/main">
-  <p:cSld>
-    <p:spTree>
-      <p:nvGrpSpPr>
-        <p:cNvPr id="1" name=""/>
-        <p:cNvGrpSpPr/>
-        <p:nvPr/>
-      </p:nvGrpSpPr>
-      <p:grpSpPr>
-        <a:xfrm>
-          <a:off x="0" y="0"/>
-          <a:ext cx="0" cy="0"/>
-          <a:chOff x="0" y="0"/>
-          <a:chExt cx="0" cy="0"/>
-        </a:xfrm>
-      </p:grpSpPr>
-      <p:sp>
-        <p:nvSpPr>
-          <p:cNvPr id="2" name="Title 1">
-            <a:extLst>
-              <a:ext uri="{FF2B5EF4-FFF2-40B4-BE49-F238E27FC236}">
-                <a16:creationId xmlns:a16="http://schemas.microsoft.com/office/drawing/2014/main" id="{87709452-A888-40A0-8EFC-63F5FBFD81FA}"/>
-              </a:ext>
-            </a:extLst>
-          </p:cNvPr>
-          <p:cNvSpPr>
-            <a:spLocks noGrp="1"/>
-          </p:cNvSpPr>
-          <p:nvPr>
-            <p:ph type="title" idx="4294967295"/>
-          </p:nvPr>
-        </p:nvSpPr>
-        <p:spPr>
-          <a:xfrm>
-            <a:off x="457200" y="274638"/>
-            <a:ext cx="8229600" cy="1143000"/>
-          </a:xfrm>
-        </p:spPr>
-        <p:txBody>
-          <a:bodyPr>
-            <a:normAutofit fontScale="90000"/>
-          </a:bodyPr>
-          <a:lstStyle/>
-          <a:p>
-            <a:pPr algn="l"/>
-            <a:br>
-              <a:rPr lang="en-US" sz="4400" b="0" i="0" u="none" strike="noStrike" kern="1200" dirty="0">
-                <a:solidFill>
-                  <a:srgbClr val="000000"/>
-                </a:solidFill>
-                <a:effectLst/>
-              </a:rPr>
-            </a:br>
-            <a:r>
-              <a:rPr lang="en-US" sz="4400" b="0" i="0" u="none" strike="noStrike" kern="1200" dirty="0">
-                <a:solidFill>
-                  <a:srgbClr val="000000"/>
-                </a:solidFill>
-                <a:effectLst/>
-              </a:rPr>
-              <a:t>Left Shift Operator(&lt;&lt;)</a:t>
-            </a:r>
-            <a:br>
-              <a:rPr lang="en-US" sz="4400" b="0" i="0" u="none" strike="noStrike" dirty="0">
-                <a:effectLst/>
-              </a:rPr>
-            </a:br>
-            <a:endParaRPr lang="en-US" dirty="0"/>
-          </a:p>
-        </p:txBody>
-      </p:sp>
-      <p:sp>
-        <p:nvSpPr>
-          <p:cNvPr id="3" name="Content Placeholder 2">
-            <a:extLst>
-              <a:ext uri="{FF2B5EF4-FFF2-40B4-BE49-F238E27FC236}">
-                <a16:creationId xmlns:a16="http://schemas.microsoft.com/office/drawing/2014/main" id="{A1BCA2BD-BF8A-4EA5-8863-6F146388A177}"/>
-              </a:ext>
-            </a:extLst>
-          </p:cNvPr>
-          <p:cNvSpPr>
-            <a:spLocks noGrp="1"/>
-          </p:cNvSpPr>
-          <p:nvPr>
-            <p:ph idx="1"/>
-          </p:nvPr>
-        </p:nvSpPr>
-        <p:spPr/>
-        <p:txBody>
-          <a:bodyPr>
-            <a:normAutofit fontScale="92500" lnSpcReduction="20000"/>
-          </a:bodyPr>
-          <a:lstStyle/>
-          <a:p>
-            <a:pPr marL="0" indent="0">
-              <a:buNone/>
-            </a:pPr>
-            <a:r>
-              <a:rPr lang="en-US" dirty="0"/>
-              <a:t>a=10 (1010)</a:t>
-            </a:r>
-          </a:p>
-          <a:p>
-            <a:pPr marL="0" indent="0">
-              <a:buNone/>
-            </a:pPr>
-            <a:r>
-              <a:rPr lang="en-US" dirty="0"/>
-              <a:t>a&lt;&lt;1</a:t>
-            </a:r>
-          </a:p>
-          <a:p>
-            <a:pPr marL="0" indent="0">
-              <a:buNone/>
-            </a:pPr>
-            <a:r>
-              <a:rPr lang="en-US" dirty="0"/>
-              <a:t>1010.0</a:t>
-            </a:r>
-          </a:p>
-          <a:p>
-            <a:pPr marL="0" indent="0">
-              <a:buNone/>
-            </a:pPr>
-            <a:r>
-              <a:rPr lang="en-US" dirty="0"/>
-              <a:t>10100(20) Ans.</a:t>
-            </a:r>
-          </a:p>
-          <a:p>
-            <a:pPr marL="0" indent="0">
-              <a:buNone/>
-            </a:pPr>
-            <a:r>
-              <a:rPr lang="en-US" dirty="0"/>
-              <a:t>a&lt;&lt;2</a:t>
-            </a:r>
-          </a:p>
-          <a:p>
-            <a:pPr marL="0" indent="0">
-              <a:buNone/>
-            </a:pPr>
-            <a:r>
-              <a:rPr lang="en-US" dirty="0"/>
-              <a:t>1010.00</a:t>
-            </a:r>
-          </a:p>
-          <a:p>
-            <a:pPr marL="0" indent="0">
-              <a:buNone/>
-            </a:pPr>
-            <a:r>
-              <a:rPr lang="en-US" dirty="0"/>
-              <a:t>101000(40) Ans.</a:t>
-            </a:r>
-          </a:p>
-          <a:p>
-            <a:pPr marL="0" indent="0">
-              <a:buNone/>
-            </a:pPr>
-            <a:endParaRPr lang="en-US" dirty="0"/>
-          </a:p>
-        </p:txBody>
-      </p:sp>
-    </p:spTree>
-    <p:extLst>
-      <p:ext uri="{BB962C8B-B14F-4D97-AF65-F5344CB8AC3E}">
-        <p14:creationId xmlns:p14="http://schemas.microsoft.com/office/powerpoint/2010/main" val="166368155"/>
-      </p:ext>
-    </p:extLst>
-  </p:cSld>
-  <p:clrMapOvr>
-    <a:masterClrMapping/>
-  </p:clrMapOvr>
-</p:sld>
-</file>
-
-<file path=ppt/slides/slide27.xml><?xml version="1.0" encoding="utf-8"?>
-<p:sld xmlns:a="http://schemas.openxmlformats.org/drawingml/2006/main" xmlns:r="http://schemas.openxmlformats.org/officeDocument/2006/relationships" xmlns:p="http://schemas.openxmlformats.org/presentationml/2006/main">
-  <p:cSld>
-    <p:spTree>
-      <p:nvGrpSpPr>
-        <p:cNvPr id="1" name=""/>
-        <p:cNvGrpSpPr/>
-        <p:nvPr/>
-      </p:nvGrpSpPr>
-      <p:grpSpPr>
-        <a:xfrm>
-          <a:off x="0" y="0"/>
-          <a:ext cx="0" cy="0"/>
-          <a:chOff x="0" y="0"/>
-          <a:chExt cx="0" cy="0"/>
-        </a:xfrm>
-      </p:grpSpPr>
-      <p:sp>
-        <p:nvSpPr>
-          <p:cNvPr id="2" name="Title 1">
-            <a:extLst>
-              <a:ext uri="{FF2B5EF4-FFF2-40B4-BE49-F238E27FC236}">
-                <a16:creationId xmlns:a16="http://schemas.microsoft.com/office/drawing/2014/main" id="{87709452-A888-40A0-8EFC-63F5FBFD81FA}"/>
-              </a:ext>
-            </a:extLst>
-          </p:cNvPr>
-          <p:cNvSpPr>
-            <a:spLocks noGrp="1"/>
-          </p:cNvSpPr>
-          <p:nvPr>
-            <p:ph type="title" idx="4294967295"/>
-          </p:nvPr>
-        </p:nvSpPr>
-        <p:spPr>
-          <a:xfrm>
-            <a:off x="457200" y="274638"/>
-            <a:ext cx="8229600" cy="1143000"/>
-          </a:xfrm>
-        </p:spPr>
-        <p:txBody>
-          <a:bodyPr>
-            <a:normAutofit fontScale="90000"/>
-          </a:bodyPr>
-          <a:lstStyle/>
-          <a:p>
-            <a:pPr algn="l"/>
-            <a:br>
-              <a:rPr lang="en-US" sz="4400" b="0" i="0" u="none" strike="noStrike" kern="1200" dirty="0">
-                <a:solidFill>
-                  <a:srgbClr val="000000"/>
-                </a:solidFill>
-                <a:effectLst/>
-              </a:rPr>
-            </a:br>
-            <a:r>
-              <a:rPr lang="en-US" sz="4400" b="0" i="0" u="none" strike="noStrike" kern="1200" dirty="0">
-                <a:solidFill>
-                  <a:srgbClr val="000000"/>
-                </a:solidFill>
-                <a:effectLst/>
-              </a:rPr>
-              <a:t>Right Shift Operator(&gt;&gt;)</a:t>
-            </a:r>
-            <a:br>
-              <a:rPr lang="en-US" sz="4400" b="0" i="0" u="none" strike="noStrike" dirty="0">
-                <a:effectLst/>
-              </a:rPr>
-            </a:br>
-            <a:endParaRPr lang="en-US" dirty="0"/>
-          </a:p>
-        </p:txBody>
-      </p:sp>
-      <p:sp>
-        <p:nvSpPr>
-          <p:cNvPr id="3" name="Content Placeholder 2">
-            <a:extLst>
-              <a:ext uri="{FF2B5EF4-FFF2-40B4-BE49-F238E27FC236}">
-                <a16:creationId xmlns:a16="http://schemas.microsoft.com/office/drawing/2014/main" id="{A1BCA2BD-BF8A-4EA5-8863-6F146388A177}"/>
-              </a:ext>
-            </a:extLst>
-          </p:cNvPr>
-          <p:cNvSpPr>
-            <a:spLocks noGrp="1"/>
-          </p:cNvSpPr>
-          <p:nvPr>
-            <p:ph idx="1"/>
-          </p:nvPr>
-        </p:nvSpPr>
-        <p:spPr/>
-        <p:txBody>
-          <a:bodyPr>
-            <a:normAutofit fontScale="92500" lnSpcReduction="20000"/>
-          </a:bodyPr>
-          <a:lstStyle/>
-          <a:p>
-            <a:pPr marL="0" indent="0">
-              <a:buNone/>
-            </a:pPr>
-            <a:r>
-              <a:rPr lang="en-US" dirty="0"/>
-              <a:t>a=10 (1010)</a:t>
-            </a:r>
-          </a:p>
-          <a:p>
-            <a:pPr marL="0" indent="0">
-              <a:buNone/>
-            </a:pPr>
-            <a:r>
-              <a:rPr lang="en-US" dirty="0"/>
-              <a:t>a&gt;&gt;1</a:t>
-            </a:r>
-          </a:p>
-          <a:p>
-            <a:pPr marL="0" indent="0">
-              <a:buNone/>
-            </a:pPr>
-            <a:r>
-              <a:rPr lang="en-US" dirty="0"/>
-              <a:t>101</a:t>
-            </a:r>
-            <a:r>
-              <a:rPr lang="en-US" dirty="0">
-                <a:solidFill>
-                  <a:srgbClr val="FF0000"/>
-                </a:solidFill>
-              </a:rPr>
-              <a:t>0.</a:t>
-            </a:r>
-          </a:p>
-          <a:p>
-            <a:pPr marL="0" indent="0">
-              <a:buNone/>
-            </a:pPr>
-            <a:r>
-              <a:rPr lang="en-US" dirty="0"/>
-              <a:t>101(5) Ans.</a:t>
-            </a:r>
-          </a:p>
-          <a:p>
-            <a:pPr marL="0" indent="0">
-              <a:buNone/>
-            </a:pPr>
-            <a:r>
-              <a:rPr lang="en-US" dirty="0"/>
-              <a:t>a&gt;&gt;2</a:t>
-            </a:r>
-          </a:p>
-          <a:p>
-            <a:pPr marL="0" indent="0">
-              <a:buNone/>
-            </a:pPr>
-            <a:r>
-              <a:rPr lang="en-US" dirty="0"/>
-              <a:t>10</a:t>
-            </a:r>
-            <a:r>
-              <a:rPr lang="en-US" dirty="0">
-                <a:solidFill>
-                  <a:srgbClr val="FF0000"/>
-                </a:solidFill>
-              </a:rPr>
-              <a:t>10</a:t>
-            </a:r>
-            <a:r>
-              <a:rPr lang="en-US" dirty="0"/>
-              <a:t>.</a:t>
-            </a:r>
-          </a:p>
-          <a:p>
-            <a:pPr marL="0" indent="0">
-              <a:buNone/>
-            </a:pPr>
-            <a:r>
-              <a:rPr lang="en-US" dirty="0"/>
-              <a:t>10(2) Ans.</a:t>
-            </a:r>
-          </a:p>
-          <a:p>
-            <a:pPr marL="0" indent="0">
-              <a:buNone/>
-            </a:pPr>
-            <a:endParaRPr lang="en-US" dirty="0"/>
-          </a:p>
-        </p:txBody>
-      </p:sp>
-    </p:spTree>
-    <p:extLst>
-      <p:ext uri="{BB962C8B-B14F-4D97-AF65-F5344CB8AC3E}">
-        <p14:creationId xmlns:p14="http://schemas.microsoft.com/office/powerpoint/2010/main" val="2006063390"/>
-      </p:ext>
-    </p:extLst>
-  </p:cSld>
-  <p:clrMapOvr>
-    <a:masterClrMapping/>
-  </p:clrMapOvr>
-</p:sld>
-</file>
-
-<file path=ppt/slides/slide28.xml><?xml version="1.0" encoding="utf-8"?>
-<p:sld xmlns:a="http://schemas.openxmlformats.org/drawingml/2006/main" xmlns:r="http://schemas.openxmlformats.org/officeDocument/2006/relationships" xmlns:p="http://schemas.openxmlformats.org/presentationml/2006/main">
-  <p:cSld>
-    <p:spTree>
-      <p:nvGrpSpPr>
-        <p:cNvPr id="1" name=""/>
-        <p:cNvGrpSpPr/>
-        <p:nvPr/>
-      </p:nvGrpSpPr>
-      <p:grpSpPr>
-        <a:xfrm>
-          <a:off x="0" y="0"/>
-          <a:ext cx="0" cy="0"/>
-          <a:chOff x="0" y="0"/>
-          <a:chExt cx="0" cy="0"/>
-        </a:xfrm>
-      </p:grpSpPr>
-      <p:sp>
-        <p:nvSpPr>
-          <p:cNvPr id="3" name="Title 2">
-            <a:extLst>
-              <a:ext uri="{FF2B5EF4-FFF2-40B4-BE49-F238E27FC236}">
-                <a16:creationId xmlns:a16="http://schemas.microsoft.com/office/drawing/2014/main" id="{374AE9CD-4F11-4400-83CB-C33D69F3E74E}"/>
-              </a:ext>
-            </a:extLst>
-          </p:cNvPr>
-          <p:cNvSpPr>
-            <a:spLocks noGrp="1"/>
-          </p:cNvSpPr>
-          <p:nvPr>
-            <p:ph type="ctrTitle"/>
-          </p:nvPr>
-        </p:nvSpPr>
-        <p:spPr/>
-        <p:txBody>
-          <a:bodyPr/>
-          <a:lstStyle/>
-          <a:p>
-            <a:r>
-              <a:rPr lang="en-US" dirty="0"/>
-              <a:t>Conditional operators</a:t>
-            </a:r>
-          </a:p>
-        </p:txBody>
-      </p:sp>
-      <p:pic>
-        <p:nvPicPr>
-          <p:cNvPr id="6" name="Picture 5">
-            <a:extLst>
-              <a:ext uri="{FF2B5EF4-FFF2-40B4-BE49-F238E27FC236}">
-                <a16:creationId xmlns:a16="http://schemas.microsoft.com/office/drawing/2014/main" id="{57AA99F6-986F-4881-897A-23DA47F85965}"/>
-              </a:ext>
-            </a:extLst>
-          </p:cNvPr>
-          <p:cNvPicPr>
-            <a:picLocks noChangeAspect="1"/>
-          </p:cNvPicPr>
-          <p:nvPr/>
-        </p:nvPicPr>
-        <p:blipFill>
-          <a:blip r:embed="rId2"/>
-          <a:stretch>
-            <a:fillRect/>
-          </a:stretch>
-        </p:blipFill>
-        <p:spPr>
-          <a:xfrm>
-            <a:off x="481482" y="1447800"/>
-            <a:ext cx="8052917" cy="1174532"/>
-          </a:xfrm>
-          <a:prstGeom prst="rect">
-            <a:avLst/>
-          </a:prstGeom>
-        </p:spPr>
-      </p:pic>
-    </p:spTree>
-    <p:extLst>
-      <p:ext uri="{BB962C8B-B14F-4D97-AF65-F5344CB8AC3E}">
-        <p14:creationId xmlns:p14="http://schemas.microsoft.com/office/powerpoint/2010/main" val="1770195823"/>
       </p:ext>
     </p:extLst>
   </p:cSld>
@@ -11704,10 +11596,10 @@
       </p:grpSpPr>
       <p:sp>
         <p:nvSpPr>
-          <p:cNvPr id="3" name="Title 2">
-            <a:extLst>
-              <a:ext uri="{FF2B5EF4-FFF2-40B4-BE49-F238E27FC236}">
-                <a16:creationId xmlns:a16="http://schemas.microsoft.com/office/drawing/2014/main" id="{DFBB59CB-C027-489E-9AF9-D18853E073DC}"/>
+          <p:cNvPr id="2" name="Title 1">
+            <a:extLst>
+              <a:ext uri="{FF2B5EF4-FFF2-40B4-BE49-F238E27FC236}">
+                <a16:creationId xmlns:a16="http://schemas.microsoft.com/office/drawing/2014/main" id="{6A956DB5-C6FC-453F-A659-17A601AF7E90}"/>
               </a:ext>
             </a:extLst>
           </p:cNvPr>
@@ -11715,7 +11607,37 @@
             <a:spLocks noGrp="1"/>
           </p:cNvSpPr>
           <p:nvPr>
-            <p:ph type="ctrTitle"/>
+            <p:ph type="title" idx="4294967295"/>
+          </p:nvPr>
+        </p:nvSpPr>
+        <p:spPr>
+          <a:xfrm>
+            <a:off x="457200" y="274638"/>
+            <a:ext cx="8229600" cy="1143000"/>
+          </a:xfrm>
+        </p:spPr>
+        <p:txBody>
+          <a:bodyPr/>
+          <a:lstStyle/>
+          <a:p>
+            <a:endParaRPr lang="en-US"/>
+          </a:p>
+        </p:txBody>
+      </p:sp>
+      <p:sp>
+        <p:nvSpPr>
+          <p:cNvPr id="3" name="Content Placeholder 2">
+            <a:extLst>
+              <a:ext uri="{FF2B5EF4-FFF2-40B4-BE49-F238E27FC236}">
+                <a16:creationId xmlns:a16="http://schemas.microsoft.com/office/drawing/2014/main" id="{D1724CB0-3951-42FC-930E-3C61D606B1FF}"/>
+              </a:ext>
+            </a:extLst>
+          </p:cNvPr>
+          <p:cNvSpPr>
+            <a:spLocks noGrp="1"/>
+          </p:cNvSpPr>
+          <p:nvPr>
+            <p:ph idx="1"/>
           </p:nvPr>
         </p:nvSpPr>
         <p:spPr/>
@@ -11723,47 +11645,83 @@
           <a:bodyPr/>
           <a:lstStyle/>
           <a:p>
-            <a:r>
-              <a:rPr lang="en-US" dirty="0"/>
-              <a:t>typeof operators </a:t>
+            <a:pPr marL="0" indent="0">
+              <a:buNone/>
+            </a:pPr>
+            <a:r>
+              <a:rPr lang="en-US" dirty="0"/>
+              <a:t>a ^ b= </a:t>
+            </a:r>
+          </a:p>
+          <a:p>
+            <a:pPr marL="0" indent="0">
+              <a:buNone/>
+            </a:pPr>
+            <a:r>
+              <a:rPr lang="en-US" dirty="0"/>
+              <a:t>01100  (12)</a:t>
+            </a:r>
+          </a:p>
+          <a:p>
+            <a:pPr marL="0" indent="0">
+              <a:buNone/>
+            </a:pPr>
+            <a:r>
+              <a:rPr lang="en-US" dirty="0"/>
+              <a:t>11001   (25)</a:t>
+            </a:r>
+          </a:p>
+          <a:p>
+            <a:pPr marL="0" indent="0">
+              <a:buNone/>
+            </a:pPr>
+            <a:r>
+              <a:rPr lang="en-US" dirty="0"/>
+              <a:t>10101   (21) Ans.</a:t>
             </a:r>
           </a:p>
         </p:txBody>
       </p:sp>
-      <p:pic>
-        <p:nvPicPr>
-          <p:cNvPr id="4" name="Picture 3">
-            <a:extLst>
-              <a:ext uri="{FF2B5EF4-FFF2-40B4-BE49-F238E27FC236}">
-                <a16:creationId xmlns:a16="http://schemas.microsoft.com/office/drawing/2014/main" id="{B5EA3F5C-1579-4994-98BD-8A6A3B86D4B8}"/>
-              </a:ext>
-            </a:extLst>
-          </p:cNvPr>
-          <p:cNvPicPr>
-            <a:picLocks noChangeAspect="1"/>
-          </p:cNvPicPr>
+      <p:cxnSp>
+        <p:nvCxnSpPr>
+          <p:cNvPr id="5" name="Straight Connector 4">
+            <a:extLst>
+              <a:ext uri="{FF2B5EF4-FFF2-40B4-BE49-F238E27FC236}">
+                <a16:creationId xmlns:a16="http://schemas.microsoft.com/office/drawing/2014/main" id="{F851F63F-20DC-4A6A-99F0-4CD98EDD3CE6}"/>
+              </a:ext>
+            </a:extLst>
+          </p:cNvPr>
+          <p:cNvCxnSpPr/>
           <p:nvPr/>
-        </p:nvPicPr>
-        <p:blipFill>
-          <a:blip r:embed="rId2"/>
-          <a:stretch>
-            <a:fillRect/>
-          </a:stretch>
-        </p:blipFill>
-        <p:spPr>
-          <a:xfrm>
-            <a:off x="152400" y="1828800"/>
-            <a:ext cx="8229601" cy="1800225"/>
-          </a:xfrm>
-          <a:prstGeom prst="rect">
+        </p:nvCxnSpPr>
+        <p:spPr>
+          <a:xfrm>
+            <a:off x="457200" y="3429000"/>
+            <a:ext cx="1981200" cy="0"/>
+          </a:xfrm>
+          <a:prstGeom prst="line">
             <a:avLst/>
           </a:prstGeom>
         </p:spPr>
-      </p:pic>
+        <p:style>
+          <a:lnRef idx="1">
+            <a:schemeClr val="accent1"/>
+          </a:lnRef>
+          <a:fillRef idx="0">
+            <a:schemeClr val="accent1"/>
+          </a:fillRef>
+          <a:effectRef idx="0">
+            <a:schemeClr val="accent1"/>
+          </a:effectRef>
+          <a:fontRef idx="minor">
+            <a:schemeClr val="tx1"/>
+          </a:fontRef>
+        </p:style>
+      </p:cxnSp>
     </p:spTree>
     <p:extLst>
       <p:ext uri="{BB962C8B-B14F-4D97-AF65-F5344CB8AC3E}">
-        <p14:creationId xmlns:p14="http://schemas.microsoft.com/office/powerpoint/2010/main" val="3030935879"/>
+        <p14:creationId xmlns:p14="http://schemas.microsoft.com/office/powerpoint/2010/main" val="59758549"/>
       </p:ext>
     </p:extLst>
   </p:cSld>
@@ -11819,7 +11777,11 @@
           <a:lstStyle/>
           <a:p>
             <a:r>
-              <a:rPr lang="en-US" sz="3600" i="1" dirty="0"/>
+              <a:rPr lang="en-US" sz="3600" i="1" dirty="0">
+                <a:solidFill>
+                  <a:srgbClr val="FF0000"/>
+                </a:solidFill>
+              </a:rPr>
               <a:t>variables, variable types</a:t>
             </a:r>
           </a:p>
@@ -11923,10 +11885,65 @@
       </p:grpSpPr>
       <p:sp>
         <p:nvSpPr>
-          <p:cNvPr id="2" name="Content Placeholder 1">
-            <a:extLst>
-              <a:ext uri="{FF2B5EF4-FFF2-40B4-BE49-F238E27FC236}">
-                <a16:creationId xmlns:a16="http://schemas.microsoft.com/office/drawing/2014/main" id="{4F1DBC7E-D03C-4A02-9FFB-526C9F6CB820}"/>
+          <p:cNvPr id="2" name="Title 1">
+            <a:extLst>
+              <a:ext uri="{FF2B5EF4-FFF2-40B4-BE49-F238E27FC236}">
+                <a16:creationId xmlns:a16="http://schemas.microsoft.com/office/drawing/2014/main" id="{87709452-A888-40A0-8EFC-63F5FBFD81FA}"/>
+              </a:ext>
+            </a:extLst>
+          </p:cNvPr>
+          <p:cNvSpPr>
+            <a:spLocks noGrp="1"/>
+          </p:cNvSpPr>
+          <p:nvPr>
+            <p:ph type="title" idx="4294967295"/>
+          </p:nvPr>
+        </p:nvSpPr>
+        <p:spPr>
+          <a:xfrm>
+            <a:off x="457200" y="274638"/>
+            <a:ext cx="8229600" cy="1143000"/>
+          </a:xfrm>
+        </p:spPr>
+        <p:txBody>
+          <a:bodyPr>
+            <a:normAutofit fontScale="90000"/>
+          </a:bodyPr>
+          <a:lstStyle/>
+          <a:p>
+            <a:pPr algn="l"/>
+            <a:br>
+              <a:rPr lang="en-US" sz="4400" b="0" i="0" u="none" strike="noStrike" kern="1200" dirty="0">
+                <a:solidFill>
+                  <a:srgbClr val="000000"/>
+                </a:solidFill>
+                <a:effectLst/>
+              </a:rPr>
+            </a:br>
+            <a:r>
+              <a:rPr lang="en-US" sz="4400" b="0" i="0" u="none" strike="noStrike" kern="1200" dirty="0">
+                <a:solidFill>
+                  <a:srgbClr val="FF0000"/>
+                </a:solidFill>
+                <a:effectLst/>
+              </a:rPr>
+              <a:t>Left Shift Operator(&lt;&lt;)</a:t>
+            </a:r>
+            <a:br>
+              <a:rPr lang="en-US" sz="4400" b="0" i="0" u="none" strike="noStrike" dirty="0">
+                <a:effectLst/>
+              </a:rPr>
+            </a:br>
+            <a:endParaRPr lang="en-US" dirty="0"/>
+          </a:p>
+        </p:txBody>
+      </p:sp>
+      <p:sp>
+        <p:nvSpPr>
+          <p:cNvPr id="3" name="Content Placeholder 2">
+            <a:extLst>
+              <a:ext uri="{FF2B5EF4-FFF2-40B4-BE49-F238E27FC236}">
+                <a16:creationId xmlns:a16="http://schemas.microsoft.com/office/drawing/2014/main" id="{A1BCA2BD-BF8A-4EA5-8863-6F146388A177}"/>
               </a:ext>
             </a:extLst>
           </p:cNvPr>
@@ -11944,91 +11961,88 @@
           </a:bodyPr>
           <a:lstStyle/>
           <a:p>
-            <a:r>
-              <a:rPr lang="en-US" dirty="0"/>
-              <a:t>If else</a:t>
-            </a:r>
-          </a:p>
-          <a:p>
-            <a:r>
-              <a:rPr lang="en-US" dirty="0"/>
-              <a:t>Switch case</a:t>
-            </a:r>
-          </a:p>
-          <a:p>
-            <a:r>
-              <a:rPr lang="en-US" dirty="0"/>
-              <a:t>For loop</a:t>
-            </a:r>
-          </a:p>
-          <a:p>
-            <a:r>
-              <a:rPr lang="en-US" dirty="0"/>
-              <a:t>While loop</a:t>
-            </a:r>
-          </a:p>
-          <a:p>
-            <a:r>
-              <a:rPr lang="en-US" dirty="0"/>
-              <a:t>Do while </a:t>
-            </a:r>
-          </a:p>
-          <a:p>
-            <a:r>
-              <a:rPr lang="en-US" dirty="0"/>
-              <a:t>Break</a:t>
-            </a:r>
-          </a:p>
-          <a:p>
-            <a:r>
-              <a:rPr lang="en-US" dirty="0"/>
-              <a:t>Continue</a:t>
-            </a:r>
-          </a:p>
-          <a:p>
             <a:pPr marL="0" indent="0">
               <a:buNone/>
             </a:pPr>
-            <a:endParaRPr lang="en-US" dirty="0"/>
-          </a:p>
-          <a:p>
-            <a:endParaRPr lang="en-US" dirty="0"/>
-          </a:p>
-        </p:txBody>
-      </p:sp>
-      <p:sp>
-        <p:nvSpPr>
-          <p:cNvPr id="3" name="Title 2">
-            <a:extLst>
-              <a:ext uri="{FF2B5EF4-FFF2-40B4-BE49-F238E27FC236}">
-                <a16:creationId xmlns:a16="http://schemas.microsoft.com/office/drawing/2014/main" id="{45E25FEB-4898-4357-AE92-E8BD4C495F62}"/>
-              </a:ext>
-            </a:extLst>
-          </p:cNvPr>
-          <p:cNvSpPr>
-            <a:spLocks noGrp="1"/>
-          </p:cNvSpPr>
-          <p:nvPr>
-            <p:ph type="ctrTitle"/>
-          </p:nvPr>
-        </p:nvSpPr>
-        <p:spPr/>
-        <p:txBody>
-          <a:bodyPr>
-            <a:normAutofit fontScale="90000"/>
-          </a:bodyPr>
-          <a:lstStyle/>
-          <a:p>
-            <a:br>
-              <a:rPr lang="en-US" dirty="0"/>
-            </a:br>
-            <a:r>
-              <a:rPr lang="en-US" dirty="0"/>
-              <a:t>control flow statements</a:t>
-            </a:r>
-            <a:br>
-              <a:rPr lang="en-US" dirty="0"/>
-            </a:br>
+            <a:r>
+              <a:rPr lang="en-US" dirty="0"/>
+              <a:t>a=10 (1010)</a:t>
+            </a:r>
+          </a:p>
+          <a:p>
+            <a:pPr marL="0" indent="0">
+              <a:buNone/>
+            </a:pPr>
+            <a:r>
+              <a:rPr lang="en-US" dirty="0"/>
+              <a:t>a&lt;&lt;1</a:t>
+            </a:r>
+          </a:p>
+          <a:p>
+            <a:pPr marL="0" indent="0">
+              <a:buNone/>
+            </a:pPr>
+            <a:r>
+              <a:rPr lang="en-US" dirty="0"/>
+              <a:t>1010.</a:t>
+            </a:r>
+            <a:r>
+              <a:rPr lang="en-US" dirty="0">
+                <a:solidFill>
+                  <a:srgbClr val="FF0000"/>
+                </a:solidFill>
+              </a:rPr>
+              <a:t>0</a:t>
+            </a:r>
+          </a:p>
+          <a:p>
+            <a:pPr marL="0" indent="0">
+              <a:buNone/>
+            </a:pPr>
+            <a:r>
+              <a:rPr lang="en-US" dirty="0"/>
+              <a:t>10100(20) Ans.</a:t>
+            </a:r>
+          </a:p>
+          <a:p>
+            <a:pPr marL="0" indent="0">
+              <a:buNone/>
+            </a:pPr>
+            <a:r>
+              <a:rPr lang="en-US" dirty="0"/>
+              <a:t>a&lt;&lt;2</a:t>
+            </a:r>
+          </a:p>
+          <a:p>
+            <a:pPr marL="0" indent="0">
+              <a:buNone/>
+            </a:pPr>
+            <a:r>
+              <a:rPr lang="en-US" dirty="0"/>
+              <a:t>1010.</a:t>
+            </a:r>
+            <a:r>
+              <a:rPr lang="en-US" dirty="0">
+                <a:solidFill>
+                  <a:srgbClr val="FF0000"/>
+                </a:solidFill>
+              </a:rPr>
+              <a:t>00</a:t>
+            </a:r>
+          </a:p>
+          <a:p>
+            <a:pPr marL="0" indent="0">
+              <a:buNone/>
+            </a:pPr>
+            <a:r>
+              <a:rPr lang="en-US" dirty="0"/>
+              <a:t>101000(40) Ans.</a:t>
+            </a:r>
+          </a:p>
+          <a:p>
+            <a:pPr marL="0" indent="0">
+              <a:buNone/>
+            </a:pPr>
             <a:endParaRPr lang="en-US" dirty="0"/>
           </a:p>
         </p:txBody>
@@ -12036,7 +12050,7 @@
     </p:spTree>
     <p:extLst>
       <p:ext uri="{BB962C8B-B14F-4D97-AF65-F5344CB8AC3E}">
-        <p14:creationId xmlns:p14="http://schemas.microsoft.com/office/powerpoint/2010/main" val="1173649690"/>
+        <p14:creationId xmlns:p14="http://schemas.microsoft.com/office/powerpoint/2010/main" val="166368155"/>
       </p:ext>
     </p:extLst>
   </p:cSld>
@@ -12065,10 +12079,65 @@
       </p:grpSpPr>
       <p:sp>
         <p:nvSpPr>
-          <p:cNvPr id="2" name="Content Placeholder 1">
-            <a:extLst>
-              <a:ext uri="{FF2B5EF4-FFF2-40B4-BE49-F238E27FC236}">
-                <a16:creationId xmlns:a16="http://schemas.microsoft.com/office/drawing/2014/main" id="{6B6E0D48-DC1E-45E1-8152-91D31443CEE2}"/>
+          <p:cNvPr id="2" name="Title 1">
+            <a:extLst>
+              <a:ext uri="{FF2B5EF4-FFF2-40B4-BE49-F238E27FC236}">
+                <a16:creationId xmlns:a16="http://schemas.microsoft.com/office/drawing/2014/main" id="{87709452-A888-40A0-8EFC-63F5FBFD81FA}"/>
+              </a:ext>
+            </a:extLst>
+          </p:cNvPr>
+          <p:cNvSpPr>
+            <a:spLocks noGrp="1"/>
+          </p:cNvSpPr>
+          <p:nvPr>
+            <p:ph type="title" idx="4294967295"/>
+          </p:nvPr>
+        </p:nvSpPr>
+        <p:spPr>
+          <a:xfrm>
+            <a:off x="457200" y="274638"/>
+            <a:ext cx="8229600" cy="1143000"/>
+          </a:xfrm>
+        </p:spPr>
+        <p:txBody>
+          <a:bodyPr>
+            <a:normAutofit fontScale="90000"/>
+          </a:bodyPr>
+          <a:lstStyle/>
+          <a:p>
+            <a:pPr algn="l"/>
+            <a:br>
+              <a:rPr lang="en-US" sz="4400" b="0" i="0" u="none" strike="noStrike" kern="1200" dirty="0">
+                <a:solidFill>
+                  <a:srgbClr val="000000"/>
+                </a:solidFill>
+                <a:effectLst/>
+              </a:rPr>
+            </a:br>
+            <a:r>
+              <a:rPr lang="en-US" sz="4400" b="0" i="0" u="none" strike="noStrike" kern="1200" dirty="0">
+                <a:solidFill>
+                  <a:srgbClr val="FF0000"/>
+                </a:solidFill>
+                <a:effectLst/>
+              </a:rPr>
+              <a:t>Right Shift Operator(&gt;&gt;)</a:t>
+            </a:r>
+            <a:br>
+              <a:rPr lang="en-US" sz="4400" b="0" i="0" u="none" strike="noStrike" dirty="0">
+                <a:effectLst/>
+              </a:rPr>
+            </a:br>
+            <a:endParaRPr lang="en-US" dirty="0"/>
+          </a:p>
+        </p:txBody>
+      </p:sp>
+      <p:sp>
+        <p:nvSpPr>
+          <p:cNvPr id="3" name="Content Placeholder 2">
+            <a:extLst>
+              <a:ext uri="{FF2B5EF4-FFF2-40B4-BE49-F238E27FC236}">
+                <a16:creationId xmlns:a16="http://schemas.microsoft.com/office/drawing/2014/main" id="{A1BCA2BD-BF8A-4EA5-8863-6F146388A177}"/>
               </a:ext>
             </a:extLst>
           </p:cNvPr>
@@ -12081,7 +12150,9 @@
         </p:nvSpPr>
         <p:spPr/>
         <p:txBody>
-          <a:bodyPr/>
+          <a:bodyPr>
+            <a:normAutofit fontScale="92500" lnSpcReduction="20000"/>
+          </a:bodyPr>
           <a:lstStyle/>
           <a:p>
             <a:pPr marL="0" indent="0">
@@ -12089,7 +12160,7 @@
             </a:pPr>
             <a:r>
               <a:rPr lang="en-US" dirty="0"/>
-              <a:t>if(condition) {   </a:t>
+              <a:t>a=10 (1010)</a:t>
             </a:r>
           </a:p>
           <a:p>
@@ -12098,7 +12169,7 @@
             </a:pPr>
             <a:r>
               <a:rPr lang="en-US" dirty="0"/>
-              <a:t>// if-statements</a:t>
+              <a:t>a&gt;&gt;1</a:t>
             </a:r>
           </a:p>
           <a:p>
@@ -12107,7 +12178,15 @@
             </a:pPr>
             <a:r>
               <a:rPr lang="en-US" dirty="0"/>
-              <a:t>} </a:t>
+              <a:t>101</a:t>
+            </a:r>
+            <a:r>
+              <a:rPr lang="en-US" dirty="0">
+                <a:solidFill>
+                  <a:srgbClr val="FF0000"/>
+                </a:solidFill>
+              </a:rPr>
+              <a:t>0</a:t>
             </a:r>
           </a:p>
           <a:p>
@@ -12116,7 +12195,7 @@
             </a:pPr>
             <a:r>
               <a:rPr lang="en-US" dirty="0"/>
-              <a:t>else { </a:t>
+              <a:t>101(5) Ans.</a:t>
             </a:r>
           </a:p>
           <a:p>
@@ -12125,7 +12204,7 @@
             </a:pPr>
             <a:r>
               <a:rPr lang="en-US" dirty="0"/>
-              <a:t> // else statements;</a:t>
+              <a:t>a&gt;&gt;2</a:t>
             </a:r>
           </a:p>
           <a:p>
@@ -12134,40 +12213,39 @@
             </a:pPr>
             <a:r>
               <a:rPr lang="en-US" dirty="0"/>
-              <a:t>}</a:t>
-            </a:r>
-          </a:p>
-        </p:txBody>
-      </p:sp>
-      <p:sp>
-        <p:nvSpPr>
-          <p:cNvPr id="3" name="Title 2">
-            <a:extLst>
-              <a:ext uri="{FF2B5EF4-FFF2-40B4-BE49-F238E27FC236}">
-                <a16:creationId xmlns:a16="http://schemas.microsoft.com/office/drawing/2014/main" id="{23312834-2AFB-4FBC-8EF3-38FC2930FCB7}"/>
-              </a:ext>
-            </a:extLst>
-          </p:cNvPr>
-          <p:cNvSpPr>
-            <a:spLocks noGrp="1"/>
-          </p:cNvSpPr>
-          <p:nvPr>
-            <p:ph type="ctrTitle"/>
-          </p:nvPr>
-        </p:nvSpPr>
-        <p:spPr/>
-        <p:txBody>
-          <a:bodyPr/>
-          <a:lstStyle/>
-          <a:p>
-            <a:endParaRPr lang="en-US"/>
+              <a:t>10</a:t>
+            </a:r>
+            <a:r>
+              <a:rPr lang="en-US" dirty="0">
+                <a:solidFill>
+                  <a:srgbClr val="FF0000"/>
+                </a:solidFill>
+              </a:rPr>
+              <a:t>10</a:t>
+            </a:r>
+            <a:endParaRPr lang="en-US" dirty="0"/>
+          </a:p>
+          <a:p>
+            <a:pPr marL="0" indent="0">
+              <a:buNone/>
+            </a:pPr>
+            <a:r>
+              <a:rPr lang="en-US" dirty="0"/>
+              <a:t>10(2) Ans.</a:t>
+            </a:r>
+          </a:p>
+          <a:p>
+            <a:pPr marL="0" indent="0">
+              <a:buNone/>
+            </a:pPr>
+            <a:endParaRPr lang="en-US" dirty="0"/>
           </a:p>
         </p:txBody>
       </p:sp>
     </p:spTree>
     <p:extLst>
       <p:ext uri="{BB962C8B-B14F-4D97-AF65-F5344CB8AC3E}">
-        <p14:creationId xmlns:p14="http://schemas.microsoft.com/office/powerpoint/2010/main" val="1836065292"/>
+        <p14:creationId xmlns:p14="http://schemas.microsoft.com/office/powerpoint/2010/main" val="2006063390"/>
       </p:ext>
     </p:extLst>
   </p:cSld>
@@ -12199,7 +12277,7 @@
           <p:cNvPr id="3" name="Title 2">
             <a:extLst>
               <a:ext uri="{FF2B5EF4-FFF2-40B4-BE49-F238E27FC236}">
-                <a16:creationId xmlns:a16="http://schemas.microsoft.com/office/drawing/2014/main" id="{EC084C25-66C7-4199-99AA-B5CBE97C354C}"/>
+                <a16:creationId xmlns:a16="http://schemas.microsoft.com/office/drawing/2014/main" id="{374AE9CD-4F11-4400-83CB-C33D69F3E74E}"/>
               </a:ext>
             </a:extLst>
           </p:cNvPr>
@@ -12212,19 +12290,28 @@
         </p:nvSpPr>
         <p:spPr/>
         <p:txBody>
-          <a:bodyPr/>
+          <a:bodyPr>
+            <a:normAutofit/>
+          </a:bodyPr>
           <a:lstStyle/>
           <a:p>
-            <a:endParaRPr lang="en-US"/>
+            <a:r>
+              <a:rPr lang="en-US" sz="4000" dirty="0">
+                <a:solidFill>
+                  <a:srgbClr val="FF0000"/>
+                </a:solidFill>
+              </a:rPr>
+              <a:t>Conditional operators</a:t>
+            </a:r>
           </a:p>
         </p:txBody>
       </p:sp>
       <p:pic>
         <p:nvPicPr>
-          <p:cNvPr id="5" name="Picture 4">
-            <a:extLst>
-              <a:ext uri="{FF2B5EF4-FFF2-40B4-BE49-F238E27FC236}">
-                <a16:creationId xmlns:a16="http://schemas.microsoft.com/office/drawing/2014/main" id="{B2EFBEE9-07E6-400E-874D-66C9505A54FB}"/>
+          <p:cNvPr id="6" name="Picture 5">
+            <a:extLst>
+              <a:ext uri="{FF2B5EF4-FFF2-40B4-BE49-F238E27FC236}">
+                <a16:creationId xmlns:a16="http://schemas.microsoft.com/office/drawing/2014/main" id="{57AA99F6-986F-4881-897A-23DA47F85965}"/>
               </a:ext>
             </a:extLst>
           </p:cNvPr>
@@ -12241,68 +12328,8 @@
         </p:blipFill>
         <p:spPr>
           <a:xfrm>
-            <a:off x="304801" y="488852"/>
-            <a:ext cx="3276600" cy="5454748"/>
-          </a:xfrm>
-          <a:prstGeom prst="rect">
-            <a:avLst/>
-          </a:prstGeom>
-        </p:spPr>
-      </p:pic>
-      <p:pic>
-        <p:nvPicPr>
-          <p:cNvPr id="6" name="Picture 5">
-            <a:extLst>
-              <a:ext uri="{FF2B5EF4-FFF2-40B4-BE49-F238E27FC236}">
-                <a16:creationId xmlns:a16="http://schemas.microsoft.com/office/drawing/2014/main" id="{5A05623B-3CAA-4C37-8D47-2497D194DB95}"/>
-              </a:ext>
-            </a:extLst>
-          </p:cNvPr>
-          <p:cNvPicPr>
-            <a:picLocks noChangeAspect="1"/>
-          </p:cNvPicPr>
-          <p:nvPr/>
-        </p:nvPicPr>
-        <p:blipFill>
-          <a:blip r:embed="rId3"/>
-          <a:stretch>
-            <a:fillRect/>
-          </a:stretch>
-        </p:blipFill>
-        <p:spPr>
-          <a:xfrm>
-            <a:off x="3581401" y="488852"/>
-            <a:ext cx="5410199" cy="4714875"/>
-          </a:xfrm>
-          <a:prstGeom prst="rect">
-            <a:avLst/>
-          </a:prstGeom>
-        </p:spPr>
-      </p:pic>
-      <p:pic>
-        <p:nvPicPr>
-          <p:cNvPr id="7" name="Picture 6">
-            <a:extLst>
-              <a:ext uri="{FF2B5EF4-FFF2-40B4-BE49-F238E27FC236}">
-                <a16:creationId xmlns:a16="http://schemas.microsoft.com/office/drawing/2014/main" id="{778B4B97-8ACB-4364-83F1-8A8853884BFF}"/>
-              </a:ext>
-            </a:extLst>
-          </p:cNvPr>
-          <p:cNvPicPr>
-            <a:picLocks noChangeAspect="1"/>
-          </p:cNvPicPr>
-          <p:nvPr/>
-        </p:nvPicPr>
-        <p:blipFill>
-          <a:blip r:embed="rId4"/>
-          <a:stretch>
-            <a:fillRect/>
-          </a:stretch>
-        </p:blipFill>
-        <p:spPr>
-          <a:xfrm>
-            <a:off x="3790951" y="5257800"/>
-            <a:ext cx="3543300" cy="685800"/>
+            <a:off x="481482" y="1447800"/>
+            <a:ext cx="8052917" cy="1174532"/>
           </a:xfrm>
           <a:prstGeom prst="rect">
             <a:avLst/>
@@ -12312,7 +12339,7 @@
     </p:spTree>
     <p:extLst>
       <p:ext uri="{BB962C8B-B14F-4D97-AF65-F5344CB8AC3E}">
-        <p14:creationId xmlns:p14="http://schemas.microsoft.com/office/powerpoint/2010/main" val="803840364"/>
+        <p14:creationId xmlns:p14="http://schemas.microsoft.com/office/powerpoint/2010/main" val="1770195823"/>
       </p:ext>
     </p:extLst>
   </p:cSld>
@@ -12341,107 +12368,10 @@
       </p:grpSpPr>
       <p:sp>
         <p:nvSpPr>
-          <p:cNvPr id="2" name="Content Placeholder 1">
-            <a:extLst>
-              <a:ext uri="{FF2B5EF4-FFF2-40B4-BE49-F238E27FC236}">
-                <a16:creationId xmlns:a16="http://schemas.microsoft.com/office/drawing/2014/main" id="{37E3D407-F1FA-4E7B-BC80-D84274B4646B}"/>
-              </a:ext>
-            </a:extLst>
-          </p:cNvPr>
-          <p:cNvSpPr>
-            <a:spLocks noGrp="1"/>
-          </p:cNvSpPr>
-          <p:nvPr>
-            <p:ph idx="1"/>
-          </p:nvPr>
-        </p:nvSpPr>
-        <p:spPr/>
-        <p:txBody>
-          <a:bodyPr>
-            <a:normAutofit fontScale="85000" lnSpcReduction="20000"/>
-          </a:bodyPr>
-          <a:lstStyle/>
-          <a:p>
-            <a:pPr marL="0" indent="0">
-              <a:buNone/>
-            </a:pPr>
-            <a:r>
-              <a:rPr lang="en-US" dirty="0"/>
-              <a:t>for(initialization; condition; expression) </a:t>
-            </a:r>
-          </a:p>
-          <a:p>
-            <a:pPr marL="0" indent="0">
-              <a:buNone/>
-            </a:pPr>
-            <a:r>
-              <a:rPr lang="en-US" dirty="0"/>
-              <a:t>{    </a:t>
-            </a:r>
-          </a:p>
-          <a:p>
-            <a:pPr marL="0" indent="0">
-              <a:buNone/>
-            </a:pPr>
-            <a:r>
-              <a:rPr lang="en-US" dirty="0"/>
-              <a:t>// statement</a:t>
-            </a:r>
-          </a:p>
-          <a:p>
-            <a:pPr marL="0" indent="0">
-              <a:buNone/>
-            </a:pPr>
-            <a:r>
-              <a:rPr lang="en-US" dirty="0"/>
-              <a:t>}</a:t>
-            </a:r>
-          </a:p>
-          <a:p>
-            <a:pPr marL="0" indent="0">
-              <a:buNone/>
-            </a:pPr>
-            <a:r>
-              <a:rPr lang="nn-NO" dirty="0"/>
-              <a:t>for (let i = 0; i &lt; 10; i++) </a:t>
-            </a:r>
-          </a:p>
-          <a:p>
-            <a:pPr marL="0" indent="0">
-              <a:buNone/>
-            </a:pPr>
-            <a:r>
-              <a:rPr lang="nn-NO" dirty="0"/>
-              <a:t>{   </a:t>
-            </a:r>
-          </a:p>
-          <a:p>
-            <a:pPr marL="0" indent="0">
-              <a:buNone/>
-            </a:pPr>
-            <a:r>
-              <a:rPr lang="nn-NO" dirty="0"/>
-              <a:t> console.log(i);</a:t>
-            </a:r>
-          </a:p>
-          <a:p>
-            <a:pPr marL="0" indent="0">
-              <a:buNone/>
-            </a:pPr>
-            <a:r>
-              <a:rPr lang="nn-NO" dirty="0"/>
-              <a:t>}</a:t>
-            </a:r>
-            <a:endParaRPr lang="en-US" dirty="0"/>
-          </a:p>
-        </p:txBody>
-      </p:sp>
-      <p:sp>
-        <p:nvSpPr>
           <p:cNvPr id="3" name="Title 2">
             <a:extLst>
               <a:ext uri="{FF2B5EF4-FFF2-40B4-BE49-F238E27FC236}">
-                <a16:creationId xmlns:a16="http://schemas.microsoft.com/office/drawing/2014/main" id="{9FF293FF-5E8D-4D9B-BF8D-183CBA39181B}"/>
+                <a16:creationId xmlns:a16="http://schemas.microsoft.com/office/drawing/2014/main" id="{DFBB59CB-C027-489E-9AF9-D18853E073DC}"/>
               </a:ext>
             </a:extLst>
           </p:cNvPr>
@@ -12457,14 +12387,51 @@
           <a:bodyPr/>
           <a:lstStyle/>
           <a:p>
-            <a:endParaRPr lang="en-US"/>
+            <a:r>
+              <a:rPr lang="en-US" dirty="0">
+                <a:solidFill>
+                  <a:srgbClr val="FF0000"/>
+                </a:solidFill>
+              </a:rPr>
+              <a:t>typeof operators </a:t>
+            </a:r>
           </a:p>
         </p:txBody>
       </p:sp>
+      <p:pic>
+        <p:nvPicPr>
+          <p:cNvPr id="4" name="Picture 3">
+            <a:extLst>
+              <a:ext uri="{FF2B5EF4-FFF2-40B4-BE49-F238E27FC236}">
+                <a16:creationId xmlns:a16="http://schemas.microsoft.com/office/drawing/2014/main" id="{B5EA3F5C-1579-4994-98BD-8A6A3B86D4B8}"/>
+              </a:ext>
+            </a:extLst>
+          </p:cNvPr>
+          <p:cNvPicPr>
+            <a:picLocks noChangeAspect="1"/>
+          </p:cNvPicPr>
+          <p:nvPr/>
+        </p:nvPicPr>
+        <p:blipFill>
+          <a:blip r:embed="rId2"/>
+          <a:stretch>
+            <a:fillRect/>
+          </a:stretch>
+        </p:blipFill>
+        <p:spPr>
+          <a:xfrm>
+            <a:off x="451311" y="1447800"/>
+            <a:ext cx="8229601" cy="1800225"/>
+          </a:xfrm>
+          <a:prstGeom prst="rect">
+            <a:avLst/>
+          </a:prstGeom>
+        </p:spPr>
+      </p:pic>
     </p:spTree>
     <p:extLst>
       <p:ext uri="{BB962C8B-B14F-4D97-AF65-F5344CB8AC3E}">
-        <p14:creationId xmlns:p14="http://schemas.microsoft.com/office/powerpoint/2010/main" val="2449118757"/>
+        <p14:creationId xmlns:p14="http://schemas.microsoft.com/office/powerpoint/2010/main" val="3030935879"/>
       </p:ext>
     </p:extLst>
   </p:cSld>
@@ -12496,7 +12463,7 @@
           <p:cNvPr id="2" name="Content Placeholder 1">
             <a:extLst>
               <a:ext uri="{FF2B5EF4-FFF2-40B4-BE49-F238E27FC236}">
-                <a16:creationId xmlns:a16="http://schemas.microsoft.com/office/drawing/2014/main" id="{AD8D7591-B870-491B-BFDA-DBCAE71E9773}"/>
+                <a16:creationId xmlns:a16="http://schemas.microsoft.com/office/drawing/2014/main" id="{4F1DBC7E-D03C-4A02-9FFB-526C9F6CB820}"/>
               </a:ext>
             </a:extLst>
           </p:cNvPr>
@@ -12510,133 +12477,58 @@
         <p:spPr/>
         <p:txBody>
           <a:bodyPr>
-            <a:normAutofit fontScale="85000" lnSpcReduction="20000"/>
+            <a:normAutofit fontScale="92500" lnSpcReduction="20000"/>
           </a:bodyPr>
           <a:lstStyle/>
+          <a:p>
+            <a:r>
+              <a:rPr lang="en-US" dirty="0"/>
+              <a:t>If else</a:t>
+            </a:r>
+          </a:p>
+          <a:p>
+            <a:r>
+              <a:rPr lang="en-US" dirty="0"/>
+              <a:t>Switch case</a:t>
+            </a:r>
+          </a:p>
+          <a:p>
+            <a:r>
+              <a:rPr lang="en-US" dirty="0"/>
+              <a:t>For loop</a:t>
+            </a:r>
+          </a:p>
+          <a:p>
+            <a:r>
+              <a:rPr lang="en-US" dirty="0"/>
+              <a:t>While loop</a:t>
+            </a:r>
+          </a:p>
+          <a:p>
+            <a:r>
+              <a:rPr lang="en-US" dirty="0"/>
+              <a:t>Do while </a:t>
+            </a:r>
+          </a:p>
+          <a:p>
+            <a:r>
+              <a:rPr lang="en-US" dirty="0"/>
+              <a:t>Break</a:t>
+            </a:r>
+          </a:p>
+          <a:p>
+            <a:r>
+              <a:rPr lang="en-US" dirty="0"/>
+              <a:t>Continue</a:t>
+            </a:r>
+          </a:p>
           <a:p>
             <a:pPr marL="0" indent="0">
               <a:buNone/>
             </a:pPr>
-            <a:r>
-              <a:rPr lang="en-US" dirty="0"/>
-              <a:t> let array = [];</a:t>
-            </a:r>
-          </a:p>
-          <a:p>
-            <a:pPr marL="0" indent="0">
-              <a:buNone/>
-            </a:pPr>
-            <a:r>
-              <a:rPr lang="en-US" dirty="0"/>
-              <a:t>for (let </a:t>
-            </a:r>
-            <a:r>
-              <a:rPr lang="en-US" dirty="0" err="1"/>
-              <a:t>i</a:t>
-            </a:r>
-            <a:r>
-              <a:rPr lang="en-US" dirty="0"/>
-              <a:t> = 0; </a:t>
-            </a:r>
-            <a:r>
-              <a:rPr lang="en-US" dirty="0" err="1"/>
-              <a:t>i</a:t>
-            </a:r>
-            <a:r>
-              <a:rPr lang="en-US" dirty="0"/>
-              <a:t> &lt; 10; </a:t>
-            </a:r>
-            <a:r>
-              <a:rPr lang="en-US" dirty="0" err="1"/>
-              <a:t>i</a:t>
-            </a:r>
-            <a:r>
-              <a:rPr lang="en-US" dirty="0"/>
-              <a:t>++) </a:t>
-            </a:r>
-          </a:p>
-          <a:p>
-            <a:pPr marL="0" indent="0">
-              <a:buNone/>
-            </a:pPr>
-            <a:r>
-              <a:rPr lang="en-US" dirty="0"/>
-              <a:t>{</a:t>
-            </a:r>
-          </a:p>
-          <a:p>
-            <a:pPr marL="0" indent="0">
-              <a:buNone/>
-            </a:pPr>
-            <a:r>
-              <a:rPr lang="en-US" dirty="0"/>
-              <a:t>  </a:t>
-            </a:r>
-          </a:p>
-          <a:p>
-            <a:pPr marL="0" indent="0">
-              <a:buNone/>
-            </a:pPr>
-            <a:r>
-              <a:rPr lang="en-US" dirty="0"/>
-              <a:t>    </a:t>
-            </a:r>
-            <a:r>
-              <a:rPr lang="en-US" dirty="0" err="1"/>
-              <a:t>array.push</a:t>
-            </a:r>
-            <a:r>
-              <a:rPr lang="en-US" dirty="0"/>
-              <a:t>(</a:t>
-            </a:r>
-            <a:r>
-              <a:rPr lang="en-US" dirty="0" err="1"/>
-              <a:t>i</a:t>
-            </a:r>
-            <a:r>
-              <a:rPr lang="en-US" dirty="0"/>
-              <a:t>);</a:t>
-            </a:r>
-          </a:p>
-          <a:p>
-            <a:pPr marL="0" indent="0">
-              <a:buNone/>
-            </a:pPr>
-            <a:r>
-              <a:rPr lang="en-US" dirty="0"/>
-              <a:t>    </a:t>
-            </a:r>
-          </a:p>
-          <a:p>
-            <a:pPr marL="0" indent="0">
-              <a:buNone/>
-            </a:pPr>
-            <a:r>
-              <a:rPr lang="en-US" dirty="0"/>
-              <a:t>}</a:t>
-            </a:r>
-          </a:p>
-          <a:p>
-            <a:pPr marL="0" indent="0">
-              <a:buNone/>
-            </a:pPr>
-            <a:r>
-              <a:rPr lang="en-US" dirty="0"/>
-              <a:t>console.log(</a:t>
-            </a:r>
-            <a:r>
-              <a:rPr lang="en-US" dirty="0" err="1"/>
-              <a:t>array.join</a:t>
-            </a:r>
-            <a:r>
-              <a:rPr lang="en-US" dirty="0"/>
-              <a:t>(','));</a:t>
-            </a:r>
-          </a:p>
-          <a:p>
-            <a:pPr marL="0" indent="0">
-              <a:buNone/>
-            </a:pPr>
+            <a:endParaRPr lang="en-US" dirty="0"/>
+          </a:p>
+          <a:p>
             <a:endParaRPr lang="en-US" dirty="0"/>
           </a:p>
         </p:txBody>
@@ -12646,7 +12538,7 @@
           <p:cNvPr id="3" name="Title 2">
             <a:extLst>
               <a:ext uri="{FF2B5EF4-FFF2-40B4-BE49-F238E27FC236}">
-                <a16:creationId xmlns:a16="http://schemas.microsoft.com/office/drawing/2014/main" id="{B9857CC5-33EB-4775-B8C0-1C04359458B7}"/>
+                <a16:creationId xmlns:a16="http://schemas.microsoft.com/office/drawing/2014/main" id="{45E25FEB-4898-4357-AE92-E8BD4C495F62}"/>
               </a:ext>
             </a:extLst>
           </p:cNvPr>
@@ -12659,17 +12551,37 @@
         </p:nvSpPr>
         <p:spPr/>
         <p:txBody>
-          <a:bodyPr/>
+          <a:bodyPr>
+            <a:normAutofit fontScale="90000"/>
+          </a:bodyPr>
           <a:lstStyle/>
           <a:p>
-            <a:endParaRPr lang="en-US"/>
+            <a:br>
+              <a:rPr lang="en-US" dirty="0"/>
+            </a:br>
+            <a:r>
+              <a:rPr lang="en-US" dirty="0"/>
+              <a:t>C</a:t>
+            </a:r>
+            <a:r>
+              <a:rPr lang="en-US" dirty="0">
+                <a:solidFill>
+                  <a:srgbClr val="FF0000"/>
+                </a:solidFill>
+              </a:rPr>
+              <a:t>ontrol flow statements</a:t>
+            </a:r>
+            <a:br>
+              <a:rPr lang="en-US" dirty="0"/>
+            </a:br>
+            <a:endParaRPr lang="en-US" dirty="0"/>
           </a:p>
         </p:txBody>
       </p:sp>
     </p:spTree>
     <p:extLst>
       <p:ext uri="{BB962C8B-B14F-4D97-AF65-F5344CB8AC3E}">
-        <p14:creationId xmlns:p14="http://schemas.microsoft.com/office/powerpoint/2010/main" val="3994904982"/>
+        <p14:creationId xmlns:p14="http://schemas.microsoft.com/office/powerpoint/2010/main" val="1173649690"/>
       </p:ext>
     </p:extLst>
   </p:cSld>
@@ -12701,7 +12613,7 @@
           <p:cNvPr id="2" name="Content Placeholder 1">
             <a:extLst>
               <a:ext uri="{FF2B5EF4-FFF2-40B4-BE49-F238E27FC236}">
-                <a16:creationId xmlns:a16="http://schemas.microsoft.com/office/drawing/2014/main" id="{F0CD4683-F319-475E-BD47-8229676DA850}"/>
+                <a16:creationId xmlns:a16="http://schemas.microsoft.com/office/drawing/2014/main" id="{6B6E0D48-DC1E-45E1-8152-91D31443CEE2}"/>
               </a:ext>
             </a:extLst>
           </p:cNvPr>
@@ -12709,7 +12621,7 @@
             <a:spLocks noGrp="1"/>
           </p:cNvSpPr>
           <p:nvPr>
-            <p:ph idx="1"/>
+            <p:ph sz="half" idx="1"/>
           </p:nvPr>
         </p:nvSpPr>
         <p:spPr/>
@@ -12721,8 +12633,12 @@
               <a:buNone/>
             </a:pPr>
             <a:r>
-              <a:rPr lang="en-US" dirty="0"/>
-              <a:t>while(condition) </a:t>
+              <a:rPr lang="en-US" dirty="0">
+                <a:solidFill>
+                  <a:srgbClr val="002060"/>
+                </a:solidFill>
+              </a:rPr>
+              <a:t>if(condition) {   </a:t>
             </a:r>
           </a:p>
           <a:p>
@@ -12730,8 +12646,12 @@
               <a:buNone/>
             </a:pPr>
             <a:r>
-              <a:rPr lang="en-US" dirty="0"/>
-              <a:t>{    </a:t>
+              <a:rPr lang="en-US" dirty="0">
+                <a:solidFill>
+                  <a:srgbClr val="002060"/>
+                </a:solidFill>
+              </a:rPr>
+              <a:t>// if-statements</a:t>
             </a:r>
           </a:p>
           <a:p>
@@ -12739,8 +12659,12 @@
               <a:buNone/>
             </a:pPr>
             <a:r>
-              <a:rPr lang="en-US" dirty="0"/>
-              <a:t>// do something</a:t>
+              <a:rPr lang="en-US" dirty="0">
+                <a:solidFill>
+                  <a:srgbClr val="002060"/>
+                </a:solidFill>
+              </a:rPr>
+              <a:t>} </a:t>
             </a:r>
           </a:p>
           <a:p>
@@ -12748,7 +12672,37 @@
               <a:buNone/>
             </a:pPr>
             <a:r>
-              <a:rPr lang="en-US" dirty="0"/>
+              <a:rPr lang="en-US" dirty="0">
+                <a:solidFill>
+                  <a:srgbClr val="002060"/>
+                </a:solidFill>
+              </a:rPr>
+              <a:t>else { </a:t>
+            </a:r>
+          </a:p>
+          <a:p>
+            <a:pPr marL="0" indent="0">
+              <a:buNone/>
+            </a:pPr>
+            <a:r>
+              <a:rPr lang="en-US" dirty="0">
+                <a:solidFill>
+                  <a:srgbClr val="002060"/>
+                </a:solidFill>
+              </a:rPr>
+              <a:t> // else statements;</a:t>
+            </a:r>
+          </a:p>
+          <a:p>
+            <a:pPr marL="0" indent="0">
+              <a:buNone/>
+            </a:pPr>
+            <a:r>
+              <a:rPr lang="en-US" dirty="0">
+                <a:solidFill>
+                  <a:srgbClr val="002060"/>
+                </a:solidFill>
+              </a:rPr>
               <a:t>}</a:t>
             </a:r>
           </a:p>
@@ -12759,7 +12713,7 @@
           <p:cNvPr id="3" name="Title 2">
             <a:extLst>
               <a:ext uri="{FF2B5EF4-FFF2-40B4-BE49-F238E27FC236}">
-                <a16:creationId xmlns:a16="http://schemas.microsoft.com/office/drawing/2014/main" id="{10E6BAA0-C3E9-4EE5-8ECB-BDAB8BBCB457}"/>
+                <a16:creationId xmlns:a16="http://schemas.microsoft.com/office/drawing/2014/main" id="{23312834-2AFB-4FBC-8EF3-38FC2930FCB7}"/>
               </a:ext>
             </a:extLst>
           </p:cNvPr>
@@ -12767,27 +12721,38 @@
             <a:spLocks noGrp="1"/>
           </p:cNvSpPr>
           <p:nvPr>
-            <p:ph type="ctrTitle"/>
+            <p:ph type="ctrTitle" idx="4294967295"/>
           </p:nvPr>
         </p:nvSpPr>
-        <p:spPr/>
+        <p:spPr>
+          <a:xfrm>
+            <a:off x="381000" y="731837"/>
+            <a:ext cx="8229600" cy="914400"/>
+          </a:xfrm>
+        </p:spPr>
         <p:txBody>
-          <a:bodyPr/>
+          <a:bodyPr>
+            <a:normAutofit/>
+          </a:bodyPr>
           <a:lstStyle/>
           <a:p>
             <a:r>
-              <a:rPr lang="en-US" dirty="0"/>
-              <a:t>while</a:t>
+              <a:rPr lang="en-US" sz="3600" dirty="0">
+                <a:solidFill>
+                  <a:srgbClr val="FF0000"/>
+                </a:solidFill>
+              </a:rPr>
+              <a:t>If else</a:t>
             </a:r>
           </a:p>
         </p:txBody>
       </p:sp>
       <p:pic>
         <p:nvPicPr>
-          <p:cNvPr id="4" name="Picture 3">
-            <a:extLst>
-              <a:ext uri="{FF2B5EF4-FFF2-40B4-BE49-F238E27FC236}">
-                <a16:creationId xmlns:a16="http://schemas.microsoft.com/office/drawing/2014/main" id="{106F25A8-31FF-4C1A-89CD-5CACF42823EB}"/>
+          <p:cNvPr id="6" name="Picture 5">
+            <a:extLst>
+              <a:ext uri="{FF2B5EF4-FFF2-40B4-BE49-F238E27FC236}">
+                <a16:creationId xmlns:a16="http://schemas.microsoft.com/office/drawing/2014/main" id="{C3B71E3C-158B-3A0E-EE5F-6D27C73F6C02}"/>
               </a:ext>
             </a:extLst>
           </p:cNvPr>
@@ -12804,8 +12769,8 @@
         </p:blipFill>
         <p:spPr>
           <a:xfrm>
-            <a:off x="4574345" y="457200"/>
-            <a:ext cx="3886200" cy="6382445"/>
+            <a:off x="3412132" y="1371600"/>
+            <a:ext cx="5261773" cy="3581400"/>
           </a:xfrm>
           <a:prstGeom prst="rect">
             <a:avLst/>
@@ -12815,7 +12780,7 @@
     </p:spTree>
     <p:extLst>
       <p:ext uri="{BB962C8B-B14F-4D97-AF65-F5344CB8AC3E}">
-        <p14:creationId xmlns:p14="http://schemas.microsoft.com/office/powerpoint/2010/main" val="240284826"/>
+        <p14:creationId xmlns:p14="http://schemas.microsoft.com/office/powerpoint/2010/main" val="1836065292"/>
       </p:ext>
     </p:extLst>
   </p:cSld>
@@ -12847,7 +12812,7 @@
           <p:cNvPr id="2" name="Content Placeholder 1">
             <a:extLst>
               <a:ext uri="{FF2B5EF4-FFF2-40B4-BE49-F238E27FC236}">
-                <a16:creationId xmlns:a16="http://schemas.microsoft.com/office/drawing/2014/main" id="{30560650-C213-4948-BC57-AB246F9EF325}"/>
+                <a16:creationId xmlns:a16="http://schemas.microsoft.com/office/drawing/2014/main" id="{935CE167-2958-212A-F3D1-E91F297B4BA8}"/>
               </a:ext>
             </a:extLst>
           </p:cNvPr>
@@ -12855,83 +12820,169 @@
             <a:spLocks noGrp="1"/>
           </p:cNvSpPr>
           <p:nvPr>
-            <p:ph idx="1"/>
+            <p:ph sz="half" idx="1"/>
           </p:nvPr>
         </p:nvSpPr>
-        <p:spPr/>
+        <p:spPr>
+          <a:xfrm>
+            <a:off x="457200" y="1600200"/>
+            <a:ext cx="3048000" cy="4525963"/>
+          </a:xfrm>
+        </p:spPr>
         <p:txBody>
-          <a:bodyPr/>
+          <a:bodyPr>
+            <a:normAutofit fontScale="92500" lnSpcReduction="10000"/>
+          </a:bodyPr>
           <a:lstStyle/>
+          <a:p>
+            <a:pPr marL="0" indent="0" algn="l">
+              <a:buNone/>
+            </a:pPr>
+            <a:r>
+              <a:rPr lang="en-US" dirty="0">
+                <a:solidFill>
+                  <a:srgbClr val="002060"/>
+                </a:solidFill>
+                <a:effectLst/>
+              </a:rPr>
+              <a:t>switch(choice)</a:t>
+            </a:r>
+          </a:p>
+          <a:p>
+            <a:pPr marL="0" indent="0" algn="l">
+              <a:buNone/>
+            </a:pPr>
+            <a:r>
+              <a:rPr lang="en-US" dirty="0">
+                <a:solidFill>
+                  <a:srgbClr val="002060"/>
+                </a:solidFill>
+                <a:effectLst/>
+              </a:rPr>
+              <a:t>{</a:t>
+            </a:r>
+          </a:p>
+          <a:p>
+            <a:pPr marL="0" indent="0" algn="l">
+              <a:buNone/>
+            </a:pPr>
+            <a:r>
+              <a:rPr lang="en-US" dirty="0">
+                <a:solidFill>
+                  <a:srgbClr val="002060"/>
+                </a:solidFill>
+                <a:effectLst/>
+              </a:rPr>
+              <a:t> </a:t>
+            </a:r>
+          </a:p>
+          <a:p>
+            <a:pPr marL="0" indent="0" algn="l">
+              <a:buNone/>
+            </a:pPr>
+            <a:r>
+              <a:rPr lang="en-US" dirty="0">
+                <a:solidFill>
+                  <a:srgbClr val="002060"/>
+                </a:solidFill>
+                <a:effectLst/>
+              </a:rPr>
+              <a:t>   case 1:// statement</a:t>
+            </a:r>
+          </a:p>
+          <a:p>
+            <a:pPr marL="0" indent="0" algn="l">
+              <a:buNone/>
+            </a:pPr>
+            <a:r>
+              <a:rPr lang="en-US" dirty="0">
+                <a:solidFill>
+                  <a:srgbClr val="002060"/>
+                </a:solidFill>
+                <a:effectLst/>
+              </a:rPr>
+              <a:t>    break;</a:t>
+            </a:r>
+          </a:p>
+          <a:p>
+            <a:pPr marL="0" indent="0" algn="l">
+              <a:buNone/>
+            </a:pPr>
+            <a:r>
+              <a:rPr lang="en-US" dirty="0">
+                <a:solidFill>
+                  <a:srgbClr val="002060"/>
+                </a:solidFill>
+                <a:effectLst/>
+              </a:rPr>
+              <a:t>   case 2:// statement</a:t>
+            </a:r>
+          </a:p>
+          <a:p>
+            <a:pPr marL="0" indent="0" algn="l">
+              <a:buNone/>
+            </a:pPr>
+            <a:r>
+              <a:rPr lang="en-US" dirty="0">
+                <a:solidFill>
+                  <a:srgbClr val="002060"/>
+                </a:solidFill>
+                <a:effectLst/>
+              </a:rPr>
+              <a:t>   break;</a:t>
+            </a:r>
+          </a:p>
+          <a:p>
+            <a:pPr marL="0" indent="0" algn="l">
+              <a:buNone/>
+            </a:pPr>
+            <a:r>
+              <a:rPr lang="en-US" dirty="0">
+                <a:solidFill>
+                  <a:srgbClr val="002060"/>
+                </a:solidFill>
+                <a:effectLst/>
+              </a:rPr>
+              <a:t>  default:// statement</a:t>
+            </a:r>
+          </a:p>
+          <a:p>
+            <a:pPr marL="0" indent="0" algn="l">
+              <a:buNone/>
+            </a:pPr>
+            <a:r>
+              <a:rPr lang="en-US" dirty="0">
+                <a:solidFill>
+                  <a:srgbClr val="002060"/>
+                </a:solidFill>
+                <a:effectLst/>
+              </a:rPr>
+              <a:t>}</a:t>
+            </a:r>
+          </a:p>
           <a:p>
             <a:pPr marL="0" indent="0">
               <a:buNone/>
             </a:pPr>
-            <a:r>
-              <a:rPr lang="en-US" dirty="0"/>
-              <a:t>do {   </a:t>
-            </a:r>
-          </a:p>
-          <a:p>
-            <a:pPr marL="0" indent="0">
-              <a:buNone/>
-            </a:pPr>
-            <a:r>
-              <a:rPr lang="en-US" dirty="0"/>
-              <a:t> // do something</a:t>
-            </a:r>
-          </a:p>
-          <a:p>
-            <a:pPr marL="0" indent="0">
-              <a:buNone/>
-            </a:pPr>
-            <a:r>
-              <a:rPr lang="en-US" dirty="0"/>
-              <a:t>} while(condition);</a:t>
-            </a:r>
-          </a:p>
-        </p:txBody>
-      </p:sp>
-      <p:sp>
-        <p:nvSpPr>
-          <p:cNvPr id="3" name="Title 2">
-            <a:extLst>
-              <a:ext uri="{FF2B5EF4-FFF2-40B4-BE49-F238E27FC236}">
-                <a16:creationId xmlns:a16="http://schemas.microsoft.com/office/drawing/2014/main" id="{09D2D22E-4E38-4177-82A5-3F15A4B90F96}"/>
-              </a:ext>
-            </a:extLst>
-          </p:cNvPr>
-          <p:cNvSpPr>
-            <a:spLocks noGrp="1"/>
-          </p:cNvSpPr>
-          <p:nvPr>
-            <p:ph type="ctrTitle"/>
-          </p:nvPr>
-        </p:nvSpPr>
-        <p:spPr/>
-        <p:txBody>
-          <a:bodyPr/>
-          <a:lstStyle/>
-          <a:p>
-            <a:r>
-              <a:rPr lang="en-US" dirty="0"/>
-              <a:t>Do while</a:t>
-            </a:r>
+            <a:endParaRPr lang="en-US" dirty="0"/>
           </a:p>
         </p:txBody>
       </p:sp>
       <p:pic>
         <p:nvPicPr>
-          <p:cNvPr id="4" name="Picture 3">
-            <a:extLst>
-              <a:ext uri="{FF2B5EF4-FFF2-40B4-BE49-F238E27FC236}">
-                <a16:creationId xmlns:a16="http://schemas.microsoft.com/office/drawing/2014/main" id="{ECA46642-1BBF-44AE-9E12-8AD08162EAD6}"/>
+          <p:cNvPr id="6" name="Content Placeholder 5">
+            <a:extLst>
+              <a:ext uri="{FF2B5EF4-FFF2-40B4-BE49-F238E27FC236}">
+                <a16:creationId xmlns:a16="http://schemas.microsoft.com/office/drawing/2014/main" id="{3B49EF3F-0FB8-0DF5-687B-CA5A9F3CFE36}"/>
               </a:ext>
             </a:extLst>
           </p:cNvPr>
           <p:cNvPicPr>
-            <a:picLocks noChangeAspect="1"/>
+            <a:picLocks noGrp="1" noChangeAspect="1"/>
           </p:cNvPicPr>
-          <p:nvPr/>
+          <p:nvPr>
+            <p:ph sz="half" idx="2"/>
+          </p:nvPr>
         </p:nvPicPr>
         <p:blipFill>
           <a:blip r:embed="rId2"/>
@@ -12941,18 +12992,70 @@
         </p:blipFill>
         <p:spPr>
           <a:xfrm>
-            <a:off x="5181600" y="1371601"/>
-            <a:ext cx="3299764" cy="4557685"/>
+            <a:off x="3713479" y="1646237"/>
+            <a:ext cx="5049521" cy="4861475"/>
+          </a:xfrm>
+        </p:spPr>
+      </p:pic>
+      <p:sp>
+        <p:nvSpPr>
+          <p:cNvPr id="4" name="Title 2">
+            <a:extLst>
+              <a:ext uri="{FF2B5EF4-FFF2-40B4-BE49-F238E27FC236}">
+                <a16:creationId xmlns:a16="http://schemas.microsoft.com/office/drawing/2014/main" id="{F2AA2585-D5D8-3AF2-7D08-587726B14407}"/>
+              </a:ext>
+            </a:extLst>
+          </p:cNvPr>
+          <p:cNvSpPr txBox="1">
+            <a:spLocks/>
+          </p:cNvSpPr>
+          <p:nvPr/>
+        </p:nvSpPr>
+        <p:spPr>
+          <a:xfrm>
+            <a:off x="381000" y="731837"/>
+            <a:ext cx="8229600" cy="914400"/>
           </a:xfrm>
           <a:prstGeom prst="rect">
             <a:avLst/>
           </a:prstGeom>
         </p:spPr>
-      </p:pic>
+        <p:txBody>
+          <a:bodyPr vert="horz" lIns="91440" tIns="45720" rIns="91440" bIns="45720" rtlCol="0" anchor="ctr">
+            <a:normAutofit/>
+          </a:bodyPr>
+          <a:lstStyle>
+            <a:lvl1pPr algn="l" defTabSz="914400" rtl="0" eaLnBrk="1" latinLnBrk="0" hangingPunct="1">
+              <a:spcBef>
+                <a:spcPct val="0"/>
+              </a:spcBef>
+              <a:buNone/>
+              <a:defRPr sz="4400" kern="1200">
+                <a:solidFill>
+                  <a:schemeClr val="tx1"/>
+                </a:solidFill>
+                <a:latin typeface="+mj-lt"/>
+                <a:ea typeface="+mj-ea"/>
+                <a:cs typeface="+mj-cs"/>
+              </a:defRPr>
+            </a:lvl1pPr>
+          </a:lstStyle>
+          <a:p>
+            <a:r>
+              <a:rPr lang="en-US" sz="3600" dirty="0">
+                <a:solidFill>
+                  <a:srgbClr val="FF0000"/>
+                </a:solidFill>
+              </a:rPr>
+              <a:t>Switch case statement </a:t>
+            </a:r>
+          </a:p>
+        </p:txBody>
+      </p:sp>
     </p:spTree>
     <p:extLst>
       <p:ext uri="{BB962C8B-B14F-4D97-AF65-F5344CB8AC3E}">
-        <p14:creationId xmlns:p14="http://schemas.microsoft.com/office/powerpoint/2010/main" val="671157071"/>
+        <p14:creationId xmlns:p14="http://schemas.microsoft.com/office/powerpoint/2010/main" val="36346345"/>
       </p:ext>
     </p:extLst>
   </p:cSld>
@@ -12981,10 +13084,10 @@
       </p:grpSpPr>
       <p:sp>
         <p:nvSpPr>
-          <p:cNvPr id="3" name="Title 2">
-            <a:extLst>
-              <a:ext uri="{FF2B5EF4-FFF2-40B4-BE49-F238E27FC236}">
-                <a16:creationId xmlns:a16="http://schemas.microsoft.com/office/drawing/2014/main" id="{9B9DEBBD-0869-4603-B405-5D5F7CEFBDF2}"/>
+          <p:cNvPr id="6" name="Content Placeholder 5">
+            <a:extLst>
+              <a:ext uri="{FF2B5EF4-FFF2-40B4-BE49-F238E27FC236}">
+                <a16:creationId xmlns:a16="http://schemas.microsoft.com/office/drawing/2014/main" id="{593E097B-E6B8-99A1-8A32-A5326A58C642}"/>
               </a:ext>
             </a:extLst>
           </p:cNvPr>
@@ -12992,27 +13095,145 @@
             <a:spLocks noGrp="1"/>
           </p:cNvSpPr>
           <p:nvPr>
-            <p:ph type="ctrTitle"/>
+            <p:ph sz="half" idx="1"/>
           </p:nvPr>
         </p:nvSpPr>
-        <p:spPr/>
+        <p:spPr>
+          <a:xfrm>
+            <a:off x="111368" y="1066800"/>
+            <a:ext cx="5070231" cy="1371600"/>
+          </a:xfrm>
+        </p:spPr>
         <p:txBody>
-          <a:bodyPr/>
+          <a:bodyPr>
+            <a:normAutofit fontScale="92500" lnSpcReduction="10000"/>
+          </a:bodyPr>
           <a:lstStyle/>
           <a:p>
-            <a:r>
-              <a:rPr lang="en-US" dirty="0"/>
-              <a:t>break</a:t>
+            <a:pPr marL="0" indent="0" algn="l">
+              <a:buNone/>
+            </a:pPr>
+            <a:r>
+              <a:rPr lang="en-US" sz="2000" dirty="0">
+                <a:solidFill>
+                  <a:srgbClr val="002060"/>
+                </a:solidFill>
+                <a:effectLst/>
+              </a:rPr>
+              <a:t>for(initialization; condition; expression)</a:t>
+            </a:r>
+          </a:p>
+          <a:p>
+            <a:pPr marL="0" indent="0" algn="l">
+              <a:buNone/>
+            </a:pPr>
+            <a:r>
+              <a:rPr lang="en-US" sz="2000" dirty="0">
+                <a:solidFill>
+                  <a:srgbClr val="002060"/>
+                </a:solidFill>
+                <a:effectLst/>
+              </a:rPr>
+              <a:t>{   </a:t>
+            </a:r>
+          </a:p>
+          <a:p>
+            <a:pPr marL="0" indent="0" algn="l">
+              <a:buNone/>
+            </a:pPr>
+            <a:r>
+              <a:rPr lang="en-US" sz="2000" dirty="0">
+                <a:solidFill>
+                  <a:srgbClr val="002060"/>
+                </a:solidFill>
+                <a:effectLst/>
+              </a:rPr>
+              <a:t>// statement</a:t>
+            </a:r>
+          </a:p>
+          <a:p>
+            <a:pPr marL="0" indent="0" algn="l">
+              <a:buNone/>
+            </a:pPr>
+            <a:r>
+              <a:rPr lang="en-US" sz="2000" dirty="0">
+                <a:solidFill>
+                  <a:srgbClr val="002060"/>
+                </a:solidFill>
+                <a:effectLst/>
+              </a:rPr>
+              <a:t>}</a:t>
+            </a:r>
+          </a:p>
+          <a:p>
+            <a:pPr marL="0" indent="0">
+              <a:buNone/>
+            </a:pPr>
+            <a:endParaRPr lang="en-US" dirty="0"/>
+          </a:p>
+        </p:txBody>
+      </p:sp>
+      <p:sp>
+        <p:nvSpPr>
+          <p:cNvPr id="8" name="Title 2">
+            <a:extLst>
+              <a:ext uri="{FF2B5EF4-FFF2-40B4-BE49-F238E27FC236}">
+                <a16:creationId xmlns:a16="http://schemas.microsoft.com/office/drawing/2014/main" id="{FF4514B6-3E7C-E899-4CE0-DDDE6122C457}"/>
+              </a:ext>
+            </a:extLst>
+          </p:cNvPr>
+          <p:cNvSpPr txBox="1">
+            <a:spLocks/>
+          </p:cNvSpPr>
+          <p:nvPr/>
+        </p:nvSpPr>
+        <p:spPr>
+          <a:xfrm>
+            <a:off x="111369" y="291001"/>
+            <a:ext cx="8229600" cy="914400"/>
+          </a:xfrm>
+          <a:prstGeom prst="rect">
+            <a:avLst/>
+          </a:prstGeom>
+        </p:spPr>
+        <p:txBody>
+          <a:bodyPr vert="horz" lIns="91440" tIns="45720" rIns="91440" bIns="45720" rtlCol="0" anchor="ctr">
+            <a:normAutofit/>
+          </a:bodyPr>
+          <a:lstStyle>
+            <a:lvl1pPr algn="l" defTabSz="914400" rtl="0" eaLnBrk="1" latinLnBrk="0" hangingPunct="1">
+              <a:spcBef>
+                <a:spcPct val="0"/>
+              </a:spcBef>
+              <a:buNone/>
+              <a:defRPr sz="4400" kern="1200">
+                <a:solidFill>
+                  <a:schemeClr val="tx1"/>
+                </a:solidFill>
+                <a:latin typeface="+mj-lt"/>
+                <a:ea typeface="+mj-ea"/>
+                <a:cs typeface="+mj-cs"/>
+              </a:defRPr>
+            </a:lvl1pPr>
+          </a:lstStyle>
+          <a:p>
+            <a:r>
+              <a:rPr lang="en-US" sz="2800" dirty="0">
+                <a:solidFill>
+                  <a:srgbClr val="FF0000"/>
+                </a:solidFill>
+              </a:rPr>
+              <a:t>For loop</a:t>
             </a:r>
           </a:p>
         </p:txBody>
       </p:sp>
       <p:pic>
         <p:nvPicPr>
-          <p:cNvPr id="4" name="Picture 3">
-            <a:extLst>
-              <a:ext uri="{FF2B5EF4-FFF2-40B4-BE49-F238E27FC236}">
-                <a16:creationId xmlns:a16="http://schemas.microsoft.com/office/drawing/2014/main" id="{9B4E7E68-FA2A-413F-893B-5BD37411BBB3}"/>
+          <p:cNvPr id="10" name="Picture 9">
+            <a:extLst>
+              <a:ext uri="{FF2B5EF4-FFF2-40B4-BE49-F238E27FC236}">
+                <a16:creationId xmlns:a16="http://schemas.microsoft.com/office/drawing/2014/main" id="{3099F2DB-5EA2-67E8-746D-B9F2E2FE7B68}"/>
               </a:ext>
             </a:extLst>
           </p:cNvPr>
@@ -13029,8 +13250,8 @@
         </p:blipFill>
         <p:spPr>
           <a:xfrm>
-            <a:off x="459065" y="1535137"/>
-            <a:ext cx="4112935" cy="3787725"/>
+            <a:off x="1524000" y="2020448"/>
+            <a:ext cx="6781800" cy="4620723"/>
           </a:xfrm>
           <a:prstGeom prst="rect">
             <a:avLst/>
@@ -13040,7 +13261,7 @@
     </p:spTree>
     <p:extLst>
       <p:ext uri="{BB962C8B-B14F-4D97-AF65-F5344CB8AC3E}">
-        <p14:creationId xmlns:p14="http://schemas.microsoft.com/office/powerpoint/2010/main" val="2500399707"/>
+        <p14:creationId xmlns:p14="http://schemas.microsoft.com/office/powerpoint/2010/main" val="2449118757"/>
       </p:ext>
     </p:extLst>
   </p:cSld>
@@ -13072,7 +13293,7 @@
           <p:cNvPr id="3" name="Title 2">
             <a:extLst>
               <a:ext uri="{FF2B5EF4-FFF2-40B4-BE49-F238E27FC236}">
-                <a16:creationId xmlns:a16="http://schemas.microsoft.com/office/drawing/2014/main" id="{05F3BB71-E92E-464C-B5A9-294A28D0A6DA}"/>
+                <a16:creationId xmlns:a16="http://schemas.microsoft.com/office/drawing/2014/main" id="{B9857CC5-33EB-4775-B8C0-1C04359458B7}"/>
               </a:ext>
             </a:extLst>
           </p:cNvPr>
@@ -13085,22 +13306,29 @@
         </p:nvSpPr>
         <p:spPr/>
         <p:txBody>
-          <a:bodyPr/>
+          <a:bodyPr>
+            <a:normAutofit/>
+          </a:bodyPr>
           <a:lstStyle/>
           <a:p>
             <a:r>
-              <a:rPr lang="en-US" dirty="0"/>
-              <a:t>continue</a:t>
-            </a:r>
+              <a:rPr lang="en-US" sz="3600" dirty="0">
+                <a:solidFill>
+                  <a:srgbClr val="FF0000"/>
+                </a:solidFill>
+              </a:rPr>
+              <a:t>While loop</a:t>
+            </a:r>
+            <a:endParaRPr lang="en-US" sz="3600" dirty="0"/>
           </a:p>
         </p:txBody>
       </p:sp>
       <p:pic>
         <p:nvPicPr>
-          <p:cNvPr id="4" name="Picture 3">
-            <a:extLst>
-              <a:ext uri="{FF2B5EF4-FFF2-40B4-BE49-F238E27FC236}">
-                <a16:creationId xmlns:a16="http://schemas.microsoft.com/office/drawing/2014/main" id="{D480D2BB-2EA9-4234-99F3-983940D85805}"/>
+          <p:cNvPr id="7" name="Picture 6">
+            <a:extLst>
+              <a:ext uri="{FF2B5EF4-FFF2-40B4-BE49-F238E27FC236}">
+                <a16:creationId xmlns:a16="http://schemas.microsoft.com/office/drawing/2014/main" id="{BEF206A0-B410-3CC9-A875-36D47A2A6587}"/>
               </a:ext>
             </a:extLst>
           </p:cNvPr>
@@ -13117,18 +13345,99 @@
         </p:blipFill>
         <p:spPr>
           <a:xfrm>
-            <a:off x="533400" y="1626855"/>
-            <a:ext cx="3852862" cy="3604290"/>
+            <a:off x="3771902" y="1322365"/>
+            <a:ext cx="5067298" cy="5366300"/>
           </a:xfrm>
           <a:prstGeom prst="rect">
             <a:avLst/>
           </a:prstGeom>
         </p:spPr>
       </p:pic>
+      <p:sp>
+        <p:nvSpPr>
+          <p:cNvPr id="9" name="TextBox 8">
+            <a:extLst>
+              <a:ext uri="{FF2B5EF4-FFF2-40B4-BE49-F238E27FC236}">
+                <a16:creationId xmlns:a16="http://schemas.microsoft.com/office/drawing/2014/main" id="{28E7F221-6E38-A679-45C4-1A9F7FE9A2B2}"/>
+              </a:ext>
+            </a:extLst>
+          </p:cNvPr>
+          <p:cNvSpPr txBox="1"/>
+          <p:nvPr/>
+        </p:nvSpPr>
+        <p:spPr>
+          <a:xfrm>
+            <a:off x="533400" y="1857376"/>
+            <a:ext cx="2895600" cy="1815882"/>
+          </a:xfrm>
+          <a:prstGeom prst="rect">
+            <a:avLst/>
+          </a:prstGeom>
+          <a:noFill/>
+        </p:spPr>
+        <p:txBody>
+          <a:bodyPr wrap="square">
+            <a:spAutoFit/>
+          </a:bodyPr>
+          <a:lstStyle/>
+          <a:p>
+            <a:pPr marL="0" indent="0">
+              <a:buNone/>
+            </a:pPr>
+            <a:r>
+              <a:rPr lang="en-US" sz="2800" dirty="0">
+                <a:solidFill>
+                  <a:srgbClr val="002060"/>
+                </a:solidFill>
+              </a:rPr>
+              <a:t>while(condition) </a:t>
+            </a:r>
+          </a:p>
+          <a:p>
+            <a:pPr marL="0" indent="0">
+              <a:buNone/>
+            </a:pPr>
+            <a:r>
+              <a:rPr lang="en-US" sz="2800" dirty="0">
+                <a:solidFill>
+                  <a:srgbClr val="002060"/>
+                </a:solidFill>
+              </a:rPr>
+              <a:t>{    </a:t>
+            </a:r>
+          </a:p>
+          <a:p>
+            <a:pPr marL="0" indent="0">
+              <a:buNone/>
+            </a:pPr>
+            <a:r>
+              <a:rPr lang="en-US" sz="2800" dirty="0">
+                <a:solidFill>
+                  <a:srgbClr val="002060"/>
+                </a:solidFill>
+              </a:rPr>
+              <a:t>// do something</a:t>
+            </a:r>
+          </a:p>
+          <a:p>
+            <a:pPr marL="0" indent="0">
+              <a:buNone/>
+            </a:pPr>
+            <a:r>
+              <a:rPr lang="en-US" sz="2800" dirty="0">
+                <a:solidFill>
+                  <a:srgbClr val="002060"/>
+                </a:solidFill>
+              </a:rPr>
+              <a:t>}</a:t>
+            </a:r>
+          </a:p>
+        </p:txBody>
+      </p:sp>
     </p:spTree>
     <p:extLst>
       <p:ext uri="{BB962C8B-B14F-4D97-AF65-F5344CB8AC3E}">
-        <p14:creationId xmlns:p14="http://schemas.microsoft.com/office/powerpoint/2010/main" val="330316392"/>
+        <p14:creationId xmlns:p14="http://schemas.microsoft.com/office/powerpoint/2010/main" val="3994904982"/>
       </p:ext>
     </p:extLst>
   </p:cSld>
@@ -13157,10 +13466,10 @@
       </p:grpSpPr>
       <p:sp>
         <p:nvSpPr>
-          <p:cNvPr id="4" name="Title 3">
-            <a:extLst>
-              <a:ext uri="{FF2B5EF4-FFF2-40B4-BE49-F238E27FC236}">
-                <a16:creationId xmlns:a16="http://schemas.microsoft.com/office/drawing/2014/main" id="{1EB4241C-4663-42C3-9817-E27E57721415}"/>
+          <p:cNvPr id="2" name="Content Placeholder 1">
+            <a:extLst>
+              <a:ext uri="{FF2B5EF4-FFF2-40B4-BE49-F238E27FC236}">
+                <a16:creationId xmlns:a16="http://schemas.microsoft.com/office/drawing/2014/main" id="{0C8A4DEB-C2E8-7F5A-367E-D518120967EF}"/>
               </a:ext>
             </a:extLst>
           </p:cNvPr>
@@ -13168,25 +13477,125 @@
             <a:spLocks noGrp="1"/>
           </p:cNvSpPr>
           <p:nvPr>
-            <p:ph type="title"/>
+            <p:ph idx="1"/>
           </p:nvPr>
         </p:nvSpPr>
         <p:spPr/>
         <p:txBody>
-          <a:bodyPr/>
+          <a:bodyPr>
+            <a:normAutofit/>
+          </a:bodyPr>
           <a:lstStyle/>
           <a:p>
-            <a:r>
-              <a:rPr lang="en-US" sz="3600" i="1" dirty="0"/>
-              <a:t>Any query?</a:t>
+            <a:pPr marL="0" indent="0">
+              <a:buNone/>
+            </a:pPr>
+            <a:r>
+              <a:rPr lang="en-US" sz="2400" dirty="0">
+                <a:solidFill>
+                  <a:srgbClr val="002060"/>
+                </a:solidFill>
+              </a:rPr>
+              <a:t>do {   </a:t>
+            </a:r>
+          </a:p>
+          <a:p>
+            <a:pPr marL="0" indent="0">
+              <a:buNone/>
+            </a:pPr>
+            <a:r>
+              <a:rPr lang="en-US" sz="2400" dirty="0">
+                <a:solidFill>
+                  <a:srgbClr val="002060"/>
+                </a:solidFill>
+              </a:rPr>
+              <a:t> // do something</a:t>
+            </a:r>
+          </a:p>
+          <a:p>
+            <a:pPr marL="0" indent="0">
+              <a:buNone/>
+            </a:pPr>
+            <a:r>
+              <a:rPr lang="en-US" sz="2400" dirty="0">
+                <a:solidFill>
+                  <a:srgbClr val="002060"/>
+                </a:solidFill>
+              </a:rPr>
+              <a:t>}</a:t>
             </a:r>
           </a:p>
         </p:txBody>
       </p:sp>
+      <p:sp>
+        <p:nvSpPr>
+          <p:cNvPr id="3" name="Title 2">
+            <a:extLst>
+              <a:ext uri="{FF2B5EF4-FFF2-40B4-BE49-F238E27FC236}">
+                <a16:creationId xmlns:a16="http://schemas.microsoft.com/office/drawing/2014/main" id="{DA526FAE-E134-1505-5CB2-469DFC115948}"/>
+              </a:ext>
+            </a:extLst>
+          </p:cNvPr>
+          <p:cNvSpPr>
+            <a:spLocks noGrp="1"/>
+          </p:cNvSpPr>
+          <p:nvPr>
+            <p:ph type="ctrTitle"/>
+          </p:nvPr>
+        </p:nvSpPr>
+        <p:spPr/>
+        <p:txBody>
+          <a:bodyPr>
+            <a:normAutofit/>
+          </a:bodyPr>
+          <a:lstStyle/>
+          <a:p>
+            <a:r>
+              <a:rPr lang="en-US" sz="3600" dirty="0">
+                <a:solidFill>
+                  <a:srgbClr val="FF0000"/>
+                </a:solidFill>
+              </a:rPr>
+              <a:t>Do while</a:t>
+            </a:r>
+            <a:endParaRPr lang="en-US" sz="3600" dirty="0"/>
+          </a:p>
+        </p:txBody>
+      </p:sp>
+      <p:pic>
+        <p:nvPicPr>
+          <p:cNvPr id="5" name="Picture 4">
+            <a:extLst>
+              <a:ext uri="{FF2B5EF4-FFF2-40B4-BE49-F238E27FC236}">
+                <a16:creationId xmlns:a16="http://schemas.microsoft.com/office/drawing/2014/main" id="{A5BB3110-9E93-9452-35F5-FF299C1D2E6D}"/>
+              </a:ext>
+            </a:extLst>
+          </p:cNvPr>
+          <p:cNvPicPr>
+            <a:picLocks noChangeAspect="1"/>
+          </p:cNvPicPr>
+          <p:nvPr/>
+        </p:nvPicPr>
+        <p:blipFill>
+          <a:blip r:embed="rId2"/>
+          <a:stretch>
+            <a:fillRect/>
+          </a:stretch>
+        </p:blipFill>
+        <p:spPr>
+          <a:xfrm>
+            <a:off x="2971800" y="990600"/>
+            <a:ext cx="4876800" cy="5792186"/>
+          </a:xfrm>
+          <a:prstGeom prst="rect">
+            <a:avLst/>
+          </a:prstGeom>
+        </p:spPr>
+      </p:pic>
     </p:spTree>
     <p:extLst>
       <p:ext uri="{BB962C8B-B14F-4D97-AF65-F5344CB8AC3E}">
-        <p14:creationId xmlns:p14="http://schemas.microsoft.com/office/powerpoint/2010/main" val="175374660"/>
+        <p14:creationId xmlns:p14="http://schemas.microsoft.com/office/powerpoint/2010/main" val="1055547157"/>
       </p:ext>
     </p:extLst>
   </p:cSld>
@@ -13295,7 +13704,11 @@
           <a:lstStyle/>
           <a:p>
             <a:r>
-              <a:rPr lang="en-US" dirty="0"/>
+              <a:rPr lang="en-US" dirty="0">
+                <a:solidFill>
+                  <a:srgbClr val="FF0000"/>
+                </a:solidFill>
+              </a:rPr>
               <a:t>variables</a:t>
             </a:r>
           </a:p>
@@ -13305,6 +13718,252 @@
     <p:extLst>
       <p:ext uri="{BB962C8B-B14F-4D97-AF65-F5344CB8AC3E}">
         <p14:creationId xmlns:p14="http://schemas.microsoft.com/office/powerpoint/2010/main" val="982060468"/>
+      </p:ext>
+    </p:extLst>
+  </p:cSld>
+  <p:clrMapOvr>
+    <a:masterClrMapping/>
+  </p:clrMapOvr>
+</p:sld>
+</file>
+
+<file path=ppt/slides/slide40.xml><?xml version="1.0" encoding="utf-8"?>
+<p:sld xmlns:a="http://schemas.openxmlformats.org/drawingml/2006/main" xmlns:r="http://schemas.openxmlformats.org/officeDocument/2006/relationships" xmlns:p="http://schemas.openxmlformats.org/presentationml/2006/main">
+  <p:cSld>
+    <p:spTree>
+      <p:nvGrpSpPr>
+        <p:cNvPr id="1" name=""/>
+        <p:cNvGrpSpPr/>
+        <p:nvPr/>
+      </p:nvGrpSpPr>
+      <p:grpSpPr>
+        <a:xfrm>
+          <a:off x="0" y="0"/>
+          <a:ext cx="0" cy="0"/>
+          <a:chOff x="0" y="0"/>
+          <a:chExt cx="0" cy="0"/>
+        </a:xfrm>
+      </p:grpSpPr>
+      <p:sp>
+        <p:nvSpPr>
+          <p:cNvPr id="3" name="Title 2">
+            <a:extLst>
+              <a:ext uri="{FF2B5EF4-FFF2-40B4-BE49-F238E27FC236}">
+                <a16:creationId xmlns:a16="http://schemas.microsoft.com/office/drawing/2014/main" id="{9B9DEBBD-0869-4603-B405-5D5F7CEFBDF2}"/>
+              </a:ext>
+            </a:extLst>
+          </p:cNvPr>
+          <p:cNvSpPr>
+            <a:spLocks noGrp="1"/>
+          </p:cNvSpPr>
+          <p:nvPr>
+            <p:ph type="ctrTitle"/>
+          </p:nvPr>
+        </p:nvSpPr>
+        <p:spPr/>
+        <p:txBody>
+          <a:bodyPr>
+            <a:normAutofit/>
+          </a:bodyPr>
+          <a:lstStyle/>
+          <a:p>
+            <a:r>
+              <a:rPr lang="en-US" sz="3600" dirty="0">
+                <a:solidFill>
+                  <a:srgbClr val="FF0000"/>
+                </a:solidFill>
+              </a:rPr>
+              <a:t>break</a:t>
+            </a:r>
+          </a:p>
+        </p:txBody>
+      </p:sp>
+      <p:pic>
+        <p:nvPicPr>
+          <p:cNvPr id="5" name="Picture 4">
+            <a:extLst>
+              <a:ext uri="{FF2B5EF4-FFF2-40B4-BE49-F238E27FC236}">
+                <a16:creationId xmlns:a16="http://schemas.microsoft.com/office/drawing/2014/main" id="{CA440A7E-FC43-706B-F3A9-CF29AA1DA644}"/>
+              </a:ext>
+            </a:extLst>
+          </p:cNvPr>
+          <p:cNvPicPr>
+            <a:picLocks noChangeAspect="1"/>
+          </p:cNvPicPr>
+          <p:nvPr/>
+        </p:nvPicPr>
+        <p:blipFill>
+          <a:blip r:embed="rId2"/>
+          <a:stretch>
+            <a:fillRect/>
+          </a:stretch>
+        </p:blipFill>
+        <p:spPr>
+          <a:xfrm>
+            <a:off x="446314" y="1395047"/>
+            <a:ext cx="7630886" cy="4685886"/>
+          </a:xfrm>
+          <a:prstGeom prst="rect">
+            <a:avLst/>
+          </a:prstGeom>
+        </p:spPr>
+      </p:pic>
+    </p:spTree>
+    <p:extLst>
+      <p:ext uri="{BB962C8B-B14F-4D97-AF65-F5344CB8AC3E}">
+        <p14:creationId xmlns:p14="http://schemas.microsoft.com/office/powerpoint/2010/main" val="2500399707"/>
+      </p:ext>
+    </p:extLst>
+  </p:cSld>
+  <p:clrMapOvr>
+    <a:masterClrMapping/>
+  </p:clrMapOvr>
+</p:sld>
+</file>
+
+<file path=ppt/slides/slide41.xml><?xml version="1.0" encoding="utf-8"?>
+<p:sld xmlns:a="http://schemas.openxmlformats.org/drawingml/2006/main" xmlns:r="http://schemas.openxmlformats.org/officeDocument/2006/relationships" xmlns:p="http://schemas.openxmlformats.org/presentationml/2006/main">
+  <p:cSld>
+    <p:spTree>
+      <p:nvGrpSpPr>
+        <p:cNvPr id="1" name=""/>
+        <p:cNvGrpSpPr/>
+        <p:nvPr/>
+      </p:nvGrpSpPr>
+      <p:grpSpPr>
+        <a:xfrm>
+          <a:off x="0" y="0"/>
+          <a:ext cx="0" cy="0"/>
+          <a:chOff x="0" y="0"/>
+          <a:chExt cx="0" cy="0"/>
+        </a:xfrm>
+      </p:grpSpPr>
+      <p:sp>
+        <p:nvSpPr>
+          <p:cNvPr id="3" name="Title 2">
+            <a:extLst>
+              <a:ext uri="{FF2B5EF4-FFF2-40B4-BE49-F238E27FC236}">
+                <a16:creationId xmlns:a16="http://schemas.microsoft.com/office/drawing/2014/main" id="{05F3BB71-E92E-464C-B5A9-294A28D0A6DA}"/>
+              </a:ext>
+            </a:extLst>
+          </p:cNvPr>
+          <p:cNvSpPr>
+            <a:spLocks noGrp="1"/>
+          </p:cNvSpPr>
+          <p:nvPr>
+            <p:ph type="ctrTitle"/>
+          </p:nvPr>
+        </p:nvSpPr>
+        <p:spPr/>
+        <p:txBody>
+          <a:bodyPr>
+            <a:normAutofit/>
+          </a:bodyPr>
+          <a:lstStyle/>
+          <a:p>
+            <a:r>
+              <a:rPr lang="en-US" sz="3600" dirty="0">
+                <a:solidFill>
+                  <a:srgbClr val="FF0000"/>
+                </a:solidFill>
+              </a:rPr>
+              <a:t>continue</a:t>
+            </a:r>
+          </a:p>
+        </p:txBody>
+      </p:sp>
+      <p:pic>
+        <p:nvPicPr>
+          <p:cNvPr id="5" name="Picture 4">
+            <a:extLst>
+              <a:ext uri="{FF2B5EF4-FFF2-40B4-BE49-F238E27FC236}">
+                <a16:creationId xmlns:a16="http://schemas.microsoft.com/office/drawing/2014/main" id="{8C33E75A-57AC-3504-7B50-C637A0388A3A}"/>
+              </a:ext>
+            </a:extLst>
+          </p:cNvPr>
+          <p:cNvPicPr>
+            <a:picLocks noChangeAspect="1"/>
+          </p:cNvPicPr>
+          <p:nvPr/>
+        </p:nvPicPr>
+        <p:blipFill>
+          <a:blip r:embed="rId2"/>
+          <a:stretch>
+            <a:fillRect/>
+          </a:stretch>
+        </p:blipFill>
+        <p:spPr>
+          <a:xfrm>
+            <a:off x="838200" y="1600200"/>
+            <a:ext cx="7170574" cy="4419599"/>
+          </a:xfrm>
+          <a:prstGeom prst="rect">
+            <a:avLst/>
+          </a:prstGeom>
+        </p:spPr>
+      </p:pic>
+    </p:spTree>
+    <p:extLst>
+      <p:ext uri="{BB962C8B-B14F-4D97-AF65-F5344CB8AC3E}">
+        <p14:creationId xmlns:p14="http://schemas.microsoft.com/office/powerpoint/2010/main" val="330316392"/>
+      </p:ext>
+    </p:extLst>
+  </p:cSld>
+  <p:clrMapOvr>
+    <a:masterClrMapping/>
+  </p:clrMapOvr>
+</p:sld>
+</file>
+
+<file path=ppt/slides/slide42.xml><?xml version="1.0" encoding="utf-8"?>
+<p:sld xmlns:a="http://schemas.openxmlformats.org/drawingml/2006/main" xmlns:r="http://schemas.openxmlformats.org/officeDocument/2006/relationships" xmlns:p="http://schemas.openxmlformats.org/presentationml/2006/main">
+  <p:cSld>
+    <p:spTree>
+      <p:nvGrpSpPr>
+        <p:cNvPr id="1" name=""/>
+        <p:cNvGrpSpPr/>
+        <p:nvPr/>
+      </p:nvGrpSpPr>
+      <p:grpSpPr>
+        <a:xfrm>
+          <a:off x="0" y="0"/>
+          <a:ext cx="0" cy="0"/>
+          <a:chOff x="0" y="0"/>
+          <a:chExt cx="0" cy="0"/>
+        </a:xfrm>
+      </p:grpSpPr>
+      <p:sp>
+        <p:nvSpPr>
+          <p:cNvPr id="4" name="Title 3">
+            <a:extLst>
+              <a:ext uri="{FF2B5EF4-FFF2-40B4-BE49-F238E27FC236}">
+                <a16:creationId xmlns:a16="http://schemas.microsoft.com/office/drawing/2014/main" id="{1EB4241C-4663-42C3-9817-E27E57721415}"/>
+              </a:ext>
+            </a:extLst>
+          </p:cNvPr>
+          <p:cNvSpPr>
+            <a:spLocks noGrp="1"/>
+          </p:cNvSpPr>
+          <p:nvPr>
+            <p:ph type="title"/>
+          </p:nvPr>
+        </p:nvSpPr>
+        <p:spPr/>
+        <p:txBody>
+          <a:bodyPr/>
+          <a:lstStyle/>
+          <a:p>
+            <a:r>
+              <a:rPr lang="en-US" sz="3600" i="1" dirty="0"/>
+              <a:t>Any query?</a:t>
+            </a:r>
+          </a:p>
+        </p:txBody>
+      </p:sp>
+    </p:spTree>
+    <p:extLst>
+      <p:ext uri="{BB962C8B-B14F-4D97-AF65-F5344CB8AC3E}">
+        <p14:creationId xmlns:p14="http://schemas.microsoft.com/office/powerpoint/2010/main" val="175374660"/>
       </p:ext>
     </p:extLst>
   </p:cSld>
@@ -13350,7 +14009,7 @@
         <p:spPr/>
         <p:txBody>
           <a:bodyPr>
-            <a:normAutofit fontScale="62500" lnSpcReduction="20000"/>
+            <a:noAutofit/>
           </a:bodyPr>
           <a:lstStyle/>
           <a:p>
@@ -13358,7 +14017,7 @@
               <a:buNone/>
             </a:pPr>
             <a:r>
-              <a:rPr lang="en-US" dirty="0"/>
+              <a:rPr lang="en-US" sz="2400" dirty="0"/>
               <a:t>1. Declare type and value in a single statement</a:t>
             </a:r>
           </a:p>
@@ -13366,75 +14025,65 @@
             <a:pPr marL="0" indent="0">
               <a:buNone/>
             </a:pPr>
-            <a:endParaRPr lang="en-US" dirty="0"/>
+            <a:r>
+              <a:rPr lang="en-US" sz="2400" dirty="0">
+                <a:solidFill>
+                  <a:srgbClr val="FF0000"/>
+                </a:solidFill>
+              </a:rPr>
+              <a:t>    let: [type-annotation] = value;  </a:t>
+            </a:r>
           </a:p>
           <a:p>
             <a:pPr marL="0" indent="0">
               <a:buNone/>
             </a:pPr>
             <a:r>
-              <a:rPr lang="en-US" dirty="0"/>
-              <a:t>    var [identifier] : [type-annotation] = value;  </a:t>
+              <a:rPr lang="en-US" sz="2400" dirty="0"/>
+              <a:t>2. Declare type without value. Then the variable will be set to undefined.</a:t>
             </a:r>
           </a:p>
           <a:p>
             <a:pPr marL="0" indent="0">
               <a:buNone/>
             </a:pPr>
-            <a:endParaRPr lang="en-US" dirty="0"/>
+            <a:r>
+              <a:rPr lang="en-US" sz="2400" dirty="0">
+                <a:solidFill>
+                  <a:srgbClr val="FF0000"/>
+                </a:solidFill>
+              </a:rPr>
+              <a:t>    let [identifier] : [type-annotation]; </a:t>
+            </a:r>
+            <a:r>
+              <a:rPr lang="en-US" sz="2400" dirty="0"/>
+              <a:t> </a:t>
+            </a:r>
           </a:p>
           <a:p>
             <a:pPr marL="0" indent="0">
               <a:buNone/>
             </a:pPr>
             <a:r>
-              <a:rPr lang="en-US" dirty="0"/>
-              <a:t>2. Declare type without value. Then the variable will be set to undefined.</a:t>
+              <a:rPr lang="en-US" sz="2400" dirty="0"/>
+              <a:t>3. Declare its value without type. Then the variable will be set to any.</a:t>
             </a:r>
           </a:p>
           <a:p>
             <a:pPr marL="0" indent="0">
               <a:buNone/>
             </a:pPr>
-            <a:endParaRPr lang="en-US" dirty="0"/>
-          </a:p>
-          <a:p>
-            <a:pPr marL="0" indent="0">
-              <a:buNone/>
-            </a:pPr>
-            <a:r>
-              <a:rPr lang="en-US" dirty="0"/>
-              <a:t>    var [identifier] : [type-annotation];  </a:t>
-            </a:r>
-          </a:p>
-          <a:p>
-            <a:pPr marL="0" indent="0">
-              <a:buNone/>
-            </a:pPr>
-            <a:endParaRPr lang="en-US" dirty="0"/>
-          </a:p>
-          <a:p>
-            <a:pPr marL="0" indent="0">
-              <a:buNone/>
-            </a:pPr>
-            <a:r>
-              <a:rPr lang="en-US" dirty="0"/>
-              <a:t>3. Declare its value without type. Then the variable will be set to any.</a:t>
-            </a:r>
-          </a:p>
-          <a:p>
-            <a:pPr marL="0" indent="0">
-              <a:buNone/>
-            </a:pPr>
-            <a:endParaRPr lang="en-US" dirty="0"/>
-          </a:p>
-          <a:p>
-            <a:pPr marL="0" indent="0">
-              <a:buNone/>
-            </a:pPr>
-            <a:r>
-              <a:rPr lang="en-US" dirty="0"/>
-              <a:t>    var [identifier] = value;  </a:t>
+            <a:r>
+              <a:rPr lang="en-US" sz="2400" dirty="0"/>
+              <a:t>    </a:t>
+            </a:r>
+            <a:r>
+              <a:rPr lang="en-US" sz="2400" dirty="0">
+                <a:solidFill>
+                  <a:srgbClr val="FF0000"/>
+                </a:solidFill>
+              </a:rPr>
+              <a:t>let [identifier] = value;  </a:t>
             </a:r>
           </a:p>
         </p:txBody>
@@ -13461,7 +14110,11 @@
           <a:lstStyle/>
           <a:p>
             <a:r>
-              <a:rPr lang="en-US" dirty="0"/>
+              <a:rPr lang="en-US" dirty="0">
+                <a:solidFill>
+                  <a:srgbClr val="FF0000"/>
+                </a:solidFill>
+              </a:rPr>
               <a:t>Variable declaration </a:t>
             </a:r>
           </a:p>
@@ -13525,7 +14178,15 @@
           <a:p>
             <a:r>
               <a:rPr lang="en-US" dirty="0"/>
-              <a:t>Variable types</a:t>
+              <a:t>D</a:t>
+            </a:r>
+            <a:r>
+              <a:rPr lang="en-US" dirty="0">
+                <a:solidFill>
+                  <a:srgbClr val="FF0000"/>
+                </a:solidFill>
+              </a:rPr>
+              <a:t>ata types</a:t>
             </a:r>
           </a:p>
         </p:txBody>
@@ -13584,7 +14245,13 @@
   <p:cSld>
     <p:spTree>
       <p:nvGrpSpPr>
-        <p:cNvPr id="1" name=""/>
+        <p:cNvPr id="1" name="">
+          <a:extLst>
+            <a:ext uri="{FF2B5EF4-FFF2-40B4-BE49-F238E27FC236}">
+              <a16:creationId xmlns:a16="http://schemas.microsoft.com/office/drawing/2014/main" id="{AC5E4A68-D06D-6D7D-C8CD-738FE8AECD11}"/>
+            </a:ext>
+          </a:extLst>
+        </p:cNvPr>
         <p:cNvGrpSpPr/>
         <p:nvPr/>
       </p:nvGrpSpPr>
@@ -13601,7 +14268,7 @@
           <p:cNvPr id="3" name="Title 2">
             <a:extLst>
               <a:ext uri="{FF2B5EF4-FFF2-40B4-BE49-F238E27FC236}">
-                <a16:creationId xmlns:a16="http://schemas.microsoft.com/office/drawing/2014/main" id="{B4341F50-F661-4F55-BE48-196A7A6CA840}"/>
+                <a16:creationId xmlns:a16="http://schemas.microsoft.com/office/drawing/2014/main" id="{93C850FF-33E4-30B3-5CF8-41273F9CA1B9}"/>
               </a:ext>
             </a:extLst>
           </p:cNvPr>
@@ -13619,17 +14286,25 @@
           <a:p>
             <a:r>
               <a:rPr lang="en-US" dirty="0"/>
-              <a:t>Variable types</a:t>
+              <a:t>D</a:t>
+            </a:r>
+            <a:r>
+              <a:rPr lang="en-US" dirty="0">
+                <a:solidFill>
+                  <a:srgbClr val="FF0000"/>
+                </a:solidFill>
+              </a:rPr>
+              <a:t>ata types continued…</a:t>
             </a:r>
           </a:p>
         </p:txBody>
       </p:sp>
       <p:pic>
         <p:nvPicPr>
-          <p:cNvPr id="4" name="Picture 3">
-            <a:extLst>
-              <a:ext uri="{FF2B5EF4-FFF2-40B4-BE49-F238E27FC236}">
-                <a16:creationId xmlns:a16="http://schemas.microsoft.com/office/drawing/2014/main" id="{9061963B-A07E-4D89-87BB-CB52638A4E4D}"/>
+          <p:cNvPr id="5" name="Picture 4">
+            <a:extLst>
+              <a:ext uri="{FF2B5EF4-FFF2-40B4-BE49-F238E27FC236}">
+                <a16:creationId xmlns:a16="http://schemas.microsoft.com/office/drawing/2014/main" id="{2B14A834-5819-B031-853C-286A9E272E5D}"/>
               </a:ext>
             </a:extLst>
           </p:cNvPr>
@@ -13639,15 +14314,21 @@
           <p:nvPr/>
         </p:nvPicPr>
         <p:blipFill>
-          <a:blip r:embed="rId2"/>
+          <a:blip r:embed="rId2">
+            <a:extLst>
+              <a:ext uri="{28A0092B-C50C-407E-A947-70E740481C1C}">
+                <a14:useLocalDpi xmlns:a14="http://schemas.microsoft.com/office/drawing/2010/main" val="0"/>
+              </a:ext>
+            </a:extLst>
+          </a:blip>
           <a:stretch>
             <a:fillRect/>
           </a:stretch>
         </p:blipFill>
         <p:spPr>
           <a:xfrm>
-            <a:off x="446314" y="1524001"/>
-            <a:ext cx="8088085" cy="4376794"/>
+            <a:off x="685800" y="1743075"/>
+            <a:ext cx="6743700" cy="3371850"/>
           </a:xfrm>
           <a:prstGeom prst="rect">
             <a:avLst/>
@@ -13657,7 +14338,7 @@
     </p:spTree>
     <p:extLst>
       <p:ext uri="{BB962C8B-B14F-4D97-AF65-F5344CB8AC3E}">
-        <p14:creationId xmlns:p14="http://schemas.microsoft.com/office/powerpoint/2010/main" val="2883044716"/>
+        <p14:creationId xmlns:p14="http://schemas.microsoft.com/office/powerpoint/2010/main" val="3763221354"/>
       </p:ext>
     </p:extLst>
   </p:cSld>
@@ -13686,103 +14367,10 @@
       </p:grpSpPr>
       <p:sp>
         <p:nvSpPr>
-          <p:cNvPr id="2" name="Content Placeholder 1">
-            <a:extLst>
-              <a:ext uri="{FF2B5EF4-FFF2-40B4-BE49-F238E27FC236}">
-                <a16:creationId xmlns:a16="http://schemas.microsoft.com/office/drawing/2014/main" id="{BF24F832-4C5F-41B1-9AD0-2B79804D8DAF}"/>
-              </a:ext>
-            </a:extLst>
-          </p:cNvPr>
-          <p:cNvSpPr>
-            <a:spLocks noGrp="1"/>
-          </p:cNvSpPr>
-          <p:nvPr>
-            <p:ph idx="1"/>
-          </p:nvPr>
-        </p:nvSpPr>
-        <p:spPr/>
-        <p:txBody>
-          <a:bodyPr>
-            <a:normAutofit fontScale="92500" lnSpcReduction="20000"/>
-          </a:bodyPr>
-          <a:lstStyle/>
-          <a:p>
-            <a:pPr marL="0" indent="0">
-              <a:buNone/>
-            </a:pPr>
-            <a:r>
-              <a:rPr lang="en-US" dirty="0"/>
-              <a:t>let a:number=12;</a:t>
-            </a:r>
-          </a:p>
-          <a:p>
-            <a:pPr marL="0" indent="0">
-              <a:buNone/>
-            </a:pPr>
-            <a:r>
-              <a:rPr lang="en-US" dirty="0"/>
-              <a:t>let b:number=12.55;</a:t>
-            </a:r>
-          </a:p>
-          <a:p>
-            <a:pPr marL="0" indent="0">
-              <a:buNone/>
-            </a:pPr>
-            <a:r>
-              <a:rPr lang="en-US" dirty="0"/>
-              <a:t>let c:string="kumar";</a:t>
-            </a:r>
-          </a:p>
-          <a:p>
-            <a:pPr marL="0" indent="0">
-              <a:buNone/>
-            </a:pPr>
-            <a:r>
-              <a:rPr lang="en-US" dirty="0"/>
-              <a:t>let d:boolean=true;</a:t>
-            </a:r>
-          </a:p>
-          <a:p>
-            <a:pPr marL="0" indent="0">
-              <a:buNone/>
-            </a:pPr>
-            <a:r>
-              <a:rPr lang="en-US" dirty="0"/>
-              <a:t>console.log(a);</a:t>
-            </a:r>
-          </a:p>
-          <a:p>
-            <a:pPr marL="0" indent="0">
-              <a:buNone/>
-            </a:pPr>
-            <a:r>
-              <a:rPr lang="en-US" dirty="0"/>
-              <a:t>console.log(b);</a:t>
-            </a:r>
-          </a:p>
-          <a:p>
-            <a:pPr marL="0" indent="0">
-              <a:buNone/>
-            </a:pPr>
-            <a:r>
-              <a:rPr lang="en-US" dirty="0"/>
-              <a:t>console.log(c);</a:t>
-            </a:r>
-          </a:p>
-          <a:p>
-            <a:pPr marL="0" indent="0">
-              <a:buNone/>
-            </a:pPr>
-            <a:endParaRPr lang="en-US" dirty="0"/>
-          </a:p>
-        </p:txBody>
-      </p:sp>
-      <p:sp>
-        <p:nvSpPr>
           <p:cNvPr id="3" name="Title 2">
             <a:extLst>
               <a:ext uri="{FF2B5EF4-FFF2-40B4-BE49-F238E27FC236}">
-                <a16:creationId xmlns:a16="http://schemas.microsoft.com/office/drawing/2014/main" id="{C9867CE5-2D77-4E3B-B1DA-0619EDC84DB2}"/>
+                <a16:creationId xmlns:a16="http://schemas.microsoft.com/office/drawing/2014/main" id="{B4341F50-F661-4F55-BE48-196A7A6CA840}"/>
               </a:ext>
             </a:extLst>
           </p:cNvPr>
@@ -13799,8 +14387,12 @@
           <a:lstStyle/>
           <a:p>
             <a:r>
-              <a:rPr lang="en-US" dirty="0"/>
-              <a:t>example</a:t>
+              <a:rPr lang="en-US" dirty="0">
+                <a:solidFill>
+                  <a:srgbClr val="FF0000"/>
+                </a:solidFill>
+              </a:rPr>
+              <a:t>Data types</a:t>
             </a:r>
           </a:p>
         </p:txBody>
@@ -13808,7 +14400,7 @@
     </p:spTree>
     <p:extLst>
       <p:ext uri="{BB962C8B-B14F-4D97-AF65-F5344CB8AC3E}">
-        <p14:creationId xmlns:p14="http://schemas.microsoft.com/office/powerpoint/2010/main" val="646680484"/>
+        <p14:creationId xmlns:p14="http://schemas.microsoft.com/office/powerpoint/2010/main" val="2883044716"/>
       </p:ext>
     </p:extLst>
   </p:cSld>
@@ -13837,10 +14429,103 @@
       </p:grpSpPr>
       <p:sp>
         <p:nvSpPr>
+          <p:cNvPr id="2" name="Content Placeholder 1">
+            <a:extLst>
+              <a:ext uri="{FF2B5EF4-FFF2-40B4-BE49-F238E27FC236}">
+                <a16:creationId xmlns:a16="http://schemas.microsoft.com/office/drawing/2014/main" id="{BF24F832-4C5F-41B1-9AD0-2B79804D8DAF}"/>
+              </a:ext>
+            </a:extLst>
+          </p:cNvPr>
+          <p:cNvSpPr>
+            <a:spLocks noGrp="1"/>
+          </p:cNvSpPr>
+          <p:nvPr>
+            <p:ph idx="1"/>
+          </p:nvPr>
+        </p:nvSpPr>
+        <p:spPr/>
+        <p:txBody>
+          <a:bodyPr>
+            <a:normAutofit fontScale="92500" lnSpcReduction="20000"/>
+          </a:bodyPr>
+          <a:lstStyle/>
+          <a:p>
+            <a:pPr marL="0" indent="0">
+              <a:buNone/>
+            </a:pPr>
+            <a:r>
+              <a:rPr lang="en-US" dirty="0"/>
+              <a:t>let a:number=12;</a:t>
+            </a:r>
+          </a:p>
+          <a:p>
+            <a:pPr marL="0" indent="0">
+              <a:buNone/>
+            </a:pPr>
+            <a:r>
+              <a:rPr lang="en-US" dirty="0"/>
+              <a:t>let b:number=12.55;</a:t>
+            </a:r>
+          </a:p>
+          <a:p>
+            <a:pPr marL="0" indent="0">
+              <a:buNone/>
+            </a:pPr>
+            <a:r>
+              <a:rPr lang="en-US" dirty="0"/>
+              <a:t>let c:string="kumar";</a:t>
+            </a:r>
+          </a:p>
+          <a:p>
+            <a:pPr marL="0" indent="0">
+              <a:buNone/>
+            </a:pPr>
+            <a:r>
+              <a:rPr lang="en-US" dirty="0"/>
+              <a:t>let d:boolean=true;</a:t>
+            </a:r>
+          </a:p>
+          <a:p>
+            <a:pPr marL="0" indent="0">
+              <a:buNone/>
+            </a:pPr>
+            <a:r>
+              <a:rPr lang="en-US" dirty="0"/>
+              <a:t>console.log(a);</a:t>
+            </a:r>
+          </a:p>
+          <a:p>
+            <a:pPr marL="0" indent="0">
+              <a:buNone/>
+            </a:pPr>
+            <a:r>
+              <a:rPr lang="en-US" dirty="0"/>
+              <a:t>console.log(b);</a:t>
+            </a:r>
+          </a:p>
+          <a:p>
+            <a:pPr marL="0" indent="0">
+              <a:buNone/>
+            </a:pPr>
+            <a:r>
+              <a:rPr lang="en-US" dirty="0"/>
+              <a:t>console.log(c);</a:t>
+            </a:r>
+          </a:p>
+          <a:p>
+            <a:pPr marL="0" indent="0">
+              <a:buNone/>
+            </a:pPr>
+            <a:endParaRPr lang="en-US" dirty="0"/>
+          </a:p>
+        </p:txBody>
+      </p:sp>
+      <p:sp>
+        <p:nvSpPr>
           <p:cNvPr id="3" name="Title 2">
             <a:extLst>
               <a:ext uri="{FF2B5EF4-FFF2-40B4-BE49-F238E27FC236}">
-                <a16:creationId xmlns:a16="http://schemas.microsoft.com/office/drawing/2014/main" id="{C48105D2-C937-4FB3-A784-E3A68D3D37A0}"/>
+                <a16:creationId xmlns:a16="http://schemas.microsoft.com/office/drawing/2014/main" id="{C9867CE5-2D77-4E3B-B1DA-0619EDC84DB2}"/>
               </a:ext>
             </a:extLst>
           </p:cNvPr>
@@ -13857,52 +14542,20 @@
           <a:lstStyle/>
           <a:p>
             <a:r>
-              <a:rPr lang="en-US" dirty="0"/>
-              <a:t>Variable types</a:t>
+              <a:rPr lang="en-US" dirty="0">
+                <a:solidFill>
+                  <a:srgbClr val="FF0000"/>
+                </a:solidFill>
+              </a:rPr>
+              <a:t>example</a:t>
             </a:r>
           </a:p>
         </p:txBody>
       </p:sp>
-      <p:pic>
-        <p:nvPicPr>
-          <p:cNvPr id="5" name="Picture 4">
-            <a:extLst>
-              <a:ext uri="{FF2B5EF4-FFF2-40B4-BE49-F238E27FC236}">
-                <a16:creationId xmlns:a16="http://schemas.microsoft.com/office/drawing/2014/main" id="{75ADA51A-CFB3-4AF3-BAFD-FD5D1922D923}"/>
-              </a:ext>
-            </a:extLst>
-          </p:cNvPr>
-          <p:cNvPicPr>
-            <a:picLocks noChangeAspect="1"/>
-          </p:cNvPicPr>
-          <p:nvPr/>
-        </p:nvPicPr>
-        <p:blipFill>
-          <a:blip r:embed="rId2">
-            <a:extLst>
-              <a:ext uri="{28A0092B-C50C-407E-A947-70E740481C1C}">
-                <a14:useLocalDpi xmlns:a14="http://schemas.microsoft.com/office/drawing/2010/main" val="0"/>
-              </a:ext>
-            </a:extLst>
-          </a:blip>
-          <a:stretch>
-            <a:fillRect/>
-          </a:stretch>
-        </p:blipFill>
-        <p:spPr>
-          <a:xfrm>
-            <a:off x="685800" y="1743075"/>
-            <a:ext cx="6743700" cy="3371850"/>
-          </a:xfrm>
-          <a:prstGeom prst="rect">
-            <a:avLst/>
-          </a:prstGeom>
-        </p:spPr>
-      </p:pic>
     </p:spTree>
     <p:extLst>
       <p:ext uri="{BB962C8B-B14F-4D97-AF65-F5344CB8AC3E}">
-        <p14:creationId xmlns:p14="http://schemas.microsoft.com/office/powerpoint/2010/main" val="48875322"/>
+        <p14:creationId xmlns:p14="http://schemas.microsoft.com/office/powerpoint/2010/main" val="646680484"/>
       </p:ext>
     </p:extLst>
   </p:cSld>
